--- a/Documents/design review presentation/Connect Four Board Class Slides by Ilija.pptx
+++ b/Documents/design review presentation/Connect Four Board Class Slides by Ilija.pptx
@@ -1,41 +1,48 @@
 
 <file path=ppt/presentation.xml><?xml version="1.0" encoding="utf-8"?>
-<p:presentation xmlns:a="http://schemas.openxmlformats.org/drawingml/2006/main" xmlns:r="http://schemas.openxmlformats.org/officeDocument/2006/relationships" xmlns:mc="http://schemas.openxmlformats.org/markup-compatibility/2006" xmlns:mv="urn:schemas-microsoft-com:mac:vml" xmlns:p="http://schemas.openxmlformats.org/presentationml/2006/main" xmlns:c="http://schemas.openxmlformats.org/drawingml/2006/chart" xmlns:dgm="http://schemas.openxmlformats.org/drawingml/2006/diagram" xmlns:o="urn:schemas-microsoft-com:office:office" xmlns:v="urn:schemas-microsoft-com:vml" xmlns:pvml="urn:schemas-microsoft-com:office:powerpoint" xmlns:com="http://schemas.openxmlformats.org/drawingml/2006/compatibility" xmlns:p14="http://schemas.microsoft.com/office/powerpoint/2010/main" xmlns:p15="http://schemas.microsoft.com/office/powerpoint/2012/main" autoCompressPictures="0" embedTrueTypeFonts="1" strictFirstAndLastChars="0" saveSubsetFonts="1">
+<p:presentation xmlns:a="http://schemas.openxmlformats.org/drawingml/2006/main" xmlns:r="http://schemas.openxmlformats.org/officeDocument/2006/relationships" xmlns:p="http://schemas.openxmlformats.org/presentationml/2006/main" strictFirstAndLastChars="0" embedTrueTypeFonts="1" saveSubsetFonts="1" autoCompressPictures="0">
   <p:sldMasterIdLst>
-    <p:sldMasterId id="2147483659" r:id="rId4"/>
+    <p:sldMasterId id="2147483659" r:id="rId1"/>
   </p:sldMasterIdLst>
   <p:notesMasterIdLst>
-    <p:notesMasterId r:id="rId5"/>
+    <p:notesMasterId r:id="rId9"/>
   </p:notesMasterIdLst>
   <p:sldIdLst>
-    <p:sldId id="256" r:id="rId6"/>
-    <p:sldId id="257" r:id="rId7"/>
-    <p:sldId id="258" r:id="rId8"/>
-    <p:sldId id="259" r:id="rId9"/>
-    <p:sldId id="260" r:id="rId10"/>
-    <p:sldId id="261" r:id="rId11"/>
-    <p:sldId id="262" r:id="rId12"/>
+    <p:sldId id="256" r:id="rId2"/>
+    <p:sldId id="257" r:id="rId3"/>
+    <p:sldId id="258" r:id="rId4"/>
+    <p:sldId id="259" r:id="rId5"/>
+    <p:sldId id="260" r:id="rId6"/>
+    <p:sldId id="261" r:id="rId7"/>
+    <p:sldId id="262" r:id="rId8"/>
   </p:sldIdLst>
-  <p:sldSz cy="5143500" cx="9144000"/>
+  <p:sldSz cx="9144000" cy="5143500" type="screen16x9"/>
   <p:notesSz cx="6858000" cy="9144000"/>
   <p:embeddedFontLst>
     <p:embeddedFont>
-      <p:font typeface="Raleway"/>
-      <p:regular r:id="rId13"/>
-      <p:bold r:id="rId14"/>
-      <p:italic r:id="rId15"/>
-      <p:boldItalic r:id="rId16"/>
+      <p:font typeface="Calibri" panose="020F0502020204030204" pitchFamily="34" charset="0"/>
+      <p:regular r:id="rId10"/>
+      <p:bold r:id="rId11"/>
+      <p:italic r:id="rId12"/>
+      <p:boldItalic r:id="rId13"/>
     </p:embeddedFont>
     <p:embeddedFont>
-      <p:font typeface="Lato"/>
-      <p:regular r:id="rId17"/>
-      <p:bold r:id="rId18"/>
-      <p:italic r:id="rId19"/>
-      <p:boldItalic r:id="rId20"/>
+      <p:font typeface="Lato" panose="020B0604020202020204" charset="0"/>
+      <p:regular r:id="rId14"/>
+      <p:bold r:id="rId15"/>
+      <p:italic r:id="rId16"/>
+      <p:boldItalic r:id="rId17"/>
+    </p:embeddedFont>
+    <p:embeddedFont>
+      <p:font typeface="Raleway" panose="020B0604020202020204" charset="0"/>
+      <p:regular r:id="rId18"/>
+      <p:bold r:id="rId19"/>
+      <p:italic r:id="rId20"/>
+      <p:boldItalic r:id="rId21"/>
     </p:embeddedFont>
   </p:embeddedFontLst>
   <p:defaultTextStyle>
-    <a:defPPr lvl="0" marR="0" rtl="0" algn="l">
+    <a:defPPr marR="0" lvl="0" algn="l" rtl="0">
       <a:lnSpc>
         <a:spcPct val="100000"/>
       </a:lnSpc>
@@ -46,7 +53,7 @@
         <a:spcPts val="0"/>
       </a:spcAft>
     </a:defPPr>
-    <a:lvl1pPr lvl="0" marR="0" rtl="0" algn="l">
+    <a:lvl1pPr marR="0" lvl="0" algn="l" rtl="0">
       <a:lnSpc>
         <a:spcPct val="100000"/>
       </a:lnSpc>
@@ -60,7 +67,7 @@
         <a:srgbClr val="000000"/>
       </a:buClr>
       <a:buFont typeface="Arial"/>
-      <a:defRPr b="0" i="0" sz="1400" u="none" cap="none" strike="noStrike">
+      <a:defRPr sz="1400" b="0" i="0" u="none" strike="noStrike" cap="none">
         <a:solidFill>
           <a:srgbClr val="000000"/>
         </a:solidFill>
@@ -70,7 +77,7 @@
         <a:sym typeface="Arial"/>
       </a:defRPr>
     </a:lvl1pPr>
-    <a:lvl2pPr lvl="1" marR="0" rtl="0" algn="l">
+    <a:lvl2pPr marR="0" lvl="1" algn="l" rtl="0">
       <a:lnSpc>
         <a:spcPct val="100000"/>
       </a:lnSpc>
@@ -84,7 +91,7 @@
         <a:srgbClr val="000000"/>
       </a:buClr>
       <a:buFont typeface="Arial"/>
-      <a:defRPr b="0" i="0" sz="1400" u="none" cap="none" strike="noStrike">
+      <a:defRPr sz="1400" b="0" i="0" u="none" strike="noStrike" cap="none">
         <a:solidFill>
           <a:srgbClr val="000000"/>
         </a:solidFill>
@@ -94,7 +101,7 @@
         <a:sym typeface="Arial"/>
       </a:defRPr>
     </a:lvl2pPr>
-    <a:lvl3pPr lvl="2" marR="0" rtl="0" algn="l">
+    <a:lvl3pPr marR="0" lvl="2" algn="l" rtl="0">
       <a:lnSpc>
         <a:spcPct val="100000"/>
       </a:lnSpc>
@@ -108,7 +115,7 @@
         <a:srgbClr val="000000"/>
       </a:buClr>
       <a:buFont typeface="Arial"/>
-      <a:defRPr b="0" i="0" sz="1400" u="none" cap="none" strike="noStrike">
+      <a:defRPr sz="1400" b="0" i="0" u="none" strike="noStrike" cap="none">
         <a:solidFill>
           <a:srgbClr val="000000"/>
         </a:solidFill>
@@ -118,7 +125,7 @@
         <a:sym typeface="Arial"/>
       </a:defRPr>
     </a:lvl3pPr>
-    <a:lvl4pPr lvl="3" marR="0" rtl="0" algn="l">
+    <a:lvl4pPr marR="0" lvl="3" algn="l" rtl="0">
       <a:lnSpc>
         <a:spcPct val="100000"/>
       </a:lnSpc>
@@ -132,7 +139,7 @@
         <a:srgbClr val="000000"/>
       </a:buClr>
       <a:buFont typeface="Arial"/>
-      <a:defRPr b="0" i="0" sz="1400" u="none" cap="none" strike="noStrike">
+      <a:defRPr sz="1400" b="0" i="0" u="none" strike="noStrike" cap="none">
         <a:solidFill>
           <a:srgbClr val="000000"/>
         </a:solidFill>
@@ -142,7 +149,7 @@
         <a:sym typeface="Arial"/>
       </a:defRPr>
     </a:lvl4pPr>
-    <a:lvl5pPr lvl="4" marR="0" rtl="0" algn="l">
+    <a:lvl5pPr marR="0" lvl="4" algn="l" rtl="0">
       <a:lnSpc>
         <a:spcPct val="100000"/>
       </a:lnSpc>
@@ -156,7 +163,7 @@
         <a:srgbClr val="000000"/>
       </a:buClr>
       <a:buFont typeface="Arial"/>
-      <a:defRPr b="0" i="0" sz="1400" u="none" cap="none" strike="noStrike">
+      <a:defRPr sz="1400" b="0" i="0" u="none" strike="noStrike" cap="none">
         <a:solidFill>
           <a:srgbClr val="000000"/>
         </a:solidFill>
@@ -166,7 +173,7 @@
         <a:sym typeface="Arial"/>
       </a:defRPr>
     </a:lvl5pPr>
-    <a:lvl6pPr lvl="5" marR="0" rtl="0" algn="l">
+    <a:lvl6pPr marR="0" lvl="5" algn="l" rtl="0">
       <a:lnSpc>
         <a:spcPct val="100000"/>
       </a:lnSpc>
@@ -180,7 +187,7 @@
         <a:srgbClr val="000000"/>
       </a:buClr>
       <a:buFont typeface="Arial"/>
-      <a:defRPr b="0" i="0" sz="1400" u="none" cap="none" strike="noStrike">
+      <a:defRPr sz="1400" b="0" i="0" u="none" strike="noStrike" cap="none">
         <a:solidFill>
           <a:srgbClr val="000000"/>
         </a:solidFill>
@@ -190,7 +197,7 @@
         <a:sym typeface="Arial"/>
       </a:defRPr>
     </a:lvl6pPr>
-    <a:lvl7pPr lvl="6" marR="0" rtl="0" algn="l">
+    <a:lvl7pPr marR="0" lvl="6" algn="l" rtl="0">
       <a:lnSpc>
         <a:spcPct val="100000"/>
       </a:lnSpc>
@@ -204,7 +211,7 @@
         <a:srgbClr val="000000"/>
       </a:buClr>
       <a:buFont typeface="Arial"/>
-      <a:defRPr b="0" i="0" sz="1400" u="none" cap="none" strike="noStrike">
+      <a:defRPr sz="1400" b="0" i="0" u="none" strike="noStrike" cap="none">
         <a:solidFill>
           <a:srgbClr val="000000"/>
         </a:solidFill>
@@ -214,7 +221,7 @@
         <a:sym typeface="Arial"/>
       </a:defRPr>
     </a:lvl7pPr>
-    <a:lvl8pPr lvl="7" marR="0" rtl="0" algn="l">
+    <a:lvl8pPr marR="0" lvl="7" algn="l" rtl="0">
       <a:lnSpc>
         <a:spcPct val="100000"/>
       </a:lnSpc>
@@ -228,7 +235,7 @@
         <a:srgbClr val="000000"/>
       </a:buClr>
       <a:buFont typeface="Arial"/>
-      <a:defRPr b="0" i="0" sz="1400" u="none" cap="none" strike="noStrike">
+      <a:defRPr sz="1400" b="0" i="0" u="none" strike="noStrike" cap="none">
         <a:solidFill>
           <a:srgbClr val="000000"/>
         </a:solidFill>
@@ -238,7 +245,7 @@
         <a:sym typeface="Arial"/>
       </a:defRPr>
     </a:lvl8pPr>
-    <a:lvl9pPr lvl="8" marR="0" rtl="0" algn="l">
+    <a:lvl9pPr marR="0" lvl="8" algn="l" rtl="0">
       <a:lnSpc>
         <a:spcPct val="100000"/>
       </a:lnSpc>
@@ -252,7 +259,7 @@
         <a:srgbClr val="000000"/>
       </a:buClr>
       <a:buFont typeface="Arial"/>
-      <a:defRPr b="0" i="0" sz="1400" u="none" cap="none" strike="noStrike">
+      <a:defRPr sz="1400" b="0" i="0" u="none" strike="noStrike" cap="none">
         <a:solidFill>
           <a:srgbClr val="000000"/>
         </a:solidFill>
@@ -265,7 +272,7 @@
   </p:defaultTextStyle>
   <p:extLst>
     <p:ext uri="{EFAFB233-063F-42B5-8137-9DF3F51BA10A}">
-      <p15:sldGuideLst>
+      <p15:sldGuideLst xmlns:p15="http://schemas.microsoft.com/office/powerpoint/2012/main">
         <p15:guide id="1" orient="horz" pos="1620">
           <p15:clr>
             <a:srgbClr val="A4A3A4"/>
@@ -283,11 +290,16 @@
 </file>
 
 <file path=ppt/notesMasters/notesMaster1.xml><?xml version="1.0" encoding="utf-8"?>
-<p:notesMaster xmlns:a="http://schemas.openxmlformats.org/drawingml/2006/main" xmlns:r="http://schemas.openxmlformats.org/officeDocument/2006/relationships" xmlns:mc="http://schemas.openxmlformats.org/markup-compatibility/2006" xmlns:mv="urn:schemas-microsoft-com:mac:vml" xmlns:p="http://schemas.openxmlformats.org/presentationml/2006/main" xmlns:c="http://schemas.openxmlformats.org/drawingml/2006/chart" xmlns:dgm="http://schemas.openxmlformats.org/drawingml/2006/diagram" xmlns:o="urn:schemas-microsoft-com:office:office" xmlns:v="urn:schemas-microsoft-com:vml" xmlns:pvml="urn:schemas-microsoft-com:office:powerpoint" xmlns:com="http://schemas.openxmlformats.org/drawingml/2006/compatibility" xmlns:p14="http://schemas.microsoft.com/office/powerpoint/2010/main" xmlns:p15="http://schemas.microsoft.com/office/powerpoint/2012/main">
+<p:notesMaster xmlns:a="http://schemas.openxmlformats.org/drawingml/2006/main" xmlns:r="http://schemas.openxmlformats.org/officeDocument/2006/relationships" xmlns:p="http://schemas.openxmlformats.org/presentationml/2006/main">
   <p:cSld>
+    <p:bg>
+      <p:bgRef idx="1001">
+        <a:schemeClr val="bg1"/>
+      </p:bgRef>
+    </p:bg>
     <p:spTree>
       <p:nvGrpSpPr>
-        <p:cNvPr id="2" name="Shape 2"/>
+        <p:cNvPr id="1" name="Shape 2"/>
         <p:cNvGrpSpPr/>
         <p:nvPr/>
       </p:nvGrpSpPr>
@@ -302,9 +314,11 @@
       <p:sp>
         <p:nvSpPr>
           <p:cNvPr id="3" name="Google Shape;3;n"/>
-          <p:cNvSpPr/>
+          <p:cNvSpPr>
+            <a:spLocks noGrp="1" noRot="1" noChangeAspect="1"/>
+          </p:cNvSpPr>
           <p:nvPr>
-            <p:ph idx="2" type="sldImg"/>
+            <p:ph type="sldImg" idx="2"/>
           </p:nvPr>
         </p:nvSpPr>
         <p:spPr>
@@ -313,9 +327,13 @@
             <a:ext cx="6096075" cy="3429000"/>
           </a:xfrm>
           <a:custGeom>
-            <a:rect b="b" l="l" r="r" t="t"/>
+            <a:avLst/>
+            <a:gdLst/>
+            <a:ahLst/>
+            <a:cxnLst/>
+            <a:rect l="l" t="t" r="r" b="b"/>
             <a:pathLst>
-              <a:path extrusionOk="0" h="120000" w="120000">
+              <a:path w="120000" h="120000" extrusionOk="0">
                 <a:moveTo>
                   <a:pt x="0" y="0"/>
                 </a:moveTo>
@@ -333,23 +351,25 @@
             </a:pathLst>
           </a:custGeom>
           <a:noFill/>
-          <a:ln cap="flat" cmpd="sng" w="9525">
+          <a:ln w="9525" cap="flat" cmpd="sng">
             <a:solidFill>
               <a:srgbClr val="000000"/>
             </a:solidFill>
             <a:prstDash val="solid"/>
             <a:round/>
-            <a:headEnd len="sm" w="sm" type="none"/>
-            <a:tailEnd len="sm" w="sm" type="none"/>
+            <a:headEnd type="none" w="sm" len="sm"/>
+            <a:tailEnd type="none" w="sm" len="sm"/>
           </a:ln>
         </p:spPr>
       </p:sp>
       <p:sp>
         <p:nvSpPr>
           <p:cNvPr id="4" name="Google Shape;4;n"/>
-          <p:cNvSpPr txBox="1"/>
+          <p:cNvSpPr txBox="1">
+            <a:spLocks noGrp="1"/>
+          </p:cNvSpPr>
           <p:nvPr>
-            <p:ph idx="1" type="body"/>
+            <p:ph type="body" idx="1"/>
           </p:nvPr>
         </p:nvSpPr>
         <p:spPr>
@@ -366,11 +386,11 @@
           </a:ln>
         </p:spPr>
         <p:txBody>
-          <a:bodyPr anchorCtr="0" anchor="t" bIns="91425" lIns="91425" spcFirstLastPara="1" rIns="91425" wrap="square" tIns="91425">
+          <a:bodyPr spcFirstLastPara="1" wrap="square" lIns="91425" tIns="91425" rIns="91425" bIns="91425" anchor="t" anchorCtr="0">
             <a:noAutofit/>
           </a:bodyPr>
           <a:lstStyle>
-            <a:lvl1pPr indent="-298450" lvl="0" marL="457200">
+            <a:lvl1pPr marL="457200" lvl="0" indent="-298450">
               <a:spcBef>
                 <a:spcPts val="0"/>
               </a:spcBef>
@@ -381,7 +401,7 @@
               <a:buChar char="●"/>
               <a:defRPr sz="1100"/>
             </a:lvl1pPr>
-            <a:lvl2pPr indent="-298450" lvl="1" marL="914400">
+            <a:lvl2pPr marL="914400" lvl="1" indent="-298450">
               <a:spcBef>
                 <a:spcPts val="0"/>
               </a:spcBef>
@@ -392,7 +412,7 @@
               <a:buChar char="○"/>
               <a:defRPr sz="1100"/>
             </a:lvl2pPr>
-            <a:lvl3pPr indent="-298450" lvl="2" marL="1371600">
+            <a:lvl3pPr marL="1371600" lvl="2" indent="-298450">
               <a:spcBef>
                 <a:spcPts val="0"/>
               </a:spcBef>
@@ -403,7 +423,7 @@
               <a:buChar char="■"/>
               <a:defRPr sz="1100"/>
             </a:lvl3pPr>
-            <a:lvl4pPr indent="-298450" lvl="3" marL="1828800">
+            <a:lvl4pPr marL="1828800" lvl="3" indent="-298450">
               <a:spcBef>
                 <a:spcPts val="0"/>
               </a:spcBef>
@@ -414,7 +434,7 @@
               <a:buChar char="●"/>
               <a:defRPr sz="1100"/>
             </a:lvl4pPr>
-            <a:lvl5pPr indent="-298450" lvl="4" marL="2286000">
+            <a:lvl5pPr marL="2286000" lvl="4" indent="-298450">
               <a:spcBef>
                 <a:spcPts val="0"/>
               </a:spcBef>
@@ -425,7 +445,7 @@
               <a:buChar char="○"/>
               <a:defRPr sz="1100"/>
             </a:lvl5pPr>
-            <a:lvl6pPr indent="-298450" lvl="5" marL="2743200">
+            <a:lvl6pPr marL="2743200" lvl="5" indent="-298450">
               <a:spcBef>
                 <a:spcPts val="0"/>
               </a:spcBef>
@@ -436,7 +456,7 @@
               <a:buChar char="■"/>
               <a:defRPr sz="1100"/>
             </a:lvl6pPr>
-            <a:lvl7pPr indent="-298450" lvl="6" marL="3200400">
+            <a:lvl7pPr marL="3200400" lvl="6" indent="-298450">
               <a:spcBef>
                 <a:spcPts val="0"/>
               </a:spcBef>
@@ -447,7 +467,7 @@
               <a:buChar char="●"/>
               <a:defRPr sz="1100"/>
             </a:lvl7pPr>
-            <a:lvl8pPr indent="-298450" lvl="7" marL="3657600">
+            <a:lvl8pPr marL="3657600" lvl="7" indent="-298450">
               <a:spcBef>
                 <a:spcPts val="0"/>
               </a:spcBef>
@@ -458,7 +478,7 @@
               <a:buChar char="○"/>
               <a:defRPr sz="1100"/>
             </a:lvl8pPr>
-            <a:lvl9pPr indent="-298450" lvl="8" marL="4114800">
+            <a:lvl9pPr marL="4114800" lvl="8" indent="-298450">
               <a:spcBef>
                 <a:spcPts val="0"/>
               </a:spcBef>
@@ -470,14 +490,16 @@
               <a:defRPr sz="1100"/>
             </a:lvl9pPr>
           </a:lstStyle>
-          <a:p/>
+          <a:p>
+            <a:endParaRPr/>
+          </a:p>
         </p:txBody>
       </p:sp>
     </p:spTree>
   </p:cSld>
-  <p:clrMap accent1="accent1" accent2="accent2" accent3="accent3" accent4="accent4" accent5="accent5" accent6="accent6" bg1="lt1" bg2="dk2" tx1="dk1" tx2="lt2" folHlink="folHlink" hlink="hlink"/>
+  <p:clrMap bg1="lt1" tx1="dk1" bg2="dk2" tx2="lt2" accent1="accent1" accent2="accent2" accent3="accent3" accent4="accent4" accent5="accent5" accent6="accent6" hlink="hlink" folHlink="folHlink"/>
   <p:notesStyle>
-    <a:defPPr lvl="0" marR="0" rtl="0" algn="l">
+    <a:defPPr marR="0" lvl="0" algn="l" rtl="0">
       <a:lnSpc>
         <a:spcPct val="100000"/>
       </a:lnSpc>
@@ -488,7 +510,7 @@
         <a:spcPts val="0"/>
       </a:spcAft>
     </a:defPPr>
-    <a:lvl1pPr lvl="0" marR="0" rtl="0" algn="l">
+    <a:lvl1pPr marR="0" lvl="0" algn="l" rtl="0">
       <a:lnSpc>
         <a:spcPct val="100000"/>
       </a:lnSpc>
@@ -502,7 +524,7 @@
         <a:srgbClr val="000000"/>
       </a:buClr>
       <a:buFont typeface="Arial"/>
-      <a:defRPr b="0" i="0" sz="1400" u="none" cap="none" strike="noStrike">
+      <a:defRPr sz="1400" b="0" i="0" u="none" strike="noStrike" cap="none">
         <a:solidFill>
           <a:srgbClr val="000000"/>
         </a:solidFill>
@@ -512,7 +534,7 @@
         <a:sym typeface="Arial"/>
       </a:defRPr>
     </a:lvl1pPr>
-    <a:lvl2pPr lvl="1" marR="0" rtl="0" algn="l">
+    <a:lvl2pPr marR="0" lvl="1" algn="l" rtl="0">
       <a:lnSpc>
         <a:spcPct val="100000"/>
       </a:lnSpc>
@@ -526,7 +548,7 @@
         <a:srgbClr val="000000"/>
       </a:buClr>
       <a:buFont typeface="Arial"/>
-      <a:defRPr b="0" i="0" sz="1400" u="none" cap="none" strike="noStrike">
+      <a:defRPr sz="1400" b="0" i="0" u="none" strike="noStrike" cap="none">
         <a:solidFill>
           <a:srgbClr val="000000"/>
         </a:solidFill>
@@ -536,7 +558,7 @@
         <a:sym typeface="Arial"/>
       </a:defRPr>
     </a:lvl2pPr>
-    <a:lvl3pPr lvl="2" marR="0" rtl="0" algn="l">
+    <a:lvl3pPr marR="0" lvl="2" algn="l" rtl="0">
       <a:lnSpc>
         <a:spcPct val="100000"/>
       </a:lnSpc>
@@ -550,7 +572,7 @@
         <a:srgbClr val="000000"/>
       </a:buClr>
       <a:buFont typeface="Arial"/>
-      <a:defRPr b="0" i="0" sz="1400" u="none" cap="none" strike="noStrike">
+      <a:defRPr sz="1400" b="0" i="0" u="none" strike="noStrike" cap="none">
         <a:solidFill>
           <a:srgbClr val="000000"/>
         </a:solidFill>
@@ -560,7 +582,7 @@
         <a:sym typeface="Arial"/>
       </a:defRPr>
     </a:lvl3pPr>
-    <a:lvl4pPr lvl="3" marR="0" rtl="0" algn="l">
+    <a:lvl4pPr marR="0" lvl="3" algn="l" rtl="0">
       <a:lnSpc>
         <a:spcPct val="100000"/>
       </a:lnSpc>
@@ -574,7 +596,7 @@
         <a:srgbClr val="000000"/>
       </a:buClr>
       <a:buFont typeface="Arial"/>
-      <a:defRPr b="0" i="0" sz="1400" u="none" cap="none" strike="noStrike">
+      <a:defRPr sz="1400" b="0" i="0" u="none" strike="noStrike" cap="none">
         <a:solidFill>
           <a:srgbClr val="000000"/>
         </a:solidFill>
@@ -584,7 +606,7 @@
         <a:sym typeface="Arial"/>
       </a:defRPr>
     </a:lvl4pPr>
-    <a:lvl5pPr lvl="4" marR="0" rtl="0" algn="l">
+    <a:lvl5pPr marR="0" lvl="4" algn="l" rtl="0">
       <a:lnSpc>
         <a:spcPct val="100000"/>
       </a:lnSpc>
@@ -598,7 +620,7 @@
         <a:srgbClr val="000000"/>
       </a:buClr>
       <a:buFont typeface="Arial"/>
-      <a:defRPr b="0" i="0" sz="1400" u="none" cap="none" strike="noStrike">
+      <a:defRPr sz="1400" b="0" i="0" u="none" strike="noStrike" cap="none">
         <a:solidFill>
           <a:srgbClr val="000000"/>
         </a:solidFill>
@@ -608,7 +630,7 @@
         <a:sym typeface="Arial"/>
       </a:defRPr>
     </a:lvl5pPr>
-    <a:lvl6pPr lvl="5" marR="0" rtl="0" algn="l">
+    <a:lvl6pPr marR="0" lvl="5" algn="l" rtl="0">
       <a:lnSpc>
         <a:spcPct val="100000"/>
       </a:lnSpc>
@@ -622,7 +644,7 @@
         <a:srgbClr val="000000"/>
       </a:buClr>
       <a:buFont typeface="Arial"/>
-      <a:defRPr b="0" i="0" sz="1400" u="none" cap="none" strike="noStrike">
+      <a:defRPr sz="1400" b="0" i="0" u="none" strike="noStrike" cap="none">
         <a:solidFill>
           <a:srgbClr val="000000"/>
         </a:solidFill>
@@ -632,7 +654,7 @@
         <a:sym typeface="Arial"/>
       </a:defRPr>
     </a:lvl6pPr>
-    <a:lvl7pPr lvl="6" marR="0" rtl="0" algn="l">
+    <a:lvl7pPr marR="0" lvl="6" algn="l" rtl="0">
       <a:lnSpc>
         <a:spcPct val="100000"/>
       </a:lnSpc>
@@ -646,7 +668,7 @@
         <a:srgbClr val="000000"/>
       </a:buClr>
       <a:buFont typeface="Arial"/>
-      <a:defRPr b="0" i="0" sz="1400" u="none" cap="none" strike="noStrike">
+      <a:defRPr sz="1400" b="0" i="0" u="none" strike="noStrike" cap="none">
         <a:solidFill>
           <a:srgbClr val="000000"/>
         </a:solidFill>
@@ -656,7 +678,7 @@
         <a:sym typeface="Arial"/>
       </a:defRPr>
     </a:lvl7pPr>
-    <a:lvl8pPr lvl="7" marR="0" rtl="0" algn="l">
+    <a:lvl8pPr marR="0" lvl="7" algn="l" rtl="0">
       <a:lnSpc>
         <a:spcPct val="100000"/>
       </a:lnSpc>
@@ -670,7 +692,7 @@
         <a:srgbClr val="000000"/>
       </a:buClr>
       <a:buFont typeface="Arial"/>
-      <a:defRPr b="0" i="0" sz="1400" u="none" cap="none" strike="noStrike">
+      <a:defRPr sz="1400" b="0" i="0" u="none" strike="noStrike" cap="none">
         <a:solidFill>
           <a:srgbClr val="000000"/>
         </a:solidFill>
@@ -680,7 +702,7 @@
         <a:sym typeface="Arial"/>
       </a:defRPr>
     </a:lvl8pPr>
-    <a:lvl9pPr lvl="8" marR="0" rtl="0" algn="l">
+    <a:lvl9pPr marR="0" lvl="8" algn="l" rtl="0">
       <a:lnSpc>
         <a:spcPct val="100000"/>
       </a:lnSpc>
@@ -694,7 +716,7 @@
         <a:srgbClr val="000000"/>
       </a:buClr>
       <a:buFont typeface="Arial"/>
-      <a:defRPr b="0" i="0" sz="1400" u="none" cap="none" strike="noStrike">
+      <a:defRPr sz="1400" b="0" i="0" u="none" strike="noStrike" cap="none">
         <a:solidFill>
           <a:srgbClr val="000000"/>
         </a:solidFill>
@@ -709,11 +731,11 @@
 </file>
 
 <file path=ppt/notesSlides/notesSlide1.xml><?xml version="1.0" encoding="utf-8"?>
-<p:notes xmlns:a="http://schemas.openxmlformats.org/drawingml/2006/main" xmlns:r="http://schemas.openxmlformats.org/officeDocument/2006/relationships" xmlns:mc="http://schemas.openxmlformats.org/markup-compatibility/2006" xmlns:mv="urn:schemas-microsoft-com:mac:vml" xmlns:p="http://schemas.openxmlformats.org/presentationml/2006/main" xmlns:c="http://schemas.openxmlformats.org/drawingml/2006/chart" xmlns:dgm="http://schemas.openxmlformats.org/drawingml/2006/diagram" xmlns:o="urn:schemas-microsoft-com:office:office" xmlns:v="urn:schemas-microsoft-com:vml" xmlns:pvml="urn:schemas-microsoft-com:office:powerpoint" xmlns:com="http://schemas.openxmlformats.org/drawingml/2006/compatibility" xmlns:p14="http://schemas.microsoft.com/office/powerpoint/2010/main" xmlns:p15="http://schemas.microsoft.com/office/powerpoint/2012/main" showMasterPhAnim="0" showMasterSp="0">
+<p:notes xmlns:a="http://schemas.openxmlformats.org/drawingml/2006/main" xmlns:r="http://schemas.openxmlformats.org/officeDocument/2006/relationships" xmlns:p="http://schemas.openxmlformats.org/presentationml/2006/main" showMasterSp="0" showMasterPhAnim="0">
   <p:cSld>
     <p:spTree>
       <p:nvGrpSpPr>
-        <p:cNvPr id="82" name="Shape 82"/>
+        <p:cNvPr id="1" name="Shape 82"/>
         <p:cNvGrpSpPr/>
         <p:nvPr/>
       </p:nvGrpSpPr>
@@ -728,20 +750,26 @@
       <p:sp>
         <p:nvSpPr>
           <p:cNvPr id="83" name="Google Shape;83;p:notes"/>
-          <p:cNvSpPr/>
+          <p:cNvSpPr>
+            <a:spLocks noGrp="1" noRot="1" noChangeAspect="1"/>
+          </p:cNvSpPr>
           <p:nvPr>
-            <p:ph idx="2" type="sldImg"/>
+            <p:ph type="sldImg" idx="2"/>
           </p:nvPr>
         </p:nvSpPr>
         <p:spPr>
           <a:xfrm>
-            <a:off x="381300" y="685800"/>
-            <a:ext cx="6096075" cy="3429000"/>
+            <a:off x="381000" y="685800"/>
+            <a:ext cx="6096000" cy="3429000"/>
           </a:xfrm>
           <a:custGeom>
-            <a:rect b="b" l="l" r="r" t="t"/>
+            <a:avLst/>
+            <a:gdLst/>
+            <a:ahLst/>
+            <a:cxnLst/>
+            <a:rect l="l" t="t" r="r" b="b"/>
             <a:pathLst>
-              <a:path extrusionOk="0" h="120000" w="120000">
+              <a:path w="120000" h="120000" extrusionOk="0">
                 <a:moveTo>
                   <a:pt x="0" y="0"/>
                 </a:moveTo>
@@ -763,9 +791,11 @@
       <p:sp>
         <p:nvSpPr>
           <p:cNvPr id="84" name="Google Shape;84;p:notes"/>
-          <p:cNvSpPr txBox="1"/>
+          <p:cNvSpPr txBox="1">
+            <a:spLocks noGrp="1"/>
+          </p:cNvSpPr>
           <p:nvPr>
-            <p:ph idx="1" type="body"/>
+            <p:ph type="body" idx="1"/>
           </p:nvPr>
         </p:nvSpPr>
         <p:spPr>
@@ -778,12 +808,12 @@
           </a:prstGeom>
         </p:spPr>
         <p:txBody>
-          <a:bodyPr anchorCtr="0" anchor="t" bIns="91425" lIns="91425" spcFirstLastPara="1" rIns="91425" wrap="square" tIns="91425">
+          <a:bodyPr spcFirstLastPara="1" wrap="square" lIns="91425" tIns="91425" rIns="91425" bIns="91425" anchor="t" anchorCtr="0">
             <a:noAutofit/>
           </a:bodyPr>
           <a:lstStyle/>
           <a:p>
-            <a:pPr indent="0" lvl="0" marL="0" rtl="0" algn="l">
+            <a:pPr marL="0" lvl="0" indent="0" algn="l" rtl="0">
               <a:spcBef>
                 <a:spcPts val="0"/>
               </a:spcBef>
@@ -792,9 +822,6 @@
               </a:spcAft>
               <a:buNone/>
             </a:pPr>
-            <a:r>
-              <a:t/>
-            </a:r>
             <a:endParaRPr/>
           </a:p>
         </p:txBody>
@@ -808,11 +835,11 @@
 </file>
 
 <file path=ppt/notesSlides/notesSlide2.xml><?xml version="1.0" encoding="utf-8"?>
-<p:notes xmlns:a="http://schemas.openxmlformats.org/drawingml/2006/main" xmlns:r="http://schemas.openxmlformats.org/officeDocument/2006/relationships" xmlns:mc="http://schemas.openxmlformats.org/markup-compatibility/2006" xmlns:mv="urn:schemas-microsoft-com:mac:vml" xmlns:p="http://schemas.openxmlformats.org/presentationml/2006/main" xmlns:c="http://schemas.openxmlformats.org/drawingml/2006/chart" xmlns:dgm="http://schemas.openxmlformats.org/drawingml/2006/diagram" xmlns:o="urn:schemas-microsoft-com:office:office" xmlns:v="urn:schemas-microsoft-com:vml" xmlns:pvml="urn:schemas-microsoft-com:office:powerpoint" xmlns:com="http://schemas.openxmlformats.org/drawingml/2006/compatibility" xmlns:p14="http://schemas.microsoft.com/office/powerpoint/2010/main" xmlns:p15="http://schemas.microsoft.com/office/powerpoint/2012/main" showMasterPhAnim="0" showMasterSp="0">
+<p:notes xmlns:a="http://schemas.openxmlformats.org/drawingml/2006/main" xmlns:r="http://schemas.openxmlformats.org/officeDocument/2006/relationships" xmlns:p="http://schemas.openxmlformats.org/presentationml/2006/main" showMasterSp="0" showMasterPhAnim="0">
   <p:cSld>
     <p:spTree>
       <p:nvGrpSpPr>
-        <p:cNvPr id="88" name="Shape 88"/>
+        <p:cNvPr id="1" name="Shape 88"/>
         <p:cNvGrpSpPr/>
         <p:nvPr/>
       </p:nvGrpSpPr>
@@ -827,9 +854,11 @@
       <p:sp>
         <p:nvSpPr>
           <p:cNvPr id="89" name="Google Shape;89;g65258bdc6f_0_77:notes"/>
-          <p:cNvSpPr/>
+          <p:cNvSpPr>
+            <a:spLocks noGrp="1" noRot="1" noChangeAspect="1"/>
+          </p:cNvSpPr>
           <p:nvPr>
-            <p:ph idx="2" type="sldImg"/>
+            <p:ph type="sldImg" idx="2"/>
           </p:nvPr>
         </p:nvSpPr>
         <p:spPr>
@@ -838,9 +867,13 @@
             <a:ext cx="6096000" cy="3429000"/>
           </a:xfrm>
           <a:custGeom>
-            <a:rect b="b" l="l" r="r" t="t"/>
+            <a:avLst/>
+            <a:gdLst/>
+            <a:ahLst/>
+            <a:cxnLst/>
+            <a:rect l="l" t="t" r="r" b="b"/>
             <a:pathLst>
-              <a:path extrusionOk="0" h="120000" w="120000">
+              <a:path w="120000" h="120000" extrusionOk="0">
                 <a:moveTo>
                   <a:pt x="0" y="0"/>
                 </a:moveTo>
@@ -862,9 +895,11 @@
       <p:sp>
         <p:nvSpPr>
           <p:cNvPr id="90" name="Google Shape;90;g65258bdc6f_0_77:notes"/>
-          <p:cNvSpPr txBox="1"/>
+          <p:cNvSpPr txBox="1">
+            <a:spLocks noGrp="1"/>
+          </p:cNvSpPr>
           <p:nvPr>
-            <p:ph idx="1" type="body"/>
+            <p:ph type="body" idx="1"/>
           </p:nvPr>
         </p:nvSpPr>
         <p:spPr>
@@ -877,12 +912,12 @@
           </a:prstGeom>
         </p:spPr>
         <p:txBody>
-          <a:bodyPr anchorCtr="0" anchor="t" bIns="91425" lIns="91425" spcFirstLastPara="1" rIns="91425" wrap="square" tIns="91425">
+          <a:bodyPr spcFirstLastPara="1" wrap="square" lIns="91425" tIns="91425" rIns="91425" bIns="91425" anchor="t" anchorCtr="0">
             <a:noAutofit/>
           </a:bodyPr>
           <a:lstStyle/>
           <a:p>
-            <a:pPr indent="0" lvl="0" marL="0" rtl="0" algn="l">
+            <a:pPr marL="0" lvl="0" indent="0" algn="l" rtl="0">
               <a:spcBef>
                 <a:spcPts val="0"/>
               </a:spcBef>
@@ -891,9 +926,6 @@
               </a:spcAft>
               <a:buNone/>
             </a:pPr>
-            <a:r>
-              <a:t/>
-            </a:r>
             <a:endParaRPr/>
           </a:p>
         </p:txBody>
@@ -907,11 +939,11 @@
 </file>
 
 <file path=ppt/notesSlides/notesSlide3.xml><?xml version="1.0" encoding="utf-8"?>
-<p:notes xmlns:a="http://schemas.openxmlformats.org/drawingml/2006/main" xmlns:r="http://schemas.openxmlformats.org/officeDocument/2006/relationships" xmlns:mc="http://schemas.openxmlformats.org/markup-compatibility/2006" xmlns:mv="urn:schemas-microsoft-com:mac:vml" xmlns:p="http://schemas.openxmlformats.org/presentationml/2006/main" xmlns:c="http://schemas.openxmlformats.org/drawingml/2006/chart" xmlns:dgm="http://schemas.openxmlformats.org/drawingml/2006/diagram" xmlns:o="urn:schemas-microsoft-com:office:office" xmlns:v="urn:schemas-microsoft-com:vml" xmlns:pvml="urn:schemas-microsoft-com:office:powerpoint" xmlns:com="http://schemas.openxmlformats.org/drawingml/2006/compatibility" xmlns:p14="http://schemas.microsoft.com/office/powerpoint/2010/main" xmlns:p15="http://schemas.microsoft.com/office/powerpoint/2012/main" showMasterPhAnim="0" showMasterSp="0">
+<p:notes xmlns:a="http://schemas.openxmlformats.org/drawingml/2006/main" xmlns:r="http://schemas.openxmlformats.org/officeDocument/2006/relationships" xmlns:p="http://schemas.openxmlformats.org/presentationml/2006/main" showMasterSp="0" showMasterPhAnim="0">
   <p:cSld>
     <p:spTree>
       <p:nvGrpSpPr>
-        <p:cNvPr id="94" name="Shape 94"/>
+        <p:cNvPr id="1" name="Shape 94"/>
         <p:cNvGrpSpPr/>
         <p:nvPr/>
       </p:nvGrpSpPr>
@@ -926,9 +958,11 @@
       <p:sp>
         <p:nvSpPr>
           <p:cNvPr id="95" name="Google Shape;95;g652d3dcd80_0_3:notes"/>
-          <p:cNvSpPr/>
+          <p:cNvSpPr>
+            <a:spLocks noGrp="1" noRot="1" noChangeAspect="1"/>
+          </p:cNvSpPr>
           <p:nvPr>
-            <p:ph idx="2" type="sldImg"/>
+            <p:ph type="sldImg" idx="2"/>
           </p:nvPr>
         </p:nvSpPr>
         <p:spPr>
@@ -937,9 +971,13 @@
             <a:ext cx="6096000" cy="3429000"/>
           </a:xfrm>
           <a:custGeom>
-            <a:rect b="b" l="l" r="r" t="t"/>
+            <a:avLst/>
+            <a:gdLst/>
+            <a:ahLst/>
+            <a:cxnLst/>
+            <a:rect l="l" t="t" r="r" b="b"/>
             <a:pathLst>
-              <a:path extrusionOk="0" h="120000" w="120000">
+              <a:path w="120000" h="120000" extrusionOk="0">
                 <a:moveTo>
                   <a:pt x="0" y="0"/>
                 </a:moveTo>
@@ -961,9 +999,11 @@
       <p:sp>
         <p:nvSpPr>
           <p:cNvPr id="96" name="Google Shape;96;g652d3dcd80_0_3:notes"/>
-          <p:cNvSpPr txBox="1"/>
+          <p:cNvSpPr txBox="1">
+            <a:spLocks noGrp="1"/>
+          </p:cNvSpPr>
           <p:nvPr>
-            <p:ph idx="1" type="body"/>
+            <p:ph type="body" idx="1"/>
           </p:nvPr>
         </p:nvSpPr>
         <p:spPr>
@@ -976,12 +1016,12 @@
           </a:prstGeom>
         </p:spPr>
         <p:txBody>
-          <a:bodyPr anchorCtr="0" anchor="t" bIns="91425" lIns="91425" spcFirstLastPara="1" rIns="91425" wrap="square" tIns="91425">
+          <a:bodyPr spcFirstLastPara="1" wrap="square" lIns="91425" tIns="91425" rIns="91425" bIns="91425" anchor="t" anchorCtr="0">
             <a:noAutofit/>
           </a:bodyPr>
           <a:lstStyle/>
           <a:p>
-            <a:pPr indent="0" lvl="0" marL="0" rtl="0" algn="l">
+            <a:pPr marL="0" lvl="0" indent="0" algn="l" rtl="0">
               <a:spcBef>
                 <a:spcPts val="0"/>
               </a:spcBef>
@@ -990,9 +1030,6 @@
               </a:spcAft>
               <a:buNone/>
             </a:pPr>
-            <a:r>
-              <a:t/>
-            </a:r>
             <a:endParaRPr/>
           </a:p>
         </p:txBody>
@@ -1006,11 +1043,11 @@
 </file>
 
 <file path=ppt/notesSlides/notesSlide4.xml><?xml version="1.0" encoding="utf-8"?>
-<p:notes xmlns:a="http://schemas.openxmlformats.org/drawingml/2006/main" xmlns:r="http://schemas.openxmlformats.org/officeDocument/2006/relationships" xmlns:mc="http://schemas.openxmlformats.org/markup-compatibility/2006" xmlns:mv="urn:schemas-microsoft-com:mac:vml" xmlns:p="http://schemas.openxmlformats.org/presentationml/2006/main" xmlns:c="http://schemas.openxmlformats.org/drawingml/2006/chart" xmlns:dgm="http://schemas.openxmlformats.org/drawingml/2006/diagram" xmlns:o="urn:schemas-microsoft-com:office:office" xmlns:v="urn:schemas-microsoft-com:vml" xmlns:pvml="urn:schemas-microsoft-com:office:powerpoint" xmlns:com="http://schemas.openxmlformats.org/drawingml/2006/compatibility" xmlns:p14="http://schemas.microsoft.com/office/powerpoint/2010/main" xmlns:p15="http://schemas.microsoft.com/office/powerpoint/2012/main" showMasterPhAnim="0" showMasterSp="0">
+<p:notes xmlns:a="http://schemas.openxmlformats.org/drawingml/2006/main" xmlns:r="http://schemas.openxmlformats.org/officeDocument/2006/relationships" xmlns:p="http://schemas.openxmlformats.org/presentationml/2006/main" showMasterSp="0" showMasterPhAnim="0">
   <p:cSld>
     <p:spTree>
       <p:nvGrpSpPr>
-        <p:cNvPr id="100" name="Shape 100"/>
+        <p:cNvPr id="1" name="Shape 100"/>
         <p:cNvGrpSpPr/>
         <p:nvPr/>
       </p:nvGrpSpPr>
@@ -1025,9 +1062,11 @@
       <p:sp>
         <p:nvSpPr>
           <p:cNvPr id="101" name="Google Shape;101;g652d3dcd80_0_8:notes"/>
-          <p:cNvSpPr/>
+          <p:cNvSpPr>
+            <a:spLocks noGrp="1" noRot="1" noChangeAspect="1"/>
+          </p:cNvSpPr>
           <p:nvPr>
-            <p:ph idx="2" type="sldImg"/>
+            <p:ph type="sldImg" idx="2"/>
           </p:nvPr>
         </p:nvSpPr>
         <p:spPr>
@@ -1036,9 +1075,13 @@
             <a:ext cx="6096000" cy="3429000"/>
           </a:xfrm>
           <a:custGeom>
-            <a:rect b="b" l="l" r="r" t="t"/>
+            <a:avLst/>
+            <a:gdLst/>
+            <a:ahLst/>
+            <a:cxnLst/>
+            <a:rect l="l" t="t" r="r" b="b"/>
             <a:pathLst>
-              <a:path extrusionOk="0" h="120000" w="120000">
+              <a:path w="120000" h="120000" extrusionOk="0">
                 <a:moveTo>
                   <a:pt x="0" y="0"/>
                 </a:moveTo>
@@ -1060,9 +1103,11 @@
       <p:sp>
         <p:nvSpPr>
           <p:cNvPr id="102" name="Google Shape;102;g652d3dcd80_0_8:notes"/>
-          <p:cNvSpPr txBox="1"/>
+          <p:cNvSpPr txBox="1">
+            <a:spLocks noGrp="1"/>
+          </p:cNvSpPr>
           <p:nvPr>
-            <p:ph idx="1" type="body"/>
+            <p:ph type="body" idx="1"/>
           </p:nvPr>
         </p:nvSpPr>
         <p:spPr>
@@ -1075,12 +1120,12 @@
           </a:prstGeom>
         </p:spPr>
         <p:txBody>
-          <a:bodyPr anchorCtr="0" anchor="t" bIns="91425" lIns="91425" spcFirstLastPara="1" rIns="91425" wrap="square" tIns="91425">
+          <a:bodyPr spcFirstLastPara="1" wrap="square" lIns="91425" tIns="91425" rIns="91425" bIns="91425" anchor="t" anchorCtr="0">
             <a:noAutofit/>
           </a:bodyPr>
           <a:lstStyle/>
           <a:p>
-            <a:pPr indent="0" lvl="0" marL="0" rtl="0" algn="l">
+            <a:pPr marL="0" lvl="0" indent="0" algn="l" rtl="0">
               <a:spcBef>
                 <a:spcPts val="0"/>
               </a:spcBef>
@@ -1089,9 +1134,6 @@
               </a:spcAft>
               <a:buNone/>
             </a:pPr>
-            <a:r>
-              <a:t/>
-            </a:r>
             <a:endParaRPr/>
           </a:p>
         </p:txBody>
@@ -1105,11 +1147,11 @@
 </file>
 
 <file path=ppt/notesSlides/notesSlide5.xml><?xml version="1.0" encoding="utf-8"?>
-<p:notes xmlns:a="http://schemas.openxmlformats.org/drawingml/2006/main" xmlns:r="http://schemas.openxmlformats.org/officeDocument/2006/relationships" xmlns:mc="http://schemas.openxmlformats.org/markup-compatibility/2006" xmlns:mv="urn:schemas-microsoft-com:mac:vml" xmlns:p="http://schemas.openxmlformats.org/presentationml/2006/main" xmlns:c="http://schemas.openxmlformats.org/drawingml/2006/chart" xmlns:dgm="http://schemas.openxmlformats.org/drawingml/2006/diagram" xmlns:o="urn:schemas-microsoft-com:office:office" xmlns:v="urn:schemas-microsoft-com:vml" xmlns:pvml="urn:schemas-microsoft-com:office:powerpoint" xmlns:com="http://schemas.openxmlformats.org/drawingml/2006/compatibility" xmlns:p14="http://schemas.microsoft.com/office/powerpoint/2010/main" xmlns:p15="http://schemas.microsoft.com/office/powerpoint/2012/main" showMasterPhAnim="0" showMasterSp="0">
+<p:notes xmlns:a="http://schemas.openxmlformats.org/drawingml/2006/main" xmlns:r="http://schemas.openxmlformats.org/officeDocument/2006/relationships" xmlns:p="http://schemas.openxmlformats.org/presentationml/2006/main" showMasterSp="0" showMasterPhAnim="0">
   <p:cSld>
     <p:spTree>
       <p:nvGrpSpPr>
-        <p:cNvPr id="106" name="Shape 106"/>
+        <p:cNvPr id="1" name="Shape 106"/>
         <p:cNvGrpSpPr/>
         <p:nvPr/>
       </p:nvGrpSpPr>
@@ -1124,9 +1166,11 @@
       <p:sp>
         <p:nvSpPr>
           <p:cNvPr id="107" name="Google Shape;107;g652d3dcd80_0_13:notes"/>
-          <p:cNvSpPr/>
+          <p:cNvSpPr>
+            <a:spLocks noGrp="1" noRot="1" noChangeAspect="1"/>
+          </p:cNvSpPr>
           <p:nvPr>
-            <p:ph idx="2" type="sldImg"/>
+            <p:ph type="sldImg" idx="2"/>
           </p:nvPr>
         </p:nvSpPr>
         <p:spPr>
@@ -1135,9 +1179,13 @@
             <a:ext cx="6096000" cy="3429000"/>
           </a:xfrm>
           <a:custGeom>
-            <a:rect b="b" l="l" r="r" t="t"/>
+            <a:avLst/>
+            <a:gdLst/>
+            <a:ahLst/>
+            <a:cxnLst/>
+            <a:rect l="l" t="t" r="r" b="b"/>
             <a:pathLst>
-              <a:path extrusionOk="0" h="120000" w="120000">
+              <a:path w="120000" h="120000" extrusionOk="0">
                 <a:moveTo>
                   <a:pt x="0" y="0"/>
                 </a:moveTo>
@@ -1159,9 +1207,11 @@
       <p:sp>
         <p:nvSpPr>
           <p:cNvPr id="108" name="Google Shape;108;g652d3dcd80_0_13:notes"/>
-          <p:cNvSpPr txBox="1"/>
+          <p:cNvSpPr txBox="1">
+            <a:spLocks noGrp="1"/>
+          </p:cNvSpPr>
           <p:nvPr>
-            <p:ph idx="1" type="body"/>
+            <p:ph type="body" idx="1"/>
           </p:nvPr>
         </p:nvSpPr>
         <p:spPr>
@@ -1174,12 +1224,12 @@
           </a:prstGeom>
         </p:spPr>
         <p:txBody>
-          <a:bodyPr anchorCtr="0" anchor="t" bIns="91425" lIns="91425" spcFirstLastPara="1" rIns="91425" wrap="square" tIns="91425">
+          <a:bodyPr spcFirstLastPara="1" wrap="square" lIns="91425" tIns="91425" rIns="91425" bIns="91425" anchor="t" anchorCtr="0">
             <a:noAutofit/>
           </a:bodyPr>
           <a:lstStyle/>
           <a:p>
-            <a:pPr indent="0" lvl="0" marL="0" rtl="0" algn="l">
+            <a:pPr marL="0" lvl="0" indent="0" algn="l" rtl="0">
               <a:spcBef>
                 <a:spcPts val="0"/>
               </a:spcBef>
@@ -1188,9 +1238,6 @@
               </a:spcAft>
               <a:buNone/>
             </a:pPr>
-            <a:r>
-              <a:t/>
-            </a:r>
             <a:endParaRPr/>
           </a:p>
         </p:txBody>
@@ -1204,11 +1251,11 @@
 </file>
 
 <file path=ppt/notesSlides/notesSlide6.xml><?xml version="1.0" encoding="utf-8"?>
-<p:notes xmlns:a="http://schemas.openxmlformats.org/drawingml/2006/main" xmlns:r="http://schemas.openxmlformats.org/officeDocument/2006/relationships" xmlns:mc="http://schemas.openxmlformats.org/markup-compatibility/2006" xmlns:mv="urn:schemas-microsoft-com:mac:vml" xmlns:p="http://schemas.openxmlformats.org/presentationml/2006/main" xmlns:c="http://schemas.openxmlformats.org/drawingml/2006/chart" xmlns:dgm="http://schemas.openxmlformats.org/drawingml/2006/diagram" xmlns:o="urn:schemas-microsoft-com:office:office" xmlns:v="urn:schemas-microsoft-com:vml" xmlns:pvml="urn:schemas-microsoft-com:office:powerpoint" xmlns:com="http://schemas.openxmlformats.org/drawingml/2006/compatibility" xmlns:p14="http://schemas.microsoft.com/office/powerpoint/2010/main" xmlns:p15="http://schemas.microsoft.com/office/powerpoint/2012/main" showMasterPhAnim="0" showMasterSp="0">
+<p:notes xmlns:a="http://schemas.openxmlformats.org/drawingml/2006/main" xmlns:r="http://schemas.openxmlformats.org/officeDocument/2006/relationships" xmlns:p="http://schemas.openxmlformats.org/presentationml/2006/main" showMasterSp="0" showMasterPhAnim="0">
   <p:cSld>
     <p:spTree>
       <p:nvGrpSpPr>
-        <p:cNvPr id="112" name="Shape 112"/>
+        <p:cNvPr id="1" name="Shape 112"/>
         <p:cNvGrpSpPr/>
         <p:nvPr/>
       </p:nvGrpSpPr>
@@ -1223,9 +1270,11 @@
       <p:sp>
         <p:nvSpPr>
           <p:cNvPr id="113" name="Google Shape;113;g652d3dcd80_0_19:notes"/>
-          <p:cNvSpPr/>
+          <p:cNvSpPr>
+            <a:spLocks noGrp="1" noRot="1" noChangeAspect="1"/>
+          </p:cNvSpPr>
           <p:nvPr>
-            <p:ph idx="2" type="sldImg"/>
+            <p:ph type="sldImg" idx="2"/>
           </p:nvPr>
         </p:nvSpPr>
         <p:spPr>
@@ -1234,9 +1283,13 @@
             <a:ext cx="6096000" cy="3429000"/>
           </a:xfrm>
           <a:custGeom>
-            <a:rect b="b" l="l" r="r" t="t"/>
+            <a:avLst/>
+            <a:gdLst/>
+            <a:ahLst/>
+            <a:cxnLst/>
+            <a:rect l="l" t="t" r="r" b="b"/>
             <a:pathLst>
-              <a:path extrusionOk="0" h="120000" w="120000">
+              <a:path w="120000" h="120000" extrusionOk="0">
                 <a:moveTo>
                   <a:pt x="0" y="0"/>
                 </a:moveTo>
@@ -1258,9 +1311,11 @@
       <p:sp>
         <p:nvSpPr>
           <p:cNvPr id="114" name="Google Shape;114;g652d3dcd80_0_19:notes"/>
-          <p:cNvSpPr txBox="1"/>
+          <p:cNvSpPr txBox="1">
+            <a:spLocks noGrp="1"/>
+          </p:cNvSpPr>
           <p:nvPr>
-            <p:ph idx="1" type="body"/>
+            <p:ph type="body" idx="1"/>
           </p:nvPr>
         </p:nvSpPr>
         <p:spPr>
@@ -1273,12 +1328,12 @@
           </a:prstGeom>
         </p:spPr>
         <p:txBody>
-          <a:bodyPr anchorCtr="0" anchor="t" bIns="91425" lIns="91425" spcFirstLastPara="1" rIns="91425" wrap="square" tIns="91425">
+          <a:bodyPr spcFirstLastPara="1" wrap="square" lIns="91425" tIns="91425" rIns="91425" bIns="91425" anchor="t" anchorCtr="0">
             <a:noAutofit/>
           </a:bodyPr>
           <a:lstStyle/>
           <a:p>
-            <a:pPr indent="0" lvl="0" marL="0" rtl="0" algn="l">
+            <a:pPr marL="0" lvl="0" indent="0" algn="l" rtl="0">
               <a:spcBef>
                 <a:spcPts val="0"/>
               </a:spcBef>
@@ -1287,9 +1342,6 @@
               </a:spcAft>
               <a:buNone/>
             </a:pPr>
-            <a:r>
-              <a:t/>
-            </a:r>
             <a:endParaRPr/>
           </a:p>
         </p:txBody>
@@ -1303,11 +1355,11 @@
 </file>
 
 <file path=ppt/notesSlides/notesSlide7.xml><?xml version="1.0" encoding="utf-8"?>
-<p:notes xmlns:a="http://schemas.openxmlformats.org/drawingml/2006/main" xmlns:r="http://schemas.openxmlformats.org/officeDocument/2006/relationships" xmlns:mc="http://schemas.openxmlformats.org/markup-compatibility/2006" xmlns:mv="urn:schemas-microsoft-com:mac:vml" xmlns:p="http://schemas.openxmlformats.org/presentationml/2006/main" xmlns:c="http://schemas.openxmlformats.org/drawingml/2006/chart" xmlns:dgm="http://schemas.openxmlformats.org/drawingml/2006/diagram" xmlns:o="urn:schemas-microsoft-com:office:office" xmlns:v="urn:schemas-microsoft-com:vml" xmlns:pvml="urn:schemas-microsoft-com:office:powerpoint" xmlns:com="http://schemas.openxmlformats.org/drawingml/2006/compatibility" xmlns:p14="http://schemas.microsoft.com/office/powerpoint/2010/main" xmlns:p15="http://schemas.microsoft.com/office/powerpoint/2012/main" showMasterPhAnim="0" showMasterSp="0">
+<p:notes xmlns:a="http://schemas.openxmlformats.org/drawingml/2006/main" xmlns:r="http://schemas.openxmlformats.org/officeDocument/2006/relationships" xmlns:p="http://schemas.openxmlformats.org/presentationml/2006/main" showMasterSp="0" showMasterPhAnim="0">
   <p:cSld>
     <p:spTree>
       <p:nvGrpSpPr>
-        <p:cNvPr id="118" name="Shape 118"/>
+        <p:cNvPr id="1" name="Shape 118"/>
         <p:cNvGrpSpPr/>
         <p:nvPr/>
       </p:nvGrpSpPr>
@@ -1322,9 +1374,11 @@
       <p:sp>
         <p:nvSpPr>
           <p:cNvPr id="119" name="Google Shape;119;g652d3dcd80_0_24:notes"/>
-          <p:cNvSpPr/>
+          <p:cNvSpPr>
+            <a:spLocks noGrp="1" noRot="1" noChangeAspect="1"/>
+          </p:cNvSpPr>
           <p:nvPr>
-            <p:ph idx="2" type="sldImg"/>
+            <p:ph type="sldImg" idx="2"/>
           </p:nvPr>
         </p:nvSpPr>
         <p:spPr>
@@ -1333,9 +1387,13 @@
             <a:ext cx="6096000" cy="3429000"/>
           </a:xfrm>
           <a:custGeom>
-            <a:rect b="b" l="l" r="r" t="t"/>
+            <a:avLst/>
+            <a:gdLst/>
+            <a:ahLst/>
+            <a:cxnLst/>
+            <a:rect l="l" t="t" r="r" b="b"/>
             <a:pathLst>
-              <a:path extrusionOk="0" h="120000" w="120000">
+              <a:path w="120000" h="120000" extrusionOk="0">
                 <a:moveTo>
                   <a:pt x="0" y="0"/>
                 </a:moveTo>
@@ -1357,9 +1415,11 @@
       <p:sp>
         <p:nvSpPr>
           <p:cNvPr id="120" name="Google Shape;120;g652d3dcd80_0_24:notes"/>
-          <p:cNvSpPr txBox="1"/>
+          <p:cNvSpPr txBox="1">
+            <a:spLocks noGrp="1"/>
+          </p:cNvSpPr>
           <p:nvPr>
-            <p:ph idx="1" type="body"/>
+            <p:ph type="body" idx="1"/>
           </p:nvPr>
         </p:nvSpPr>
         <p:spPr>
@@ -1372,12 +1432,12 @@
           </a:prstGeom>
         </p:spPr>
         <p:txBody>
-          <a:bodyPr anchorCtr="0" anchor="t" bIns="91425" lIns="91425" spcFirstLastPara="1" rIns="91425" wrap="square" tIns="91425">
+          <a:bodyPr spcFirstLastPara="1" wrap="square" lIns="91425" tIns="91425" rIns="91425" bIns="91425" anchor="t" anchorCtr="0">
             <a:noAutofit/>
           </a:bodyPr>
           <a:lstStyle/>
           <a:p>
-            <a:pPr indent="0" lvl="0" marL="0" rtl="0" algn="l">
+            <a:pPr marL="0" lvl="0" indent="0" algn="l" rtl="0">
               <a:spcBef>
                 <a:spcPts val="0"/>
               </a:spcBef>
@@ -1386,9 +1446,6 @@
               </a:spcAft>
               <a:buNone/>
             </a:pPr>
-            <a:r>
-              <a:t/>
-            </a:r>
             <a:endParaRPr/>
           </a:p>
         </p:txBody>
@@ -1402,18 +1459,19 @@
 </file>
 
 <file path=ppt/slideLayouts/slideLayout1.xml><?xml version="1.0" encoding="utf-8"?>
-<p:sldLayout xmlns:a="http://schemas.openxmlformats.org/drawingml/2006/main" xmlns:r="http://schemas.openxmlformats.org/officeDocument/2006/relationships" xmlns:mc="http://schemas.openxmlformats.org/markup-compatibility/2006" xmlns:mv="urn:schemas-microsoft-com:mac:vml" xmlns:p="http://schemas.openxmlformats.org/presentationml/2006/main" xmlns:c="http://schemas.openxmlformats.org/drawingml/2006/chart" xmlns:dgm="http://schemas.openxmlformats.org/drawingml/2006/diagram" xmlns:o="urn:schemas-microsoft-com:office:office" xmlns:v="urn:schemas-microsoft-com:vml" xmlns:pvml="urn:schemas-microsoft-com:office:powerpoint" xmlns:com="http://schemas.openxmlformats.org/drawingml/2006/compatibility" xmlns:p14="http://schemas.microsoft.com/office/powerpoint/2010/main" xmlns:p15="http://schemas.microsoft.com/office/powerpoint/2012/main" matchingName="Title slide" type="title">
+<p:sldLayout xmlns:a="http://schemas.openxmlformats.org/drawingml/2006/main" xmlns:r="http://schemas.openxmlformats.org/officeDocument/2006/relationships" xmlns:p="http://schemas.openxmlformats.org/presentationml/2006/main" matchingName="Title slide" type="title">
   <p:cSld name="TITLE">
     <p:bg>
       <p:bgPr>
         <a:solidFill>
           <a:schemeClr val="lt2"/>
         </a:solidFill>
+        <a:effectLst/>
       </p:bgPr>
     </p:bg>
     <p:spTree>
       <p:nvGrpSpPr>
-        <p:cNvPr id="9" name="Shape 9"/>
+        <p:cNvPr id="1" name="Shape 9"/>
         <p:cNvGrpSpPr/>
         <p:nvPr/>
       </p:nvGrpSpPr>
@@ -1447,12 +1505,12 @@
           </a:ln>
         </p:spPr>
         <p:txBody>
-          <a:bodyPr anchorCtr="0" anchor="ctr" bIns="91425" lIns="91425" spcFirstLastPara="1" rIns="91425" wrap="square" tIns="91425">
+          <a:bodyPr spcFirstLastPara="1" wrap="square" lIns="91425" tIns="91425" rIns="91425" bIns="91425" anchor="ctr" anchorCtr="0">
             <a:noAutofit/>
           </a:bodyPr>
           <a:lstStyle/>
           <a:p>
-            <a:pPr indent="0" lvl="0" marL="0" rtl="0" algn="l">
+            <a:pPr marL="0" lvl="0" indent="0" algn="l" rtl="0">
               <a:spcBef>
                 <a:spcPts val="0"/>
               </a:spcBef>
@@ -1461,9 +1519,6 @@
               </a:spcAft>
               <a:buNone/>
             </a:pPr>
-            <a:r>
-              <a:t/>
-            </a:r>
             <a:endParaRPr/>
           </a:p>
         </p:txBody>
@@ -1504,12 +1559,12 @@
             </a:ln>
           </p:spPr>
           <p:txBody>
-            <a:bodyPr anchorCtr="0" anchor="ctr" bIns="91425" lIns="91425" spcFirstLastPara="1" rIns="91425" wrap="square" tIns="91425">
+            <a:bodyPr spcFirstLastPara="1" wrap="square" lIns="91425" tIns="91425" rIns="91425" bIns="91425" anchor="ctr" anchorCtr="0">
               <a:noAutofit/>
             </a:bodyPr>
             <a:lstStyle/>
             <a:p>
-              <a:pPr indent="0" lvl="0" marL="0" rtl="0" algn="l">
+              <a:pPr marL="0" lvl="0" indent="0" algn="l" rtl="0">
                 <a:spcBef>
                   <a:spcPts val="0"/>
                 </a:spcBef>
@@ -1518,9 +1573,6 @@
                 </a:spcAft>
                 <a:buNone/>
               </a:pPr>
-              <a:r>
-                <a:t/>
-              </a:r>
               <a:endParaRPr/>
             </a:p>
           </p:txBody>
@@ -1547,12 +1599,12 @@
             </a:ln>
           </p:spPr>
           <p:txBody>
-            <a:bodyPr anchorCtr="0" anchor="ctr" bIns="91425" lIns="91425" spcFirstLastPara="1" rIns="91425" wrap="square" tIns="91425">
+            <a:bodyPr spcFirstLastPara="1" wrap="square" lIns="91425" tIns="91425" rIns="91425" bIns="91425" anchor="ctr" anchorCtr="0">
               <a:noAutofit/>
             </a:bodyPr>
             <a:lstStyle/>
             <a:p>
-              <a:pPr indent="0" lvl="0" marL="0" rtl="0" algn="l">
+              <a:pPr marL="0" lvl="0" indent="0" algn="l" rtl="0">
                 <a:spcBef>
                   <a:spcPts val="0"/>
                 </a:spcBef>
@@ -1561,9 +1613,6 @@
                 </a:spcAft>
                 <a:buNone/>
               </a:pPr>
-              <a:r>
-                <a:t/>
-              </a:r>
               <a:endParaRPr/>
             </a:p>
           </p:txBody>
@@ -1572,7 +1621,9 @@
       <p:sp>
         <p:nvSpPr>
           <p:cNvPr id="14" name="Google Shape;14;p2"/>
-          <p:cNvSpPr txBox="1"/>
+          <p:cNvSpPr txBox="1">
+            <a:spLocks noGrp="1"/>
+          </p:cNvSpPr>
           <p:nvPr>
             <p:ph type="ctrTitle"/>
           </p:nvPr>
@@ -1587,7 +1638,7 @@
           </a:prstGeom>
         </p:spPr>
         <p:txBody>
-          <a:bodyPr anchorCtr="0" anchor="t" bIns="91425" lIns="91425" spcFirstLastPara="1" rIns="91425" wrap="square" tIns="91425">
+          <a:bodyPr spcFirstLastPara="1" wrap="square" lIns="91425" tIns="91425" rIns="91425" bIns="91425" anchor="t" anchorCtr="0">
             <a:noAutofit/>
           </a:bodyPr>
           <a:lstStyle>
@@ -1754,15 +1805,19 @@
               </a:defRPr>
             </a:lvl9pPr>
           </a:lstStyle>
-          <a:p/>
+          <a:p>
+            <a:endParaRPr/>
+          </a:p>
         </p:txBody>
       </p:sp>
       <p:sp>
         <p:nvSpPr>
           <p:cNvPr id="15" name="Google Shape;15;p2"/>
-          <p:cNvSpPr txBox="1"/>
+          <p:cNvSpPr txBox="1">
+            <a:spLocks noGrp="1"/>
+          </p:cNvSpPr>
           <p:nvPr>
-            <p:ph idx="1" type="subTitle"/>
+            <p:ph type="subTitle" idx="1"/>
           </p:nvPr>
         </p:nvSpPr>
         <p:spPr>
@@ -1775,7 +1830,7 @@
           </a:prstGeom>
         </p:spPr>
         <p:txBody>
-          <a:bodyPr anchorCtr="0" anchor="t" bIns="91425" lIns="91425" spcFirstLastPara="1" rIns="91425" wrap="square" tIns="91425">
+          <a:bodyPr spcFirstLastPara="1" wrap="square" lIns="91425" tIns="91425" rIns="91425" bIns="91425" anchor="t" anchorCtr="0">
             <a:noAutofit/>
           </a:bodyPr>
           <a:lstStyle>
@@ -1906,15 +1961,19 @@
               <a:defRPr sz="1600"/>
             </a:lvl9pPr>
           </a:lstStyle>
-          <a:p/>
+          <a:p>
+            <a:endParaRPr/>
+          </a:p>
         </p:txBody>
       </p:sp>
       <p:sp>
         <p:nvSpPr>
           <p:cNvPr id="16" name="Google Shape;16;p2"/>
-          <p:cNvSpPr txBox="1"/>
+          <p:cNvSpPr txBox="1">
+            <a:spLocks noGrp="1"/>
+          </p:cNvSpPr>
           <p:nvPr>
-            <p:ph idx="12" type="sldNum"/>
+            <p:ph type="sldNum" idx="12"/>
           </p:nvPr>
         </p:nvSpPr>
         <p:spPr>
@@ -1927,7 +1986,7 @@
           </a:prstGeom>
         </p:spPr>
         <p:txBody>
-          <a:bodyPr anchorCtr="0" anchor="ctr" bIns="91425" lIns="91425" spcFirstLastPara="1" rIns="91425" wrap="square" tIns="91425">
+          <a:bodyPr spcFirstLastPara="1" wrap="square" lIns="91425" tIns="91425" rIns="91425" bIns="91425" anchor="ctr" anchorCtr="0">
             <a:noAutofit/>
           </a:bodyPr>
           <a:lstStyle>
@@ -1969,7 +2028,7 @@
             </a:lvl9pPr>
           </a:lstStyle>
           <a:p>
-            <a:pPr indent="0" lvl="0" marL="0" rtl="0" algn="r">
+            <a:pPr marL="0" lvl="0" indent="0" algn="r" rtl="0">
               <a:spcBef>
                 <a:spcPts val="0"/>
               </a:spcBef>
@@ -1995,18 +2054,19 @@
 </file>
 
 <file path=ppt/slideLayouts/slideLayout10.xml><?xml version="1.0" encoding="utf-8"?>
-<p:sldLayout xmlns:a="http://schemas.openxmlformats.org/drawingml/2006/main" xmlns:r="http://schemas.openxmlformats.org/officeDocument/2006/relationships" xmlns:mc="http://schemas.openxmlformats.org/markup-compatibility/2006" xmlns:mv="urn:schemas-microsoft-com:mac:vml" xmlns:p="http://schemas.openxmlformats.org/presentationml/2006/main" xmlns:c="http://schemas.openxmlformats.org/drawingml/2006/chart" xmlns:dgm="http://schemas.openxmlformats.org/drawingml/2006/diagram" xmlns:o="urn:schemas-microsoft-com:office:office" xmlns:v="urn:schemas-microsoft-com:vml" xmlns:pvml="urn:schemas-microsoft-com:office:powerpoint" xmlns:com="http://schemas.openxmlformats.org/drawingml/2006/compatibility" xmlns:p14="http://schemas.microsoft.com/office/powerpoint/2010/main" xmlns:p15="http://schemas.microsoft.com/office/powerpoint/2012/main" matchingName="Big number">
+<p:sldLayout xmlns:a="http://schemas.openxmlformats.org/drawingml/2006/main" xmlns:r="http://schemas.openxmlformats.org/officeDocument/2006/relationships" xmlns:p="http://schemas.openxmlformats.org/presentationml/2006/main" matchingName="Big number">
   <p:cSld name="BIG_NUMBER">
     <p:bg>
       <p:bgPr>
         <a:solidFill>
           <a:schemeClr val="dk1"/>
         </a:solidFill>
+        <a:effectLst/>
       </p:bgPr>
     </p:bg>
     <p:spTree>
       <p:nvGrpSpPr>
-        <p:cNvPr id="73" name="Shape 73"/>
+        <p:cNvPr id="1" name="Shape 73"/>
         <p:cNvGrpSpPr/>
         <p:nvPr/>
       </p:nvGrpSpPr>
@@ -2054,12 +2114,12 @@
             </a:ln>
           </p:spPr>
           <p:txBody>
-            <a:bodyPr anchorCtr="0" anchor="ctr" bIns="91425" lIns="91425" spcFirstLastPara="1" rIns="91425" wrap="square" tIns="91425">
+            <a:bodyPr spcFirstLastPara="1" wrap="square" lIns="91425" tIns="91425" rIns="91425" bIns="91425" anchor="ctr" anchorCtr="0">
               <a:noAutofit/>
             </a:bodyPr>
             <a:lstStyle/>
             <a:p>
-              <a:pPr indent="0" lvl="0" marL="0" rtl="0" algn="l">
+              <a:pPr marL="0" lvl="0" indent="0" algn="l" rtl="0">
                 <a:spcBef>
                   <a:spcPts val="0"/>
                 </a:spcBef>
@@ -2068,9 +2128,6 @@
                 </a:spcAft>
                 <a:buNone/>
               </a:pPr>
-              <a:r>
-                <a:t/>
-              </a:r>
               <a:endParaRPr/>
             </a:p>
           </p:txBody>
@@ -2097,12 +2154,12 @@
             </a:ln>
           </p:spPr>
           <p:txBody>
-            <a:bodyPr anchorCtr="0" anchor="ctr" bIns="91425" lIns="91425" spcFirstLastPara="1" rIns="91425" wrap="square" tIns="91425">
+            <a:bodyPr spcFirstLastPara="1" wrap="square" lIns="91425" tIns="91425" rIns="91425" bIns="91425" anchor="ctr" anchorCtr="0">
               <a:noAutofit/>
             </a:bodyPr>
             <a:lstStyle/>
             <a:p>
-              <a:pPr indent="0" lvl="0" marL="0" rtl="0" algn="l">
+              <a:pPr marL="0" lvl="0" indent="0" algn="l" rtl="0">
                 <a:spcBef>
                   <a:spcPts val="0"/>
                 </a:spcBef>
@@ -2111,9 +2168,6 @@
                 </a:spcAft>
                 <a:buNone/>
               </a:pPr>
-              <a:r>
-                <a:t/>
-              </a:r>
               <a:endParaRPr/>
             </a:p>
           </p:txBody>
@@ -2122,9 +2176,11 @@
       <p:sp>
         <p:nvSpPr>
           <p:cNvPr id="77" name="Google Shape;77;p11"/>
-          <p:cNvSpPr txBox="1"/>
+          <p:cNvSpPr txBox="1">
+            <a:spLocks noGrp="1"/>
+          </p:cNvSpPr>
           <p:nvPr>
-            <p:ph hasCustomPrompt="1" type="title"/>
+            <p:ph type="title" hasCustomPrompt="1"/>
           </p:nvPr>
         </p:nvSpPr>
         <p:spPr>
@@ -2137,7 +2193,7 @@
           </a:prstGeom>
         </p:spPr>
         <p:txBody>
-          <a:bodyPr anchorCtr="0" anchor="t" bIns="91425" lIns="91425" spcFirstLastPara="1" rIns="91425" wrap="square" tIns="91425">
+          <a:bodyPr spcFirstLastPara="1" wrap="square" lIns="91425" tIns="91425" rIns="91425" bIns="91425" anchor="t" anchorCtr="0">
             <a:noAutofit/>
           </a:bodyPr>
           <a:lstStyle>
@@ -2314,9 +2370,11 @@
       <p:sp>
         <p:nvSpPr>
           <p:cNvPr id="78" name="Google Shape;78;p11"/>
-          <p:cNvSpPr txBox="1"/>
+          <p:cNvSpPr txBox="1">
+            <a:spLocks noGrp="1"/>
+          </p:cNvSpPr>
           <p:nvPr>
-            <p:ph idx="1" type="body"/>
+            <p:ph type="body" idx="1"/>
           </p:nvPr>
         </p:nvSpPr>
         <p:spPr>
@@ -2329,11 +2387,11 @@
           </a:prstGeom>
         </p:spPr>
         <p:txBody>
-          <a:bodyPr anchorCtr="0" anchor="t" bIns="91425" lIns="91425" spcFirstLastPara="1" rIns="91425" wrap="square" tIns="91425">
+          <a:bodyPr spcFirstLastPara="1" wrap="square" lIns="91425" tIns="91425" rIns="91425" bIns="91425" anchor="t" anchorCtr="0">
             <a:noAutofit/>
           </a:bodyPr>
           <a:lstStyle>
-            <a:lvl1pPr indent="-311150" lvl="0" marL="457200">
+            <a:lvl1pPr marL="457200" lvl="0" indent="-311150">
               <a:spcBef>
                 <a:spcPts val="0"/>
               </a:spcBef>
@@ -2351,7 +2409,7 @@
                 </a:solidFill>
               </a:defRPr>
             </a:lvl1pPr>
-            <a:lvl2pPr indent="-298450" lvl="1" marL="914400">
+            <a:lvl2pPr marL="914400" lvl="1" indent="-298450">
               <a:spcBef>
                 <a:spcPts val="1600"/>
               </a:spcBef>
@@ -2369,7 +2427,7 @@
                 </a:solidFill>
               </a:defRPr>
             </a:lvl2pPr>
-            <a:lvl3pPr indent="-298450" lvl="2" marL="1371600">
+            <a:lvl3pPr marL="1371600" lvl="2" indent="-298450">
               <a:spcBef>
                 <a:spcPts val="1600"/>
               </a:spcBef>
@@ -2387,7 +2445,7 @@
                 </a:solidFill>
               </a:defRPr>
             </a:lvl3pPr>
-            <a:lvl4pPr indent="-298450" lvl="3" marL="1828800">
+            <a:lvl4pPr marL="1828800" lvl="3" indent="-298450">
               <a:spcBef>
                 <a:spcPts val="1600"/>
               </a:spcBef>
@@ -2405,7 +2463,7 @@
                 </a:solidFill>
               </a:defRPr>
             </a:lvl4pPr>
-            <a:lvl5pPr indent="-298450" lvl="4" marL="2286000">
+            <a:lvl5pPr marL="2286000" lvl="4" indent="-298450">
               <a:spcBef>
                 <a:spcPts val="1600"/>
               </a:spcBef>
@@ -2423,7 +2481,7 @@
                 </a:solidFill>
               </a:defRPr>
             </a:lvl5pPr>
-            <a:lvl6pPr indent="-298450" lvl="5" marL="2743200">
+            <a:lvl6pPr marL="2743200" lvl="5" indent="-298450">
               <a:spcBef>
                 <a:spcPts val="1600"/>
               </a:spcBef>
@@ -2441,7 +2499,7 @@
                 </a:solidFill>
               </a:defRPr>
             </a:lvl6pPr>
-            <a:lvl7pPr indent="-298450" lvl="6" marL="3200400">
+            <a:lvl7pPr marL="3200400" lvl="6" indent="-298450">
               <a:spcBef>
                 <a:spcPts val="1600"/>
               </a:spcBef>
@@ -2459,7 +2517,7 @@
                 </a:solidFill>
               </a:defRPr>
             </a:lvl7pPr>
-            <a:lvl8pPr indent="-298450" lvl="7" marL="3657600">
+            <a:lvl8pPr marL="3657600" lvl="7" indent="-298450">
               <a:spcBef>
                 <a:spcPts val="1600"/>
               </a:spcBef>
@@ -2477,7 +2535,7 @@
                 </a:solidFill>
               </a:defRPr>
             </a:lvl8pPr>
-            <a:lvl9pPr indent="-298450" lvl="8" marL="4114800">
+            <a:lvl9pPr marL="4114800" lvl="8" indent="-298450">
               <a:spcBef>
                 <a:spcPts val="1600"/>
               </a:spcBef>
@@ -2496,15 +2554,19 @@
               </a:defRPr>
             </a:lvl9pPr>
           </a:lstStyle>
-          <a:p/>
+          <a:p>
+            <a:endParaRPr/>
+          </a:p>
         </p:txBody>
       </p:sp>
       <p:sp>
         <p:nvSpPr>
           <p:cNvPr id="79" name="Google Shape;79;p11"/>
-          <p:cNvSpPr txBox="1"/>
+          <p:cNvSpPr txBox="1">
+            <a:spLocks noGrp="1"/>
+          </p:cNvSpPr>
           <p:nvPr>
-            <p:ph idx="12" type="sldNum"/>
+            <p:ph type="sldNum" idx="12"/>
           </p:nvPr>
         </p:nvSpPr>
         <p:spPr>
@@ -2517,7 +2579,7 @@
           </a:prstGeom>
         </p:spPr>
         <p:txBody>
-          <a:bodyPr anchorCtr="0" anchor="ctr" bIns="91425" lIns="91425" spcFirstLastPara="1" rIns="91425" wrap="square" tIns="91425">
+          <a:bodyPr spcFirstLastPara="1" wrap="square" lIns="91425" tIns="91425" rIns="91425" bIns="91425" anchor="ctr" anchorCtr="0">
             <a:noAutofit/>
           </a:bodyPr>
           <a:lstStyle>
@@ -2595,7 +2657,7 @@
             </a:lvl9pPr>
           </a:lstStyle>
           <a:p>
-            <a:pPr indent="0" lvl="0" marL="0" rtl="0" algn="r">
+            <a:pPr marL="0" lvl="0" indent="0" algn="r" rtl="0">
               <a:spcBef>
                 <a:spcPts val="0"/>
               </a:spcBef>
@@ -2621,11 +2683,11 @@
 </file>
 
 <file path=ppt/slideLayouts/slideLayout11.xml><?xml version="1.0" encoding="utf-8"?>
-<p:sldLayout xmlns:a="http://schemas.openxmlformats.org/drawingml/2006/main" xmlns:r="http://schemas.openxmlformats.org/officeDocument/2006/relationships" xmlns:mc="http://schemas.openxmlformats.org/markup-compatibility/2006" xmlns:mv="urn:schemas-microsoft-com:mac:vml" xmlns:p="http://schemas.openxmlformats.org/presentationml/2006/main" xmlns:c="http://schemas.openxmlformats.org/drawingml/2006/chart" xmlns:dgm="http://schemas.openxmlformats.org/drawingml/2006/diagram" xmlns:o="urn:schemas-microsoft-com:office:office" xmlns:v="urn:schemas-microsoft-com:vml" xmlns:pvml="urn:schemas-microsoft-com:office:powerpoint" xmlns:com="http://schemas.openxmlformats.org/drawingml/2006/compatibility" xmlns:p14="http://schemas.microsoft.com/office/powerpoint/2010/main" xmlns:p15="http://schemas.microsoft.com/office/powerpoint/2012/main" matchingName="Blank" type="blank">
+<p:sldLayout xmlns:a="http://schemas.openxmlformats.org/drawingml/2006/main" xmlns:r="http://schemas.openxmlformats.org/officeDocument/2006/relationships" xmlns:p="http://schemas.openxmlformats.org/presentationml/2006/main" matchingName="Blank" type="blank">
   <p:cSld name="BLANK">
     <p:spTree>
       <p:nvGrpSpPr>
-        <p:cNvPr id="80" name="Shape 80"/>
+        <p:cNvPr id="1" name="Shape 80"/>
         <p:cNvGrpSpPr/>
         <p:nvPr/>
       </p:nvGrpSpPr>
@@ -2640,9 +2702,11 @@
       <p:sp>
         <p:nvSpPr>
           <p:cNvPr id="81" name="Google Shape;81;p12"/>
-          <p:cNvSpPr txBox="1"/>
+          <p:cNvSpPr txBox="1">
+            <a:spLocks noGrp="1"/>
+          </p:cNvSpPr>
           <p:nvPr>
-            <p:ph idx="12" type="sldNum"/>
+            <p:ph type="sldNum" idx="12"/>
           </p:nvPr>
         </p:nvSpPr>
         <p:spPr>
@@ -2655,7 +2719,7 @@
           </a:prstGeom>
         </p:spPr>
         <p:txBody>
-          <a:bodyPr anchorCtr="0" anchor="ctr" bIns="91425" lIns="91425" spcFirstLastPara="1" rIns="91425" wrap="square" tIns="91425">
+          <a:bodyPr spcFirstLastPara="1" wrap="square" lIns="91425" tIns="91425" rIns="91425" bIns="91425" anchor="ctr" anchorCtr="0">
             <a:noAutofit/>
           </a:bodyPr>
           <a:lstStyle>
@@ -2697,7 +2761,7 @@
             </a:lvl9pPr>
           </a:lstStyle>
           <a:p>
-            <a:pPr indent="0" lvl="0" marL="0" rtl="0" algn="r">
+            <a:pPr marL="0" lvl="0" indent="0" algn="r" rtl="0">
               <a:spcBef>
                 <a:spcPts val="0"/>
               </a:spcBef>
@@ -2723,18 +2787,19 @@
 </file>
 
 <file path=ppt/slideLayouts/slideLayout2.xml><?xml version="1.0" encoding="utf-8"?>
-<p:sldLayout xmlns:a="http://schemas.openxmlformats.org/drawingml/2006/main" xmlns:r="http://schemas.openxmlformats.org/officeDocument/2006/relationships" xmlns:mc="http://schemas.openxmlformats.org/markup-compatibility/2006" xmlns:mv="urn:schemas-microsoft-com:mac:vml" xmlns:p="http://schemas.openxmlformats.org/presentationml/2006/main" xmlns:c="http://schemas.openxmlformats.org/drawingml/2006/chart" xmlns:dgm="http://schemas.openxmlformats.org/drawingml/2006/diagram" xmlns:o="urn:schemas-microsoft-com:office:office" xmlns:v="urn:schemas-microsoft-com:vml" xmlns:pvml="urn:schemas-microsoft-com:office:powerpoint" xmlns:com="http://schemas.openxmlformats.org/drawingml/2006/compatibility" xmlns:p14="http://schemas.microsoft.com/office/powerpoint/2010/main" xmlns:p15="http://schemas.microsoft.com/office/powerpoint/2012/main" matchingName="Section header" type="secHead">
+<p:sldLayout xmlns:a="http://schemas.openxmlformats.org/drawingml/2006/main" xmlns:r="http://schemas.openxmlformats.org/officeDocument/2006/relationships" xmlns:p="http://schemas.openxmlformats.org/presentationml/2006/main" matchingName="Section header" type="secHead">
   <p:cSld name="SECTION_HEADER">
     <p:bg>
       <p:bgPr>
         <a:solidFill>
           <a:schemeClr val="dk1"/>
         </a:solidFill>
+        <a:effectLst/>
       </p:bgPr>
     </p:bg>
     <p:spTree>
       <p:nvGrpSpPr>
-        <p:cNvPr id="17" name="Shape 17"/>
+        <p:cNvPr id="1" name="Shape 17"/>
         <p:cNvGrpSpPr/>
         <p:nvPr/>
       </p:nvGrpSpPr>
@@ -2782,12 +2847,12 @@
             </a:ln>
           </p:spPr>
           <p:txBody>
-            <a:bodyPr anchorCtr="0" anchor="ctr" bIns="91425" lIns="91425" spcFirstLastPara="1" rIns="91425" wrap="square" tIns="91425">
+            <a:bodyPr spcFirstLastPara="1" wrap="square" lIns="91425" tIns="91425" rIns="91425" bIns="91425" anchor="ctr" anchorCtr="0">
               <a:noAutofit/>
             </a:bodyPr>
             <a:lstStyle/>
             <a:p>
-              <a:pPr indent="0" lvl="0" marL="0" rtl="0" algn="l">
+              <a:pPr marL="0" lvl="0" indent="0" algn="l" rtl="0">
                 <a:spcBef>
                   <a:spcPts val="0"/>
                 </a:spcBef>
@@ -2796,9 +2861,6 @@
                 </a:spcAft>
                 <a:buNone/>
               </a:pPr>
-              <a:r>
-                <a:t/>
-              </a:r>
               <a:endParaRPr/>
             </a:p>
           </p:txBody>
@@ -2825,12 +2887,12 @@
             </a:ln>
           </p:spPr>
           <p:txBody>
-            <a:bodyPr anchorCtr="0" anchor="ctr" bIns="91425" lIns="91425" spcFirstLastPara="1" rIns="91425" wrap="square" tIns="91425">
+            <a:bodyPr spcFirstLastPara="1" wrap="square" lIns="91425" tIns="91425" rIns="91425" bIns="91425" anchor="ctr" anchorCtr="0">
               <a:noAutofit/>
             </a:bodyPr>
             <a:lstStyle/>
             <a:p>
-              <a:pPr indent="0" lvl="0" marL="0" rtl="0" algn="l">
+              <a:pPr marL="0" lvl="0" indent="0" algn="l" rtl="0">
                 <a:spcBef>
                   <a:spcPts val="0"/>
                 </a:spcBef>
@@ -2839,9 +2901,6 @@
                 </a:spcAft>
                 <a:buNone/>
               </a:pPr>
-              <a:r>
-                <a:t/>
-              </a:r>
               <a:endParaRPr/>
             </a:p>
           </p:txBody>
@@ -2850,7 +2909,9 @@
       <p:sp>
         <p:nvSpPr>
           <p:cNvPr id="21" name="Google Shape;21;p3"/>
-          <p:cNvSpPr txBox="1"/>
+          <p:cNvSpPr txBox="1">
+            <a:spLocks noGrp="1"/>
+          </p:cNvSpPr>
           <p:nvPr>
             <p:ph type="title"/>
           </p:nvPr>
@@ -2865,7 +2926,7 @@
           </a:prstGeom>
         </p:spPr>
         <p:txBody>
-          <a:bodyPr anchorCtr="0" anchor="t" bIns="91425" lIns="91425" spcFirstLastPara="1" rIns="91425" wrap="square" tIns="91425">
+          <a:bodyPr spcFirstLastPara="1" wrap="square" lIns="91425" tIns="91425" rIns="91425" bIns="91425" anchor="t" anchorCtr="0">
             <a:noAutofit/>
           </a:bodyPr>
           <a:lstStyle>
@@ -3032,15 +3093,19 @@
               </a:defRPr>
             </a:lvl9pPr>
           </a:lstStyle>
-          <a:p/>
+          <a:p>
+            <a:endParaRPr/>
+          </a:p>
         </p:txBody>
       </p:sp>
       <p:sp>
         <p:nvSpPr>
           <p:cNvPr id="22" name="Google Shape;22;p3"/>
-          <p:cNvSpPr txBox="1"/>
+          <p:cNvSpPr txBox="1">
+            <a:spLocks noGrp="1"/>
+          </p:cNvSpPr>
           <p:nvPr>
-            <p:ph idx="12" type="sldNum"/>
+            <p:ph type="sldNum" idx="12"/>
           </p:nvPr>
         </p:nvSpPr>
         <p:spPr>
@@ -3053,7 +3118,7 @@
           </a:prstGeom>
         </p:spPr>
         <p:txBody>
-          <a:bodyPr anchorCtr="0" anchor="ctr" bIns="91425" lIns="91425" spcFirstLastPara="1" rIns="91425" wrap="square" tIns="91425">
+          <a:bodyPr spcFirstLastPara="1" wrap="square" lIns="91425" tIns="91425" rIns="91425" bIns="91425" anchor="ctr" anchorCtr="0">
             <a:noAutofit/>
           </a:bodyPr>
           <a:lstStyle>
@@ -3131,7 +3196,7 @@
             </a:lvl9pPr>
           </a:lstStyle>
           <a:p>
-            <a:pPr indent="0" lvl="0" marL="0" rtl="0" algn="r">
+            <a:pPr marL="0" lvl="0" indent="0" algn="r" rtl="0">
               <a:spcBef>
                 <a:spcPts val="0"/>
               </a:spcBef>
@@ -3157,11 +3222,11 @@
 </file>
 
 <file path=ppt/slideLayouts/slideLayout3.xml><?xml version="1.0" encoding="utf-8"?>
-<p:sldLayout xmlns:a="http://schemas.openxmlformats.org/drawingml/2006/main" xmlns:r="http://schemas.openxmlformats.org/officeDocument/2006/relationships" xmlns:mc="http://schemas.openxmlformats.org/markup-compatibility/2006" xmlns:mv="urn:schemas-microsoft-com:mac:vml" xmlns:p="http://schemas.openxmlformats.org/presentationml/2006/main" xmlns:c="http://schemas.openxmlformats.org/drawingml/2006/chart" xmlns:dgm="http://schemas.openxmlformats.org/drawingml/2006/diagram" xmlns:o="urn:schemas-microsoft-com:office:office" xmlns:v="urn:schemas-microsoft-com:vml" xmlns:pvml="urn:schemas-microsoft-com:office:powerpoint" xmlns:com="http://schemas.openxmlformats.org/drawingml/2006/compatibility" xmlns:p14="http://schemas.microsoft.com/office/powerpoint/2010/main" xmlns:p15="http://schemas.microsoft.com/office/powerpoint/2012/main" matchingName="Title and body" type="tx">
+<p:sldLayout xmlns:a="http://schemas.openxmlformats.org/drawingml/2006/main" xmlns:r="http://schemas.openxmlformats.org/officeDocument/2006/relationships" xmlns:p="http://schemas.openxmlformats.org/presentationml/2006/main" matchingName="Title and body" type="tx">
   <p:cSld name="TITLE_AND_BODY">
     <p:spTree>
       <p:nvGrpSpPr>
-        <p:cNvPr id="23" name="Shape 23"/>
+        <p:cNvPr id="1" name="Shape 23"/>
         <p:cNvGrpSpPr/>
         <p:nvPr/>
       </p:nvGrpSpPr>
@@ -3195,12 +3260,12 @@
           </a:ln>
         </p:spPr>
         <p:txBody>
-          <a:bodyPr anchorCtr="0" anchor="ctr" bIns="91425" lIns="91425" spcFirstLastPara="1" rIns="91425" wrap="square" tIns="91425">
+          <a:bodyPr spcFirstLastPara="1" wrap="square" lIns="91425" tIns="91425" rIns="91425" bIns="91425" anchor="ctr" anchorCtr="0">
             <a:noAutofit/>
           </a:bodyPr>
           <a:lstStyle/>
           <a:p>
-            <a:pPr indent="0" lvl="0" marL="0" rtl="0" algn="l">
+            <a:pPr marL="0" lvl="0" indent="0" algn="l" rtl="0">
               <a:spcBef>
                 <a:spcPts val="0"/>
               </a:spcBef>
@@ -3209,9 +3274,6 @@
               </a:spcAft>
               <a:buNone/>
             </a:pPr>
-            <a:r>
-              <a:t/>
-            </a:r>
             <a:endParaRPr/>
           </a:p>
         </p:txBody>
@@ -3252,12 +3314,12 @@
             </a:ln>
           </p:spPr>
           <p:txBody>
-            <a:bodyPr anchorCtr="0" anchor="ctr" bIns="91425" lIns="91425" spcFirstLastPara="1" rIns="91425" wrap="square" tIns="91425">
+            <a:bodyPr spcFirstLastPara="1" wrap="square" lIns="91425" tIns="91425" rIns="91425" bIns="91425" anchor="ctr" anchorCtr="0">
               <a:noAutofit/>
             </a:bodyPr>
             <a:lstStyle/>
             <a:p>
-              <a:pPr indent="0" lvl="0" marL="0" rtl="0" algn="l">
+              <a:pPr marL="0" lvl="0" indent="0" algn="l" rtl="0">
                 <a:spcBef>
                   <a:spcPts val="0"/>
                 </a:spcBef>
@@ -3266,9 +3328,6 @@
                 </a:spcAft>
                 <a:buNone/>
               </a:pPr>
-              <a:r>
-                <a:t/>
-              </a:r>
               <a:endParaRPr/>
             </a:p>
           </p:txBody>
@@ -3295,12 +3354,12 @@
             </a:ln>
           </p:spPr>
           <p:txBody>
-            <a:bodyPr anchorCtr="0" anchor="ctr" bIns="91425" lIns="91425" spcFirstLastPara="1" rIns="91425" wrap="square" tIns="91425">
+            <a:bodyPr spcFirstLastPara="1" wrap="square" lIns="91425" tIns="91425" rIns="91425" bIns="91425" anchor="ctr" anchorCtr="0">
               <a:noAutofit/>
             </a:bodyPr>
             <a:lstStyle/>
             <a:p>
-              <a:pPr indent="0" lvl="0" marL="0" rtl="0" algn="l">
+              <a:pPr marL="0" lvl="0" indent="0" algn="l" rtl="0">
                 <a:spcBef>
                   <a:spcPts val="0"/>
                 </a:spcBef>
@@ -3309,9 +3368,6 @@
                 </a:spcAft>
                 <a:buNone/>
               </a:pPr>
-              <a:r>
-                <a:t/>
-              </a:r>
               <a:endParaRPr/>
             </a:p>
           </p:txBody>
@@ -3320,7 +3376,9 @@
       <p:sp>
         <p:nvSpPr>
           <p:cNvPr id="28" name="Google Shape;28;p4"/>
-          <p:cNvSpPr txBox="1"/>
+          <p:cNvSpPr txBox="1">
+            <a:spLocks noGrp="1"/>
+          </p:cNvSpPr>
           <p:nvPr>
             <p:ph type="title"/>
           </p:nvPr>
@@ -3335,7 +3393,7 @@
           </a:prstGeom>
         </p:spPr>
         <p:txBody>
-          <a:bodyPr anchorCtr="0" anchor="t" bIns="91425" lIns="91425" spcFirstLastPara="1" rIns="91425" wrap="square" tIns="91425">
+          <a:bodyPr spcFirstLastPara="1" wrap="square" lIns="91425" tIns="91425" rIns="91425" bIns="91425" anchor="t" anchorCtr="0">
             <a:noAutofit/>
           </a:bodyPr>
           <a:lstStyle>
@@ -3502,15 +3560,19 @@
               </a:defRPr>
             </a:lvl9pPr>
           </a:lstStyle>
-          <a:p/>
+          <a:p>
+            <a:endParaRPr/>
+          </a:p>
         </p:txBody>
       </p:sp>
       <p:sp>
         <p:nvSpPr>
           <p:cNvPr id="29" name="Google Shape;29;p4"/>
-          <p:cNvSpPr txBox="1"/>
+          <p:cNvSpPr txBox="1">
+            <a:spLocks noGrp="1"/>
+          </p:cNvSpPr>
           <p:nvPr>
-            <p:ph idx="1" type="body"/>
+            <p:ph type="body" idx="1"/>
           </p:nvPr>
         </p:nvSpPr>
         <p:spPr>
@@ -3523,11 +3585,11 @@
           </a:prstGeom>
         </p:spPr>
         <p:txBody>
-          <a:bodyPr anchorCtr="0" anchor="t" bIns="91425" lIns="91425" spcFirstLastPara="1" rIns="91425" wrap="square" tIns="91425">
+          <a:bodyPr spcFirstLastPara="1" wrap="square" lIns="91425" tIns="91425" rIns="91425" bIns="91425" anchor="t" anchorCtr="0">
             <a:noAutofit/>
           </a:bodyPr>
           <a:lstStyle>
-            <a:lvl1pPr indent="-311150" lvl="0" marL="457200">
+            <a:lvl1pPr marL="457200" lvl="0" indent="-311150">
               <a:spcBef>
                 <a:spcPts val="0"/>
               </a:spcBef>
@@ -3538,7 +3600,7 @@
               <a:buChar char="●"/>
               <a:defRPr/>
             </a:lvl1pPr>
-            <a:lvl2pPr indent="-298450" lvl="1" marL="914400">
+            <a:lvl2pPr marL="914400" lvl="1" indent="-298450">
               <a:spcBef>
                 <a:spcPts val="1600"/>
               </a:spcBef>
@@ -3549,7 +3611,7 @@
               <a:buChar char="○"/>
               <a:defRPr/>
             </a:lvl2pPr>
-            <a:lvl3pPr indent="-298450" lvl="2" marL="1371600">
+            <a:lvl3pPr marL="1371600" lvl="2" indent="-298450">
               <a:spcBef>
                 <a:spcPts val="1600"/>
               </a:spcBef>
@@ -3560,7 +3622,7 @@
               <a:buChar char="■"/>
               <a:defRPr/>
             </a:lvl3pPr>
-            <a:lvl4pPr indent="-298450" lvl="3" marL="1828800">
+            <a:lvl4pPr marL="1828800" lvl="3" indent="-298450">
               <a:spcBef>
                 <a:spcPts val="1600"/>
               </a:spcBef>
@@ -3571,7 +3633,7 @@
               <a:buChar char="●"/>
               <a:defRPr/>
             </a:lvl4pPr>
-            <a:lvl5pPr indent="-298450" lvl="4" marL="2286000">
+            <a:lvl5pPr marL="2286000" lvl="4" indent="-298450">
               <a:spcBef>
                 <a:spcPts val="1600"/>
               </a:spcBef>
@@ -3582,7 +3644,7 @@
               <a:buChar char="○"/>
               <a:defRPr/>
             </a:lvl5pPr>
-            <a:lvl6pPr indent="-298450" lvl="5" marL="2743200">
+            <a:lvl6pPr marL="2743200" lvl="5" indent="-298450">
               <a:spcBef>
                 <a:spcPts val="1600"/>
               </a:spcBef>
@@ -3593,7 +3655,7 @@
               <a:buChar char="■"/>
               <a:defRPr/>
             </a:lvl6pPr>
-            <a:lvl7pPr indent="-298450" lvl="6" marL="3200400">
+            <a:lvl7pPr marL="3200400" lvl="6" indent="-298450">
               <a:spcBef>
                 <a:spcPts val="1600"/>
               </a:spcBef>
@@ -3604,7 +3666,7 @@
               <a:buChar char="●"/>
               <a:defRPr/>
             </a:lvl7pPr>
-            <a:lvl8pPr indent="-298450" lvl="7" marL="3657600">
+            <a:lvl8pPr marL="3657600" lvl="7" indent="-298450">
               <a:spcBef>
                 <a:spcPts val="1600"/>
               </a:spcBef>
@@ -3615,7 +3677,7 @@
               <a:buChar char="○"/>
               <a:defRPr/>
             </a:lvl8pPr>
-            <a:lvl9pPr indent="-298450" lvl="8" marL="4114800">
+            <a:lvl9pPr marL="4114800" lvl="8" indent="-298450">
               <a:spcBef>
                 <a:spcPts val="1600"/>
               </a:spcBef>
@@ -3627,15 +3689,19 @@
               <a:defRPr/>
             </a:lvl9pPr>
           </a:lstStyle>
-          <a:p/>
+          <a:p>
+            <a:endParaRPr/>
+          </a:p>
         </p:txBody>
       </p:sp>
       <p:sp>
         <p:nvSpPr>
           <p:cNvPr id="30" name="Google Shape;30;p4"/>
-          <p:cNvSpPr txBox="1"/>
+          <p:cNvSpPr txBox="1">
+            <a:spLocks noGrp="1"/>
+          </p:cNvSpPr>
           <p:nvPr>
-            <p:ph idx="12" type="sldNum"/>
+            <p:ph type="sldNum" idx="12"/>
           </p:nvPr>
         </p:nvSpPr>
         <p:spPr>
@@ -3648,7 +3714,7 @@
           </a:prstGeom>
         </p:spPr>
         <p:txBody>
-          <a:bodyPr anchorCtr="0" anchor="ctr" bIns="91425" lIns="91425" spcFirstLastPara="1" rIns="91425" wrap="square" tIns="91425">
+          <a:bodyPr spcFirstLastPara="1" wrap="square" lIns="91425" tIns="91425" rIns="91425" bIns="91425" anchor="ctr" anchorCtr="0">
             <a:noAutofit/>
           </a:bodyPr>
           <a:lstStyle>
@@ -3690,7 +3756,7 @@
             </a:lvl9pPr>
           </a:lstStyle>
           <a:p>
-            <a:pPr indent="0" lvl="0" marL="0" rtl="0" algn="r">
+            <a:pPr marL="0" lvl="0" indent="0" algn="r" rtl="0">
               <a:spcBef>
                 <a:spcPts val="0"/>
               </a:spcBef>
@@ -3716,11 +3782,11 @@
 </file>
 
 <file path=ppt/slideLayouts/slideLayout4.xml><?xml version="1.0" encoding="utf-8"?>
-<p:sldLayout xmlns:a="http://schemas.openxmlformats.org/drawingml/2006/main" xmlns:r="http://schemas.openxmlformats.org/officeDocument/2006/relationships" xmlns:mc="http://schemas.openxmlformats.org/markup-compatibility/2006" xmlns:mv="urn:schemas-microsoft-com:mac:vml" xmlns:p="http://schemas.openxmlformats.org/presentationml/2006/main" xmlns:c="http://schemas.openxmlformats.org/drawingml/2006/chart" xmlns:dgm="http://schemas.openxmlformats.org/drawingml/2006/diagram" xmlns:o="urn:schemas-microsoft-com:office:office" xmlns:v="urn:schemas-microsoft-com:vml" xmlns:pvml="urn:schemas-microsoft-com:office:powerpoint" xmlns:com="http://schemas.openxmlformats.org/drawingml/2006/compatibility" xmlns:p14="http://schemas.microsoft.com/office/powerpoint/2010/main" xmlns:p15="http://schemas.microsoft.com/office/powerpoint/2012/main" matchingName="Title and two columns" type="twoColTx">
+<p:sldLayout xmlns:a="http://schemas.openxmlformats.org/drawingml/2006/main" xmlns:r="http://schemas.openxmlformats.org/officeDocument/2006/relationships" xmlns:p="http://schemas.openxmlformats.org/presentationml/2006/main" matchingName="Title and two columns" type="twoColTx">
   <p:cSld name="TITLE_AND_TWO_COLUMNS">
     <p:spTree>
       <p:nvGrpSpPr>
-        <p:cNvPr id="31" name="Shape 31"/>
+        <p:cNvPr id="1" name="Shape 31"/>
         <p:cNvGrpSpPr/>
         <p:nvPr/>
       </p:nvGrpSpPr>
@@ -3754,12 +3820,12 @@
           </a:ln>
         </p:spPr>
         <p:txBody>
-          <a:bodyPr anchorCtr="0" anchor="ctr" bIns="91425" lIns="91425" spcFirstLastPara="1" rIns="91425" wrap="square" tIns="91425">
+          <a:bodyPr spcFirstLastPara="1" wrap="square" lIns="91425" tIns="91425" rIns="91425" bIns="91425" anchor="ctr" anchorCtr="0">
             <a:noAutofit/>
           </a:bodyPr>
           <a:lstStyle/>
           <a:p>
-            <a:pPr indent="0" lvl="0" marL="0" rtl="0" algn="l">
+            <a:pPr marL="0" lvl="0" indent="0" algn="l" rtl="0">
               <a:spcBef>
                 <a:spcPts val="0"/>
               </a:spcBef>
@@ -3768,9 +3834,6 @@
               </a:spcAft>
               <a:buNone/>
             </a:pPr>
-            <a:r>
-              <a:t/>
-            </a:r>
             <a:endParaRPr/>
           </a:p>
         </p:txBody>
@@ -3811,12 +3874,12 @@
             </a:ln>
           </p:spPr>
           <p:txBody>
-            <a:bodyPr anchorCtr="0" anchor="ctr" bIns="91425" lIns="91425" spcFirstLastPara="1" rIns="91425" wrap="square" tIns="91425">
+            <a:bodyPr spcFirstLastPara="1" wrap="square" lIns="91425" tIns="91425" rIns="91425" bIns="91425" anchor="ctr" anchorCtr="0">
               <a:noAutofit/>
             </a:bodyPr>
             <a:lstStyle/>
             <a:p>
-              <a:pPr indent="0" lvl="0" marL="0" rtl="0" algn="l">
+              <a:pPr marL="0" lvl="0" indent="0" algn="l" rtl="0">
                 <a:spcBef>
                   <a:spcPts val="0"/>
                 </a:spcBef>
@@ -3825,9 +3888,6 @@
                 </a:spcAft>
                 <a:buNone/>
               </a:pPr>
-              <a:r>
-                <a:t/>
-              </a:r>
               <a:endParaRPr/>
             </a:p>
           </p:txBody>
@@ -3854,12 +3914,12 @@
             </a:ln>
           </p:spPr>
           <p:txBody>
-            <a:bodyPr anchorCtr="0" anchor="ctr" bIns="91425" lIns="91425" spcFirstLastPara="1" rIns="91425" wrap="square" tIns="91425">
+            <a:bodyPr spcFirstLastPara="1" wrap="square" lIns="91425" tIns="91425" rIns="91425" bIns="91425" anchor="ctr" anchorCtr="0">
               <a:noAutofit/>
             </a:bodyPr>
             <a:lstStyle/>
             <a:p>
-              <a:pPr indent="0" lvl="0" marL="0" rtl="0" algn="l">
+              <a:pPr marL="0" lvl="0" indent="0" algn="l" rtl="0">
                 <a:spcBef>
                   <a:spcPts val="0"/>
                 </a:spcBef>
@@ -3868,9 +3928,6 @@
                 </a:spcAft>
                 <a:buNone/>
               </a:pPr>
-              <a:r>
-                <a:t/>
-              </a:r>
               <a:endParaRPr/>
             </a:p>
           </p:txBody>
@@ -3879,7 +3936,9 @@
       <p:sp>
         <p:nvSpPr>
           <p:cNvPr id="36" name="Google Shape;36;p5"/>
-          <p:cNvSpPr txBox="1"/>
+          <p:cNvSpPr txBox="1">
+            <a:spLocks noGrp="1"/>
+          </p:cNvSpPr>
           <p:nvPr>
             <p:ph type="title"/>
           </p:nvPr>
@@ -3894,7 +3953,7 @@
           </a:prstGeom>
         </p:spPr>
         <p:txBody>
-          <a:bodyPr anchorCtr="0" anchor="t" bIns="91425" lIns="91425" spcFirstLastPara="1" rIns="91425" wrap="square" tIns="91425">
+          <a:bodyPr spcFirstLastPara="1" wrap="square" lIns="91425" tIns="91425" rIns="91425" bIns="91425" anchor="t" anchorCtr="0">
             <a:noAutofit/>
           </a:bodyPr>
           <a:lstStyle>
@@ -4061,15 +4120,19 @@
               </a:defRPr>
             </a:lvl9pPr>
           </a:lstStyle>
-          <a:p/>
+          <a:p>
+            <a:endParaRPr/>
+          </a:p>
         </p:txBody>
       </p:sp>
       <p:sp>
         <p:nvSpPr>
           <p:cNvPr id="37" name="Google Shape;37;p5"/>
-          <p:cNvSpPr txBox="1"/>
+          <p:cNvSpPr txBox="1">
+            <a:spLocks noGrp="1"/>
+          </p:cNvSpPr>
           <p:nvPr>
-            <p:ph idx="1" type="body"/>
+            <p:ph type="body" idx="1"/>
           </p:nvPr>
         </p:nvSpPr>
         <p:spPr>
@@ -4082,11 +4145,11 @@
           </a:prstGeom>
         </p:spPr>
         <p:txBody>
-          <a:bodyPr anchorCtr="0" anchor="t" bIns="91425" lIns="91425" spcFirstLastPara="1" rIns="91425" wrap="square" tIns="91425">
+          <a:bodyPr spcFirstLastPara="1" wrap="square" lIns="91425" tIns="91425" rIns="91425" bIns="91425" anchor="t" anchorCtr="0">
             <a:noAutofit/>
           </a:bodyPr>
           <a:lstStyle>
-            <a:lvl1pPr indent="-311150" lvl="0" marL="457200">
+            <a:lvl1pPr marL="457200" lvl="0" indent="-311150">
               <a:spcBef>
                 <a:spcPts val="0"/>
               </a:spcBef>
@@ -4097,7 +4160,7 @@
               <a:buChar char="●"/>
               <a:defRPr/>
             </a:lvl1pPr>
-            <a:lvl2pPr indent="-298450" lvl="1" marL="914400">
+            <a:lvl2pPr marL="914400" lvl="1" indent="-298450">
               <a:spcBef>
                 <a:spcPts val="1600"/>
               </a:spcBef>
@@ -4108,7 +4171,7 @@
               <a:buChar char="○"/>
               <a:defRPr/>
             </a:lvl2pPr>
-            <a:lvl3pPr indent="-298450" lvl="2" marL="1371600">
+            <a:lvl3pPr marL="1371600" lvl="2" indent="-298450">
               <a:spcBef>
                 <a:spcPts val="1600"/>
               </a:spcBef>
@@ -4119,7 +4182,7 @@
               <a:buChar char="■"/>
               <a:defRPr/>
             </a:lvl3pPr>
-            <a:lvl4pPr indent="-298450" lvl="3" marL="1828800">
+            <a:lvl4pPr marL="1828800" lvl="3" indent="-298450">
               <a:spcBef>
                 <a:spcPts val="1600"/>
               </a:spcBef>
@@ -4130,7 +4193,7 @@
               <a:buChar char="●"/>
               <a:defRPr/>
             </a:lvl4pPr>
-            <a:lvl5pPr indent="-298450" lvl="4" marL="2286000">
+            <a:lvl5pPr marL="2286000" lvl="4" indent="-298450">
               <a:spcBef>
                 <a:spcPts val="1600"/>
               </a:spcBef>
@@ -4141,7 +4204,7 @@
               <a:buChar char="○"/>
               <a:defRPr/>
             </a:lvl5pPr>
-            <a:lvl6pPr indent="-298450" lvl="5" marL="2743200">
+            <a:lvl6pPr marL="2743200" lvl="5" indent="-298450">
               <a:spcBef>
                 <a:spcPts val="1600"/>
               </a:spcBef>
@@ -4152,7 +4215,7 @@
               <a:buChar char="■"/>
               <a:defRPr/>
             </a:lvl6pPr>
-            <a:lvl7pPr indent="-298450" lvl="6" marL="3200400">
+            <a:lvl7pPr marL="3200400" lvl="6" indent="-298450">
               <a:spcBef>
                 <a:spcPts val="1600"/>
               </a:spcBef>
@@ -4163,7 +4226,7 @@
               <a:buChar char="●"/>
               <a:defRPr/>
             </a:lvl7pPr>
-            <a:lvl8pPr indent="-298450" lvl="7" marL="3657600">
+            <a:lvl8pPr marL="3657600" lvl="7" indent="-298450">
               <a:spcBef>
                 <a:spcPts val="1600"/>
               </a:spcBef>
@@ -4174,7 +4237,7 @@
               <a:buChar char="○"/>
               <a:defRPr/>
             </a:lvl8pPr>
-            <a:lvl9pPr indent="-298450" lvl="8" marL="4114800">
+            <a:lvl9pPr marL="4114800" lvl="8" indent="-298450">
               <a:spcBef>
                 <a:spcPts val="1600"/>
               </a:spcBef>
@@ -4186,15 +4249,19 @@
               <a:defRPr/>
             </a:lvl9pPr>
           </a:lstStyle>
-          <a:p/>
+          <a:p>
+            <a:endParaRPr/>
+          </a:p>
         </p:txBody>
       </p:sp>
       <p:sp>
         <p:nvSpPr>
           <p:cNvPr id="38" name="Google Shape;38;p5"/>
-          <p:cNvSpPr txBox="1"/>
+          <p:cNvSpPr txBox="1">
+            <a:spLocks noGrp="1"/>
+          </p:cNvSpPr>
           <p:nvPr>
-            <p:ph idx="2" type="body"/>
+            <p:ph type="body" idx="2"/>
           </p:nvPr>
         </p:nvSpPr>
         <p:spPr>
@@ -4207,11 +4274,11 @@
           </a:prstGeom>
         </p:spPr>
         <p:txBody>
-          <a:bodyPr anchorCtr="0" anchor="t" bIns="91425" lIns="91425" spcFirstLastPara="1" rIns="91425" wrap="square" tIns="91425">
+          <a:bodyPr spcFirstLastPara="1" wrap="square" lIns="91425" tIns="91425" rIns="91425" bIns="91425" anchor="t" anchorCtr="0">
             <a:noAutofit/>
           </a:bodyPr>
           <a:lstStyle>
-            <a:lvl1pPr indent="-311150" lvl="0" marL="457200">
+            <a:lvl1pPr marL="457200" lvl="0" indent="-311150">
               <a:spcBef>
                 <a:spcPts val="0"/>
               </a:spcBef>
@@ -4222,7 +4289,7 @@
               <a:buChar char="●"/>
               <a:defRPr/>
             </a:lvl1pPr>
-            <a:lvl2pPr indent="-298450" lvl="1" marL="914400">
+            <a:lvl2pPr marL="914400" lvl="1" indent="-298450">
               <a:spcBef>
                 <a:spcPts val="1600"/>
               </a:spcBef>
@@ -4233,7 +4300,7 @@
               <a:buChar char="○"/>
               <a:defRPr/>
             </a:lvl2pPr>
-            <a:lvl3pPr indent="-298450" lvl="2" marL="1371600">
+            <a:lvl3pPr marL="1371600" lvl="2" indent="-298450">
               <a:spcBef>
                 <a:spcPts val="1600"/>
               </a:spcBef>
@@ -4244,7 +4311,7 @@
               <a:buChar char="■"/>
               <a:defRPr/>
             </a:lvl3pPr>
-            <a:lvl4pPr indent="-298450" lvl="3" marL="1828800">
+            <a:lvl4pPr marL="1828800" lvl="3" indent="-298450">
               <a:spcBef>
                 <a:spcPts val="1600"/>
               </a:spcBef>
@@ -4255,7 +4322,7 @@
               <a:buChar char="●"/>
               <a:defRPr/>
             </a:lvl4pPr>
-            <a:lvl5pPr indent="-298450" lvl="4" marL="2286000">
+            <a:lvl5pPr marL="2286000" lvl="4" indent="-298450">
               <a:spcBef>
                 <a:spcPts val="1600"/>
               </a:spcBef>
@@ -4266,7 +4333,7 @@
               <a:buChar char="○"/>
               <a:defRPr/>
             </a:lvl5pPr>
-            <a:lvl6pPr indent="-298450" lvl="5" marL="2743200">
+            <a:lvl6pPr marL="2743200" lvl="5" indent="-298450">
               <a:spcBef>
                 <a:spcPts val="1600"/>
               </a:spcBef>
@@ -4277,7 +4344,7 @@
               <a:buChar char="■"/>
               <a:defRPr/>
             </a:lvl6pPr>
-            <a:lvl7pPr indent="-298450" lvl="6" marL="3200400">
+            <a:lvl7pPr marL="3200400" lvl="6" indent="-298450">
               <a:spcBef>
                 <a:spcPts val="1600"/>
               </a:spcBef>
@@ -4288,7 +4355,7 @@
               <a:buChar char="●"/>
               <a:defRPr/>
             </a:lvl7pPr>
-            <a:lvl8pPr indent="-298450" lvl="7" marL="3657600">
+            <a:lvl8pPr marL="3657600" lvl="7" indent="-298450">
               <a:spcBef>
                 <a:spcPts val="1600"/>
               </a:spcBef>
@@ -4299,7 +4366,7 @@
               <a:buChar char="○"/>
               <a:defRPr/>
             </a:lvl8pPr>
-            <a:lvl9pPr indent="-298450" lvl="8" marL="4114800">
+            <a:lvl9pPr marL="4114800" lvl="8" indent="-298450">
               <a:spcBef>
                 <a:spcPts val="1600"/>
               </a:spcBef>
@@ -4311,15 +4378,19 @@
               <a:defRPr/>
             </a:lvl9pPr>
           </a:lstStyle>
-          <a:p/>
+          <a:p>
+            <a:endParaRPr/>
+          </a:p>
         </p:txBody>
       </p:sp>
       <p:sp>
         <p:nvSpPr>
           <p:cNvPr id="39" name="Google Shape;39;p5"/>
-          <p:cNvSpPr txBox="1"/>
+          <p:cNvSpPr txBox="1">
+            <a:spLocks noGrp="1"/>
+          </p:cNvSpPr>
           <p:nvPr>
-            <p:ph idx="12" type="sldNum"/>
+            <p:ph type="sldNum" idx="12"/>
           </p:nvPr>
         </p:nvSpPr>
         <p:spPr>
@@ -4332,7 +4403,7 @@
           </a:prstGeom>
         </p:spPr>
         <p:txBody>
-          <a:bodyPr anchorCtr="0" anchor="ctr" bIns="91425" lIns="91425" spcFirstLastPara="1" rIns="91425" wrap="square" tIns="91425">
+          <a:bodyPr spcFirstLastPara="1" wrap="square" lIns="91425" tIns="91425" rIns="91425" bIns="91425" anchor="ctr" anchorCtr="0">
             <a:noAutofit/>
           </a:bodyPr>
           <a:lstStyle>
@@ -4374,7 +4445,7 @@
             </a:lvl9pPr>
           </a:lstStyle>
           <a:p>
-            <a:pPr indent="0" lvl="0" marL="0" rtl="0" algn="r">
+            <a:pPr marL="0" lvl="0" indent="0" algn="r" rtl="0">
               <a:spcBef>
                 <a:spcPts val="0"/>
               </a:spcBef>
@@ -4400,11 +4471,11 @@
 </file>
 
 <file path=ppt/slideLayouts/slideLayout5.xml><?xml version="1.0" encoding="utf-8"?>
-<p:sldLayout xmlns:a="http://schemas.openxmlformats.org/drawingml/2006/main" xmlns:r="http://schemas.openxmlformats.org/officeDocument/2006/relationships" xmlns:mc="http://schemas.openxmlformats.org/markup-compatibility/2006" xmlns:mv="urn:schemas-microsoft-com:mac:vml" xmlns:p="http://schemas.openxmlformats.org/presentationml/2006/main" xmlns:c="http://schemas.openxmlformats.org/drawingml/2006/chart" xmlns:dgm="http://schemas.openxmlformats.org/drawingml/2006/diagram" xmlns:o="urn:schemas-microsoft-com:office:office" xmlns:v="urn:schemas-microsoft-com:vml" xmlns:pvml="urn:schemas-microsoft-com:office:powerpoint" xmlns:com="http://schemas.openxmlformats.org/drawingml/2006/compatibility" xmlns:p14="http://schemas.microsoft.com/office/powerpoint/2010/main" xmlns:p15="http://schemas.microsoft.com/office/powerpoint/2012/main" matchingName="Title only" type="titleOnly">
+<p:sldLayout xmlns:a="http://schemas.openxmlformats.org/drawingml/2006/main" xmlns:r="http://schemas.openxmlformats.org/officeDocument/2006/relationships" xmlns:p="http://schemas.openxmlformats.org/presentationml/2006/main" matchingName="Title only" type="titleOnly">
   <p:cSld name="TITLE_ONLY">
     <p:spTree>
       <p:nvGrpSpPr>
-        <p:cNvPr id="40" name="Shape 40"/>
+        <p:cNvPr id="1" name="Shape 40"/>
         <p:cNvGrpSpPr/>
         <p:nvPr/>
       </p:nvGrpSpPr>
@@ -4438,12 +4509,12 @@
           </a:ln>
         </p:spPr>
         <p:txBody>
-          <a:bodyPr anchorCtr="0" anchor="ctr" bIns="91425" lIns="91425" spcFirstLastPara="1" rIns="91425" wrap="square" tIns="91425">
+          <a:bodyPr spcFirstLastPara="1" wrap="square" lIns="91425" tIns="91425" rIns="91425" bIns="91425" anchor="ctr" anchorCtr="0">
             <a:noAutofit/>
           </a:bodyPr>
           <a:lstStyle/>
           <a:p>
-            <a:pPr indent="0" lvl="0" marL="0" rtl="0" algn="l">
+            <a:pPr marL="0" lvl="0" indent="0" algn="l" rtl="0">
               <a:spcBef>
                 <a:spcPts val="0"/>
               </a:spcBef>
@@ -4452,9 +4523,6 @@
               </a:spcAft>
               <a:buNone/>
             </a:pPr>
-            <a:r>
-              <a:t/>
-            </a:r>
             <a:endParaRPr/>
           </a:p>
         </p:txBody>
@@ -4495,12 +4563,12 @@
             </a:ln>
           </p:spPr>
           <p:txBody>
-            <a:bodyPr anchorCtr="0" anchor="ctr" bIns="91425" lIns="91425" spcFirstLastPara="1" rIns="91425" wrap="square" tIns="91425">
+            <a:bodyPr spcFirstLastPara="1" wrap="square" lIns="91425" tIns="91425" rIns="91425" bIns="91425" anchor="ctr" anchorCtr="0">
               <a:noAutofit/>
             </a:bodyPr>
             <a:lstStyle/>
             <a:p>
-              <a:pPr indent="0" lvl="0" marL="0" rtl="0" algn="l">
+              <a:pPr marL="0" lvl="0" indent="0" algn="l" rtl="0">
                 <a:spcBef>
                   <a:spcPts val="0"/>
                 </a:spcBef>
@@ -4509,9 +4577,6 @@
                 </a:spcAft>
                 <a:buNone/>
               </a:pPr>
-              <a:r>
-                <a:t/>
-              </a:r>
               <a:endParaRPr/>
             </a:p>
           </p:txBody>
@@ -4538,12 +4603,12 @@
             </a:ln>
           </p:spPr>
           <p:txBody>
-            <a:bodyPr anchorCtr="0" anchor="ctr" bIns="91425" lIns="91425" spcFirstLastPara="1" rIns="91425" wrap="square" tIns="91425">
+            <a:bodyPr spcFirstLastPara="1" wrap="square" lIns="91425" tIns="91425" rIns="91425" bIns="91425" anchor="ctr" anchorCtr="0">
               <a:noAutofit/>
             </a:bodyPr>
             <a:lstStyle/>
             <a:p>
-              <a:pPr indent="0" lvl="0" marL="0" rtl="0" algn="l">
+              <a:pPr marL="0" lvl="0" indent="0" algn="l" rtl="0">
                 <a:spcBef>
                   <a:spcPts val="0"/>
                 </a:spcBef>
@@ -4552,9 +4617,6 @@
                 </a:spcAft>
                 <a:buNone/>
               </a:pPr>
-              <a:r>
-                <a:t/>
-              </a:r>
               <a:endParaRPr/>
             </a:p>
           </p:txBody>
@@ -4563,7 +4625,9 @@
       <p:sp>
         <p:nvSpPr>
           <p:cNvPr id="45" name="Google Shape;45;p6"/>
-          <p:cNvSpPr txBox="1"/>
+          <p:cNvSpPr txBox="1">
+            <a:spLocks noGrp="1"/>
+          </p:cNvSpPr>
           <p:nvPr>
             <p:ph type="title"/>
           </p:nvPr>
@@ -4578,7 +4642,7 @@
           </a:prstGeom>
         </p:spPr>
         <p:txBody>
-          <a:bodyPr anchorCtr="0" anchor="t" bIns="91425" lIns="91425" spcFirstLastPara="1" rIns="91425" wrap="square" tIns="91425">
+          <a:bodyPr spcFirstLastPara="1" wrap="square" lIns="91425" tIns="91425" rIns="91425" bIns="91425" anchor="t" anchorCtr="0">
             <a:noAutofit/>
           </a:bodyPr>
           <a:lstStyle>
@@ -4745,15 +4809,19 @@
               </a:defRPr>
             </a:lvl9pPr>
           </a:lstStyle>
-          <a:p/>
+          <a:p>
+            <a:endParaRPr/>
+          </a:p>
         </p:txBody>
       </p:sp>
       <p:sp>
         <p:nvSpPr>
           <p:cNvPr id="46" name="Google Shape;46;p6"/>
-          <p:cNvSpPr txBox="1"/>
+          <p:cNvSpPr txBox="1">
+            <a:spLocks noGrp="1"/>
+          </p:cNvSpPr>
           <p:nvPr>
-            <p:ph idx="12" type="sldNum"/>
+            <p:ph type="sldNum" idx="12"/>
           </p:nvPr>
         </p:nvSpPr>
         <p:spPr>
@@ -4766,7 +4834,7 @@
           </a:prstGeom>
         </p:spPr>
         <p:txBody>
-          <a:bodyPr anchorCtr="0" anchor="ctr" bIns="91425" lIns="91425" spcFirstLastPara="1" rIns="91425" wrap="square" tIns="91425">
+          <a:bodyPr spcFirstLastPara="1" wrap="square" lIns="91425" tIns="91425" rIns="91425" bIns="91425" anchor="ctr" anchorCtr="0">
             <a:noAutofit/>
           </a:bodyPr>
           <a:lstStyle>
@@ -4808,7 +4876,7 @@
             </a:lvl9pPr>
           </a:lstStyle>
           <a:p>
-            <a:pPr indent="0" lvl="0" marL="0" rtl="0" algn="r">
+            <a:pPr marL="0" lvl="0" indent="0" algn="r" rtl="0">
               <a:spcBef>
                 <a:spcPts val="0"/>
               </a:spcBef>
@@ -4834,11 +4902,11 @@
 </file>
 
 <file path=ppt/slideLayouts/slideLayout6.xml><?xml version="1.0" encoding="utf-8"?>
-<p:sldLayout xmlns:a="http://schemas.openxmlformats.org/drawingml/2006/main" xmlns:r="http://schemas.openxmlformats.org/officeDocument/2006/relationships" xmlns:mc="http://schemas.openxmlformats.org/markup-compatibility/2006" xmlns:mv="urn:schemas-microsoft-com:mac:vml" xmlns:p="http://schemas.openxmlformats.org/presentationml/2006/main" xmlns:c="http://schemas.openxmlformats.org/drawingml/2006/chart" xmlns:dgm="http://schemas.openxmlformats.org/drawingml/2006/diagram" xmlns:o="urn:schemas-microsoft-com:office:office" xmlns:v="urn:schemas-microsoft-com:vml" xmlns:pvml="urn:schemas-microsoft-com:office:powerpoint" xmlns:com="http://schemas.openxmlformats.org/drawingml/2006/compatibility" xmlns:p14="http://schemas.microsoft.com/office/powerpoint/2010/main" xmlns:p15="http://schemas.microsoft.com/office/powerpoint/2012/main" matchingName="One column text">
+<p:sldLayout xmlns:a="http://schemas.openxmlformats.org/drawingml/2006/main" xmlns:r="http://schemas.openxmlformats.org/officeDocument/2006/relationships" xmlns:p="http://schemas.openxmlformats.org/presentationml/2006/main" matchingName="One column text">
   <p:cSld name="ONE_COLUMN_TEXT">
     <p:spTree>
       <p:nvGrpSpPr>
-        <p:cNvPr id="47" name="Shape 47"/>
+        <p:cNvPr id="1" name="Shape 47"/>
         <p:cNvGrpSpPr/>
         <p:nvPr/>
       </p:nvGrpSpPr>
@@ -4872,12 +4940,12 @@
           </a:ln>
         </p:spPr>
         <p:txBody>
-          <a:bodyPr anchorCtr="0" anchor="ctr" bIns="91425" lIns="91425" spcFirstLastPara="1" rIns="91425" wrap="square" tIns="91425">
+          <a:bodyPr spcFirstLastPara="1" wrap="square" lIns="91425" tIns="91425" rIns="91425" bIns="91425" anchor="ctr" anchorCtr="0">
             <a:noAutofit/>
           </a:bodyPr>
           <a:lstStyle/>
           <a:p>
-            <a:pPr indent="0" lvl="0" marL="0" rtl="0" algn="l">
+            <a:pPr marL="0" lvl="0" indent="0" algn="l" rtl="0">
               <a:spcBef>
                 <a:spcPts val="0"/>
               </a:spcBef>
@@ -4886,9 +4954,6 @@
               </a:spcAft>
               <a:buNone/>
             </a:pPr>
-            <a:r>
-              <a:t/>
-            </a:r>
             <a:endParaRPr/>
           </a:p>
         </p:txBody>
@@ -4929,12 +4994,12 @@
             </a:ln>
           </p:spPr>
           <p:txBody>
-            <a:bodyPr anchorCtr="0" anchor="ctr" bIns="91425" lIns="91425" spcFirstLastPara="1" rIns="91425" wrap="square" tIns="91425">
+            <a:bodyPr spcFirstLastPara="1" wrap="square" lIns="91425" tIns="91425" rIns="91425" bIns="91425" anchor="ctr" anchorCtr="0">
               <a:noAutofit/>
             </a:bodyPr>
             <a:lstStyle/>
             <a:p>
-              <a:pPr indent="0" lvl="0" marL="0" rtl="0" algn="l">
+              <a:pPr marL="0" lvl="0" indent="0" algn="l" rtl="0">
                 <a:spcBef>
                   <a:spcPts val="0"/>
                 </a:spcBef>
@@ -4943,9 +5008,6 @@
                 </a:spcAft>
                 <a:buNone/>
               </a:pPr>
-              <a:r>
-                <a:t/>
-              </a:r>
               <a:endParaRPr/>
             </a:p>
           </p:txBody>
@@ -4972,12 +5034,12 @@
             </a:ln>
           </p:spPr>
           <p:txBody>
-            <a:bodyPr anchorCtr="0" anchor="ctr" bIns="91425" lIns="91425" spcFirstLastPara="1" rIns="91425" wrap="square" tIns="91425">
+            <a:bodyPr spcFirstLastPara="1" wrap="square" lIns="91425" tIns="91425" rIns="91425" bIns="91425" anchor="ctr" anchorCtr="0">
               <a:noAutofit/>
             </a:bodyPr>
             <a:lstStyle/>
             <a:p>
-              <a:pPr indent="0" lvl="0" marL="0" rtl="0" algn="l">
+              <a:pPr marL="0" lvl="0" indent="0" algn="l" rtl="0">
                 <a:spcBef>
                   <a:spcPts val="0"/>
                 </a:spcBef>
@@ -4986,9 +5048,6 @@
                 </a:spcAft>
                 <a:buNone/>
               </a:pPr>
-              <a:r>
-                <a:t/>
-              </a:r>
               <a:endParaRPr/>
             </a:p>
           </p:txBody>
@@ -4997,7 +5056,9 @@
       <p:sp>
         <p:nvSpPr>
           <p:cNvPr id="52" name="Google Shape;52;p7"/>
-          <p:cNvSpPr txBox="1"/>
+          <p:cNvSpPr txBox="1">
+            <a:spLocks noGrp="1"/>
+          </p:cNvSpPr>
           <p:nvPr>
             <p:ph type="title"/>
           </p:nvPr>
@@ -5012,7 +5073,7 @@
           </a:prstGeom>
         </p:spPr>
         <p:txBody>
-          <a:bodyPr anchorCtr="0" anchor="t" bIns="91425" lIns="91425" spcFirstLastPara="1" rIns="91425" wrap="square" tIns="91425">
+          <a:bodyPr spcFirstLastPara="1" wrap="square" lIns="91425" tIns="91425" rIns="91425" bIns="91425" anchor="t" anchorCtr="0">
             <a:noAutofit/>
           </a:bodyPr>
           <a:lstStyle>
@@ -5179,15 +5240,19 @@
               </a:defRPr>
             </a:lvl9pPr>
           </a:lstStyle>
-          <a:p/>
+          <a:p>
+            <a:endParaRPr/>
+          </a:p>
         </p:txBody>
       </p:sp>
       <p:sp>
         <p:nvSpPr>
           <p:cNvPr id="53" name="Google Shape;53;p7"/>
-          <p:cNvSpPr txBox="1"/>
+          <p:cNvSpPr txBox="1">
+            <a:spLocks noGrp="1"/>
+          </p:cNvSpPr>
           <p:nvPr>
-            <p:ph idx="1" type="body"/>
+            <p:ph type="body" idx="1"/>
           </p:nvPr>
         </p:nvSpPr>
         <p:spPr>
@@ -5200,11 +5265,11 @@
           </a:prstGeom>
         </p:spPr>
         <p:txBody>
-          <a:bodyPr anchorCtr="0" anchor="t" bIns="91425" lIns="91425" spcFirstLastPara="1" rIns="91425" wrap="square" tIns="91425">
+          <a:bodyPr spcFirstLastPara="1" wrap="square" lIns="91425" tIns="91425" rIns="91425" bIns="91425" anchor="t" anchorCtr="0">
             <a:noAutofit/>
           </a:bodyPr>
           <a:lstStyle>
-            <a:lvl1pPr indent="-311150" lvl="0" marL="457200">
+            <a:lvl1pPr marL="457200" lvl="0" indent="-311150">
               <a:spcBef>
                 <a:spcPts val="0"/>
               </a:spcBef>
@@ -5215,7 +5280,7 @@
               <a:buChar char="●"/>
               <a:defRPr/>
             </a:lvl1pPr>
-            <a:lvl2pPr indent="-298450" lvl="1" marL="914400">
+            <a:lvl2pPr marL="914400" lvl="1" indent="-298450">
               <a:spcBef>
                 <a:spcPts val="1600"/>
               </a:spcBef>
@@ -5226,7 +5291,7 @@
               <a:buChar char="○"/>
               <a:defRPr/>
             </a:lvl2pPr>
-            <a:lvl3pPr indent="-298450" lvl="2" marL="1371600">
+            <a:lvl3pPr marL="1371600" lvl="2" indent="-298450">
               <a:spcBef>
                 <a:spcPts val="1600"/>
               </a:spcBef>
@@ -5237,7 +5302,7 @@
               <a:buChar char="■"/>
               <a:defRPr/>
             </a:lvl3pPr>
-            <a:lvl4pPr indent="-298450" lvl="3" marL="1828800">
+            <a:lvl4pPr marL="1828800" lvl="3" indent="-298450">
               <a:spcBef>
                 <a:spcPts val="1600"/>
               </a:spcBef>
@@ -5248,7 +5313,7 @@
               <a:buChar char="●"/>
               <a:defRPr/>
             </a:lvl4pPr>
-            <a:lvl5pPr indent="-298450" lvl="4" marL="2286000">
+            <a:lvl5pPr marL="2286000" lvl="4" indent="-298450">
               <a:spcBef>
                 <a:spcPts val="1600"/>
               </a:spcBef>
@@ -5259,7 +5324,7 @@
               <a:buChar char="○"/>
               <a:defRPr/>
             </a:lvl5pPr>
-            <a:lvl6pPr indent="-298450" lvl="5" marL="2743200">
+            <a:lvl6pPr marL="2743200" lvl="5" indent="-298450">
               <a:spcBef>
                 <a:spcPts val="1600"/>
               </a:spcBef>
@@ -5270,7 +5335,7 @@
               <a:buChar char="■"/>
               <a:defRPr/>
             </a:lvl6pPr>
-            <a:lvl7pPr indent="-298450" lvl="6" marL="3200400">
+            <a:lvl7pPr marL="3200400" lvl="6" indent="-298450">
               <a:spcBef>
                 <a:spcPts val="1600"/>
               </a:spcBef>
@@ -5281,7 +5346,7 @@
               <a:buChar char="●"/>
               <a:defRPr/>
             </a:lvl7pPr>
-            <a:lvl8pPr indent="-298450" lvl="7" marL="3657600">
+            <a:lvl8pPr marL="3657600" lvl="7" indent="-298450">
               <a:spcBef>
                 <a:spcPts val="1600"/>
               </a:spcBef>
@@ -5292,7 +5357,7 @@
               <a:buChar char="○"/>
               <a:defRPr/>
             </a:lvl8pPr>
-            <a:lvl9pPr indent="-298450" lvl="8" marL="4114800">
+            <a:lvl9pPr marL="4114800" lvl="8" indent="-298450">
               <a:spcBef>
                 <a:spcPts val="1600"/>
               </a:spcBef>
@@ -5304,15 +5369,19 @@
               <a:defRPr/>
             </a:lvl9pPr>
           </a:lstStyle>
-          <a:p/>
+          <a:p>
+            <a:endParaRPr/>
+          </a:p>
         </p:txBody>
       </p:sp>
       <p:sp>
         <p:nvSpPr>
           <p:cNvPr id="54" name="Google Shape;54;p7"/>
-          <p:cNvSpPr txBox="1"/>
+          <p:cNvSpPr txBox="1">
+            <a:spLocks noGrp="1"/>
+          </p:cNvSpPr>
           <p:nvPr>
-            <p:ph idx="12" type="sldNum"/>
+            <p:ph type="sldNum" idx="12"/>
           </p:nvPr>
         </p:nvSpPr>
         <p:spPr>
@@ -5325,7 +5394,7 @@
           </a:prstGeom>
         </p:spPr>
         <p:txBody>
-          <a:bodyPr anchorCtr="0" anchor="ctr" bIns="91425" lIns="91425" spcFirstLastPara="1" rIns="91425" wrap="square" tIns="91425">
+          <a:bodyPr spcFirstLastPara="1" wrap="square" lIns="91425" tIns="91425" rIns="91425" bIns="91425" anchor="ctr" anchorCtr="0">
             <a:noAutofit/>
           </a:bodyPr>
           <a:lstStyle>
@@ -5367,7 +5436,7 @@
             </a:lvl9pPr>
           </a:lstStyle>
           <a:p>
-            <a:pPr indent="0" lvl="0" marL="0" rtl="0" algn="r">
+            <a:pPr marL="0" lvl="0" indent="0" algn="r" rtl="0">
               <a:spcBef>
                 <a:spcPts val="0"/>
               </a:spcBef>
@@ -5393,18 +5462,19 @@
 </file>
 
 <file path=ppt/slideLayouts/slideLayout7.xml><?xml version="1.0" encoding="utf-8"?>
-<p:sldLayout xmlns:a="http://schemas.openxmlformats.org/drawingml/2006/main" xmlns:r="http://schemas.openxmlformats.org/officeDocument/2006/relationships" xmlns:mc="http://schemas.openxmlformats.org/markup-compatibility/2006" xmlns:mv="urn:schemas-microsoft-com:mac:vml" xmlns:p="http://schemas.openxmlformats.org/presentationml/2006/main" xmlns:c="http://schemas.openxmlformats.org/drawingml/2006/chart" xmlns:dgm="http://schemas.openxmlformats.org/drawingml/2006/diagram" xmlns:o="urn:schemas-microsoft-com:office:office" xmlns:v="urn:schemas-microsoft-com:vml" xmlns:pvml="urn:schemas-microsoft-com:office:powerpoint" xmlns:com="http://schemas.openxmlformats.org/drawingml/2006/compatibility" xmlns:p14="http://schemas.microsoft.com/office/powerpoint/2010/main" xmlns:p15="http://schemas.microsoft.com/office/powerpoint/2012/main" matchingName="Main point">
+<p:sldLayout xmlns:a="http://schemas.openxmlformats.org/drawingml/2006/main" xmlns:r="http://schemas.openxmlformats.org/officeDocument/2006/relationships" xmlns:p="http://schemas.openxmlformats.org/presentationml/2006/main" matchingName="Main point">
   <p:cSld name="MAIN_POINT">
     <p:bg>
       <p:bgPr>
         <a:solidFill>
           <a:schemeClr val="accent3"/>
         </a:solidFill>
+        <a:effectLst/>
       </p:bgPr>
     </p:bg>
     <p:spTree>
       <p:nvGrpSpPr>
-        <p:cNvPr id="55" name="Shape 55"/>
+        <p:cNvPr id="1" name="Shape 55"/>
         <p:cNvGrpSpPr/>
         <p:nvPr/>
       </p:nvGrpSpPr>
@@ -5452,12 +5522,12 @@
             </a:ln>
           </p:spPr>
           <p:txBody>
-            <a:bodyPr anchorCtr="0" anchor="ctr" bIns="91425" lIns="91425" spcFirstLastPara="1" rIns="91425" wrap="square" tIns="91425">
+            <a:bodyPr spcFirstLastPara="1" wrap="square" lIns="91425" tIns="91425" rIns="91425" bIns="91425" anchor="ctr" anchorCtr="0">
               <a:noAutofit/>
             </a:bodyPr>
             <a:lstStyle/>
             <a:p>
-              <a:pPr indent="0" lvl="0" marL="0" rtl="0" algn="l">
+              <a:pPr marL="0" lvl="0" indent="0" algn="l" rtl="0">
                 <a:spcBef>
                   <a:spcPts val="0"/>
                 </a:spcBef>
@@ -5466,9 +5536,6 @@
                 </a:spcAft>
                 <a:buNone/>
               </a:pPr>
-              <a:r>
-                <a:t/>
-              </a:r>
               <a:endParaRPr/>
             </a:p>
           </p:txBody>
@@ -5495,12 +5562,12 @@
             </a:ln>
           </p:spPr>
           <p:txBody>
-            <a:bodyPr anchorCtr="0" anchor="ctr" bIns="91425" lIns="91425" spcFirstLastPara="1" rIns="91425" wrap="square" tIns="91425">
+            <a:bodyPr spcFirstLastPara="1" wrap="square" lIns="91425" tIns="91425" rIns="91425" bIns="91425" anchor="ctr" anchorCtr="0">
               <a:noAutofit/>
             </a:bodyPr>
             <a:lstStyle/>
             <a:p>
-              <a:pPr indent="0" lvl="0" marL="0" rtl="0" algn="l">
+              <a:pPr marL="0" lvl="0" indent="0" algn="l" rtl="0">
                 <a:spcBef>
                   <a:spcPts val="0"/>
                 </a:spcBef>
@@ -5509,9 +5576,6 @@
                 </a:spcAft>
                 <a:buNone/>
               </a:pPr>
-              <a:r>
-                <a:t/>
-              </a:r>
               <a:endParaRPr/>
             </a:p>
           </p:txBody>
@@ -5520,7 +5584,9 @@
       <p:sp>
         <p:nvSpPr>
           <p:cNvPr id="59" name="Google Shape;59;p8"/>
-          <p:cNvSpPr txBox="1"/>
+          <p:cNvSpPr txBox="1">
+            <a:spLocks noGrp="1"/>
+          </p:cNvSpPr>
           <p:nvPr>
             <p:ph type="title"/>
           </p:nvPr>
@@ -5535,7 +5601,7 @@
           </a:prstGeom>
         </p:spPr>
         <p:txBody>
-          <a:bodyPr anchorCtr="0" anchor="ctr" bIns="91425" lIns="91425" spcFirstLastPara="1" rIns="91425" wrap="square" tIns="91425">
+          <a:bodyPr spcFirstLastPara="1" wrap="square" lIns="91425" tIns="91425" rIns="91425" bIns="91425" anchor="ctr" anchorCtr="0">
             <a:noAutofit/>
           </a:bodyPr>
           <a:lstStyle>
@@ -5702,15 +5768,19 @@
               </a:defRPr>
             </a:lvl9pPr>
           </a:lstStyle>
-          <a:p/>
+          <a:p>
+            <a:endParaRPr/>
+          </a:p>
         </p:txBody>
       </p:sp>
       <p:sp>
         <p:nvSpPr>
           <p:cNvPr id="60" name="Google Shape;60;p8"/>
-          <p:cNvSpPr txBox="1"/>
+          <p:cNvSpPr txBox="1">
+            <a:spLocks noGrp="1"/>
+          </p:cNvSpPr>
           <p:nvPr>
-            <p:ph idx="12" type="sldNum"/>
+            <p:ph type="sldNum" idx="12"/>
           </p:nvPr>
         </p:nvSpPr>
         <p:spPr>
@@ -5723,7 +5793,7 @@
           </a:prstGeom>
         </p:spPr>
         <p:txBody>
-          <a:bodyPr anchorCtr="0" anchor="ctr" bIns="91425" lIns="91425" spcFirstLastPara="1" rIns="91425" wrap="square" tIns="91425">
+          <a:bodyPr spcFirstLastPara="1" wrap="square" lIns="91425" tIns="91425" rIns="91425" bIns="91425" anchor="ctr" anchorCtr="0">
             <a:noAutofit/>
           </a:bodyPr>
           <a:lstStyle>
@@ -5801,7 +5871,7 @@
             </a:lvl9pPr>
           </a:lstStyle>
           <a:p>
-            <a:pPr indent="0" lvl="0" marL="0" rtl="0" algn="r">
+            <a:pPr marL="0" lvl="0" indent="0" algn="r" rtl="0">
               <a:spcBef>
                 <a:spcPts val="0"/>
               </a:spcBef>
@@ -5827,11 +5897,11 @@
 </file>
 
 <file path=ppt/slideLayouts/slideLayout8.xml><?xml version="1.0" encoding="utf-8"?>
-<p:sldLayout xmlns:a="http://schemas.openxmlformats.org/drawingml/2006/main" xmlns:r="http://schemas.openxmlformats.org/officeDocument/2006/relationships" xmlns:mc="http://schemas.openxmlformats.org/markup-compatibility/2006" xmlns:mv="urn:schemas-microsoft-com:mac:vml" xmlns:p="http://schemas.openxmlformats.org/presentationml/2006/main" xmlns:c="http://schemas.openxmlformats.org/drawingml/2006/chart" xmlns:dgm="http://schemas.openxmlformats.org/drawingml/2006/diagram" xmlns:o="urn:schemas-microsoft-com:office:office" xmlns:v="urn:schemas-microsoft-com:vml" xmlns:pvml="urn:schemas-microsoft-com:office:powerpoint" xmlns:com="http://schemas.openxmlformats.org/drawingml/2006/compatibility" xmlns:p14="http://schemas.microsoft.com/office/powerpoint/2010/main" xmlns:p15="http://schemas.microsoft.com/office/powerpoint/2012/main" matchingName="Section title and description">
+<p:sldLayout xmlns:a="http://schemas.openxmlformats.org/drawingml/2006/main" xmlns:r="http://schemas.openxmlformats.org/officeDocument/2006/relationships" xmlns:p="http://schemas.openxmlformats.org/presentationml/2006/main" matchingName="Section title and description">
   <p:cSld name="SECTION_TITLE_AND_DESCRIPTION">
     <p:spTree>
       <p:nvGrpSpPr>
-        <p:cNvPr id="61" name="Shape 61"/>
+        <p:cNvPr id="1" name="Shape 61"/>
         <p:cNvGrpSpPr/>
         <p:nvPr/>
       </p:nvGrpSpPr>
@@ -5865,12 +5935,12 @@
           </a:ln>
         </p:spPr>
         <p:txBody>
-          <a:bodyPr anchorCtr="0" anchor="ctr" bIns="91425" lIns="91425" spcFirstLastPara="1" rIns="91425" wrap="square" tIns="91425">
+          <a:bodyPr spcFirstLastPara="1" wrap="square" lIns="91425" tIns="91425" rIns="91425" bIns="91425" anchor="ctr" anchorCtr="0">
             <a:noAutofit/>
           </a:bodyPr>
           <a:lstStyle/>
           <a:p>
-            <a:pPr indent="0" lvl="0" marL="0" rtl="0" algn="l">
+            <a:pPr marL="0" lvl="0" indent="0" algn="l" rtl="0">
               <a:spcBef>
                 <a:spcPts val="0"/>
               </a:spcBef>
@@ -5879,9 +5949,6 @@
               </a:spcAft>
               <a:buNone/>
             </a:pPr>
-            <a:r>
-              <a:t/>
-            </a:r>
             <a:endParaRPr/>
           </a:p>
         </p:txBody>
@@ -5922,12 +5989,12 @@
             </a:ln>
           </p:spPr>
           <p:txBody>
-            <a:bodyPr anchorCtr="0" anchor="ctr" bIns="91425" lIns="91425" spcFirstLastPara="1" rIns="91425" wrap="square" tIns="91425">
+            <a:bodyPr spcFirstLastPara="1" wrap="square" lIns="91425" tIns="91425" rIns="91425" bIns="91425" anchor="ctr" anchorCtr="0">
               <a:noAutofit/>
             </a:bodyPr>
             <a:lstStyle/>
             <a:p>
-              <a:pPr indent="0" lvl="0" marL="0" rtl="0" algn="l">
+              <a:pPr marL="0" lvl="0" indent="0" algn="l" rtl="0">
                 <a:spcBef>
                   <a:spcPts val="0"/>
                 </a:spcBef>
@@ -5936,9 +6003,6 @@
                 </a:spcAft>
                 <a:buNone/>
               </a:pPr>
-              <a:r>
-                <a:t/>
-              </a:r>
               <a:endParaRPr/>
             </a:p>
           </p:txBody>
@@ -5965,12 +6029,12 @@
             </a:ln>
           </p:spPr>
           <p:txBody>
-            <a:bodyPr anchorCtr="0" anchor="ctr" bIns="91425" lIns="91425" spcFirstLastPara="1" rIns="91425" wrap="square" tIns="91425">
+            <a:bodyPr spcFirstLastPara="1" wrap="square" lIns="91425" tIns="91425" rIns="91425" bIns="91425" anchor="ctr" anchorCtr="0">
               <a:noAutofit/>
             </a:bodyPr>
             <a:lstStyle/>
             <a:p>
-              <a:pPr indent="0" lvl="0" marL="0" rtl="0" algn="l">
+              <a:pPr marL="0" lvl="0" indent="0" algn="l" rtl="0">
                 <a:spcBef>
                   <a:spcPts val="0"/>
                 </a:spcBef>
@@ -5979,9 +6043,6 @@
                 </a:spcAft>
                 <a:buNone/>
               </a:pPr>
-              <a:r>
-                <a:t/>
-              </a:r>
               <a:endParaRPr/>
             </a:p>
           </p:txBody>
@@ -5990,7 +6051,9 @@
       <p:sp>
         <p:nvSpPr>
           <p:cNvPr id="66" name="Google Shape;66;p9"/>
-          <p:cNvSpPr txBox="1"/>
+          <p:cNvSpPr txBox="1">
+            <a:spLocks noGrp="1"/>
+          </p:cNvSpPr>
           <p:nvPr>
             <p:ph type="title"/>
           </p:nvPr>
@@ -6005,7 +6068,7 @@
           </a:prstGeom>
         </p:spPr>
         <p:txBody>
-          <a:bodyPr anchorCtr="0" anchor="t" bIns="91425" lIns="91425" spcFirstLastPara="1" rIns="91425" wrap="square" tIns="91425">
+          <a:bodyPr spcFirstLastPara="1" wrap="square" lIns="91425" tIns="91425" rIns="91425" bIns="91425" anchor="t" anchorCtr="0">
             <a:noAutofit/>
           </a:bodyPr>
           <a:lstStyle>
@@ -6172,15 +6235,19 @@
               </a:defRPr>
             </a:lvl9pPr>
           </a:lstStyle>
-          <a:p/>
+          <a:p>
+            <a:endParaRPr/>
+          </a:p>
         </p:txBody>
       </p:sp>
       <p:sp>
         <p:nvSpPr>
           <p:cNvPr id="67" name="Google Shape;67;p9"/>
-          <p:cNvSpPr txBox="1"/>
+          <p:cNvSpPr txBox="1">
+            <a:spLocks noGrp="1"/>
+          </p:cNvSpPr>
           <p:nvPr>
-            <p:ph idx="1" type="subTitle"/>
+            <p:ph type="subTitle" idx="1"/>
           </p:nvPr>
         </p:nvSpPr>
         <p:spPr>
@@ -6193,7 +6260,7 @@
           </a:prstGeom>
         </p:spPr>
         <p:txBody>
-          <a:bodyPr anchorCtr="0" anchor="t" bIns="91425" lIns="91425" spcFirstLastPara="1" rIns="91425" wrap="square" tIns="91425">
+          <a:bodyPr spcFirstLastPara="1" wrap="square" lIns="91425" tIns="91425" rIns="91425" bIns="91425" anchor="t" anchorCtr="0">
             <a:noAutofit/>
           </a:bodyPr>
           <a:lstStyle>
@@ -6324,15 +6391,19 @@
               <a:defRPr sz="1600"/>
             </a:lvl9pPr>
           </a:lstStyle>
-          <a:p/>
+          <a:p>
+            <a:endParaRPr/>
+          </a:p>
         </p:txBody>
       </p:sp>
       <p:sp>
         <p:nvSpPr>
           <p:cNvPr id="68" name="Google Shape;68;p9"/>
-          <p:cNvSpPr txBox="1"/>
+          <p:cNvSpPr txBox="1">
+            <a:spLocks noGrp="1"/>
+          </p:cNvSpPr>
           <p:nvPr>
-            <p:ph idx="2" type="body"/>
+            <p:ph type="body" idx="2"/>
           </p:nvPr>
         </p:nvSpPr>
         <p:spPr>
@@ -6345,11 +6416,11 @@
           </a:prstGeom>
         </p:spPr>
         <p:txBody>
-          <a:bodyPr anchorCtr="0" anchor="t" bIns="91425" lIns="91425" spcFirstLastPara="1" rIns="91425" wrap="square" tIns="91425">
+          <a:bodyPr spcFirstLastPara="1" wrap="square" lIns="91425" tIns="91425" rIns="91425" bIns="91425" anchor="t" anchorCtr="0">
             <a:noAutofit/>
           </a:bodyPr>
           <a:lstStyle>
-            <a:lvl1pPr indent="-311150" lvl="0" marL="457200">
+            <a:lvl1pPr marL="457200" lvl="0" indent="-311150">
               <a:spcBef>
                 <a:spcPts val="0"/>
               </a:spcBef>
@@ -6360,7 +6431,7 @@
               <a:buChar char="●"/>
               <a:defRPr/>
             </a:lvl1pPr>
-            <a:lvl2pPr indent="-298450" lvl="1" marL="914400">
+            <a:lvl2pPr marL="914400" lvl="1" indent="-298450">
               <a:spcBef>
                 <a:spcPts val="1600"/>
               </a:spcBef>
@@ -6371,7 +6442,7 @@
               <a:buChar char="○"/>
               <a:defRPr/>
             </a:lvl2pPr>
-            <a:lvl3pPr indent="-298450" lvl="2" marL="1371600">
+            <a:lvl3pPr marL="1371600" lvl="2" indent="-298450">
               <a:spcBef>
                 <a:spcPts val="1600"/>
               </a:spcBef>
@@ -6382,7 +6453,7 @@
               <a:buChar char="■"/>
               <a:defRPr/>
             </a:lvl3pPr>
-            <a:lvl4pPr indent="-298450" lvl="3" marL="1828800">
+            <a:lvl4pPr marL="1828800" lvl="3" indent="-298450">
               <a:spcBef>
                 <a:spcPts val="1600"/>
               </a:spcBef>
@@ -6393,7 +6464,7 @@
               <a:buChar char="●"/>
               <a:defRPr/>
             </a:lvl4pPr>
-            <a:lvl5pPr indent="-298450" lvl="4" marL="2286000">
+            <a:lvl5pPr marL="2286000" lvl="4" indent="-298450">
               <a:spcBef>
                 <a:spcPts val="1600"/>
               </a:spcBef>
@@ -6404,7 +6475,7 @@
               <a:buChar char="○"/>
               <a:defRPr/>
             </a:lvl5pPr>
-            <a:lvl6pPr indent="-298450" lvl="5" marL="2743200">
+            <a:lvl6pPr marL="2743200" lvl="5" indent="-298450">
               <a:spcBef>
                 <a:spcPts val="1600"/>
               </a:spcBef>
@@ -6415,7 +6486,7 @@
               <a:buChar char="■"/>
               <a:defRPr/>
             </a:lvl6pPr>
-            <a:lvl7pPr indent="-298450" lvl="6" marL="3200400">
+            <a:lvl7pPr marL="3200400" lvl="6" indent="-298450">
               <a:spcBef>
                 <a:spcPts val="1600"/>
               </a:spcBef>
@@ -6426,7 +6497,7 @@
               <a:buChar char="●"/>
               <a:defRPr/>
             </a:lvl7pPr>
-            <a:lvl8pPr indent="-298450" lvl="7" marL="3657600">
+            <a:lvl8pPr marL="3657600" lvl="7" indent="-298450">
               <a:spcBef>
                 <a:spcPts val="1600"/>
               </a:spcBef>
@@ -6437,7 +6508,7 @@
               <a:buChar char="○"/>
               <a:defRPr/>
             </a:lvl8pPr>
-            <a:lvl9pPr indent="-298450" lvl="8" marL="4114800">
+            <a:lvl9pPr marL="4114800" lvl="8" indent="-298450">
               <a:spcBef>
                 <a:spcPts val="1600"/>
               </a:spcBef>
@@ -6449,15 +6520,19 @@
               <a:defRPr/>
             </a:lvl9pPr>
           </a:lstStyle>
-          <a:p/>
+          <a:p>
+            <a:endParaRPr/>
+          </a:p>
         </p:txBody>
       </p:sp>
       <p:sp>
         <p:nvSpPr>
           <p:cNvPr id="69" name="Google Shape;69;p9"/>
-          <p:cNvSpPr txBox="1"/>
+          <p:cNvSpPr txBox="1">
+            <a:spLocks noGrp="1"/>
+          </p:cNvSpPr>
           <p:nvPr>
-            <p:ph idx="12" type="sldNum"/>
+            <p:ph type="sldNum" idx="12"/>
           </p:nvPr>
         </p:nvSpPr>
         <p:spPr>
@@ -6470,7 +6545,7 @@
           </a:prstGeom>
         </p:spPr>
         <p:txBody>
-          <a:bodyPr anchorCtr="0" anchor="ctr" bIns="91425" lIns="91425" spcFirstLastPara="1" rIns="91425" wrap="square" tIns="91425">
+          <a:bodyPr spcFirstLastPara="1" wrap="square" lIns="91425" tIns="91425" rIns="91425" bIns="91425" anchor="ctr" anchorCtr="0">
             <a:noAutofit/>
           </a:bodyPr>
           <a:lstStyle>
@@ -6512,7 +6587,7 @@
             </a:lvl9pPr>
           </a:lstStyle>
           <a:p>
-            <a:pPr indent="0" lvl="0" marL="0" rtl="0" algn="r">
+            <a:pPr marL="0" lvl="0" indent="0" algn="r" rtl="0">
               <a:spcBef>
                 <a:spcPts val="0"/>
               </a:spcBef>
@@ -6538,11 +6613,11 @@
 </file>
 
 <file path=ppt/slideLayouts/slideLayout9.xml><?xml version="1.0" encoding="utf-8"?>
-<p:sldLayout xmlns:a="http://schemas.openxmlformats.org/drawingml/2006/main" xmlns:r="http://schemas.openxmlformats.org/officeDocument/2006/relationships" xmlns:mc="http://schemas.openxmlformats.org/markup-compatibility/2006" xmlns:mv="urn:schemas-microsoft-com:mac:vml" xmlns:p="http://schemas.openxmlformats.org/presentationml/2006/main" xmlns:c="http://schemas.openxmlformats.org/drawingml/2006/chart" xmlns:dgm="http://schemas.openxmlformats.org/drawingml/2006/diagram" xmlns:o="urn:schemas-microsoft-com:office:office" xmlns:v="urn:schemas-microsoft-com:vml" xmlns:pvml="urn:schemas-microsoft-com:office:powerpoint" xmlns:com="http://schemas.openxmlformats.org/drawingml/2006/compatibility" xmlns:p14="http://schemas.microsoft.com/office/powerpoint/2010/main" xmlns:p15="http://schemas.microsoft.com/office/powerpoint/2012/main" matchingName="Caption">
+<p:sldLayout xmlns:a="http://schemas.openxmlformats.org/drawingml/2006/main" xmlns:r="http://schemas.openxmlformats.org/officeDocument/2006/relationships" xmlns:p="http://schemas.openxmlformats.org/presentationml/2006/main" matchingName="Caption">
   <p:cSld name="CAPTION_ONLY">
     <p:spTree>
       <p:nvGrpSpPr>
-        <p:cNvPr id="70" name="Shape 70"/>
+        <p:cNvPr id="1" name="Shape 70"/>
         <p:cNvGrpSpPr/>
         <p:nvPr/>
       </p:nvGrpSpPr>
@@ -6557,9 +6632,11 @@
       <p:sp>
         <p:nvSpPr>
           <p:cNvPr id="71" name="Google Shape;71;p10"/>
-          <p:cNvSpPr txBox="1"/>
+          <p:cNvSpPr txBox="1">
+            <a:spLocks noGrp="1"/>
+          </p:cNvSpPr>
           <p:nvPr>
-            <p:ph idx="1" type="body"/>
+            <p:ph type="body" idx="1"/>
           </p:nvPr>
         </p:nvSpPr>
         <p:spPr>
@@ -6572,11 +6649,11 @@
           </a:prstGeom>
         </p:spPr>
         <p:txBody>
-          <a:bodyPr anchorCtr="0" anchor="ctr" bIns="91425" lIns="91425" spcFirstLastPara="1" rIns="91425" wrap="square" tIns="91425">
+          <a:bodyPr spcFirstLastPara="1" wrap="square" lIns="91425" tIns="91425" rIns="91425" bIns="91425" anchor="ctr" anchorCtr="0">
             <a:noAutofit/>
           </a:bodyPr>
           <a:lstStyle>
-            <a:lvl1pPr indent="-228600" lvl="0" marL="457200">
+            <a:lvl1pPr marL="457200" lvl="0" indent="-228600">
               <a:lnSpc>
                 <a:spcPct val="100000"/>
               </a:lnSpc>
@@ -6591,15 +6668,19 @@
               <a:defRPr/>
             </a:lvl1pPr>
           </a:lstStyle>
-          <a:p/>
+          <a:p>
+            <a:endParaRPr/>
+          </a:p>
         </p:txBody>
       </p:sp>
       <p:sp>
         <p:nvSpPr>
           <p:cNvPr id="72" name="Google Shape;72;p10"/>
-          <p:cNvSpPr txBox="1"/>
+          <p:cNvSpPr txBox="1">
+            <a:spLocks noGrp="1"/>
+          </p:cNvSpPr>
           <p:nvPr>
-            <p:ph idx="12" type="sldNum"/>
+            <p:ph type="sldNum" idx="12"/>
           </p:nvPr>
         </p:nvSpPr>
         <p:spPr>
@@ -6612,7 +6693,7 @@
           </a:prstGeom>
         </p:spPr>
         <p:txBody>
-          <a:bodyPr anchorCtr="0" anchor="ctr" bIns="91425" lIns="91425" spcFirstLastPara="1" rIns="91425" wrap="square" tIns="91425">
+          <a:bodyPr spcFirstLastPara="1" wrap="square" lIns="91425" tIns="91425" rIns="91425" bIns="91425" anchor="ctr" anchorCtr="0">
             <a:noAutofit/>
           </a:bodyPr>
           <a:lstStyle>
@@ -6654,7 +6735,7 @@
             </a:lvl9pPr>
           </a:lstStyle>
           <a:p>
-            <a:pPr indent="0" lvl="0" marL="0" rtl="0" algn="r">
+            <a:pPr marL="0" lvl="0" indent="0" algn="r" rtl="0">
               <a:spcBef>
                 <a:spcPts val="0"/>
               </a:spcBef>
@@ -6680,18 +6761,19 @@
 </file>
 
 <file path=ppt/slideMasters/slideMaster1.xml><?xml version="1.0" encoding="utf-8"?>
-<p:sldMaster xmlns:a="http://schemas.openxmlformats.org/drawingml/2006/main" xmlns:r="http://schemas.openxmlformats.org/officeDocument/2006/relationships" xmlns:mc="http://schemas.openxmlformats.org/markup-compatibility/2006" xmlns:mv="urn:schemas-microsoft-com:mac:vml" xmlns:p="http://schemas.openxmlformats.org/presentationml/2006/main" xmlns:c="http://schemas.openxmlformats.org/drawingml/2006/chart" xmlns:dgm="http://schemas.openxmlformats.org/drawingml/2006/diagram" xmlns:o="urn:schemas-microsoft-com:office:office" xmlns:v="urn:schemas-microsoft-com:vml" xmlns:pvml="urn:schemas-microsoft-com:office:powerpoint" xmlns:com="http://schemas.openxmlformats.org/drawingml/2006/compatibility" xmlns:p14="http://schemas.microsoft.com/office/powerpoint/2010/main" xmlns:p15="http://schemas.microsoft.com/office/powerpoint/2012/main">
+<p:sldMaster xmlns:a="http://schemas.openxmlformats.org/drawingml/2006/main" xmlns:r="http://schemas.openxmlformats.org/officeDocument/2006/relationships" xmlns:p="http://schemas.openxmlformats.org/presentationml/2006/main">
   <p:cSld name="streamline">
     <p:bg>
       <p:bgPr>
         <a:solidFill>
           <a:schemeClr val="lt1"/>
         </a:solidFill>
+        <a:effectLst/>
       </p:bgPr>
     </p:bg>
     <p:spTree>
       <p:nvGrpSpPr>
-        <p:cNvPr id="5" name="Shape 5"/>
+        <p:cNvPr id="1" name="Shape 5"/>
         <p:cNvGrpSpPr/>
         <p:nvPr/>
       </p:nvGrpSpPr>
@@ -6706,7 +6788,9 @@
       <p:sp>
         <p:nvSpPr>
           <p:cNvPr id="6" name="Google Shape;6;p1"/>
-          <p:cNvSpPr txBox="1"/>
+          <p:cNvSpPr txBox="1">
+            <a:spLocks noGrp="1"/>
+          </p:cNvSpPr>
           <p:nvPr>
             <p:ph type="title"/>
           </p:nvPr>
@@ -6725,7 +6809,7 @@
           </a:ln>
         </p:spPr>
         <p:txBody>
-          <a:bodyPr anchorCtr="0" anchor="t" bIns="91425" lIns="91425" spcFirstLastPara="1" rIns="91425" wrap="square" tIns="91425">
+          <a:bodyPr spcFirstLastPara="1" wrap="square" lIns="91425" tIns="91425" rIns="91425" bIns="91425" anchor="t" anchorCtr="0">
             <a:noAutofit/>
           </a:bodyPr>
           <a:lstStyle>
@@ -6739,7 +6823,7 @@
               <a:buSzPts val="2800"/>
               <a:buFont typeface="Raleway"/>
               <a:buNone/>
-              <a:defRPr b="1" sz="2800">
+              <a:defRPr sz="2800" b="1">
                 <a:latin typeface="Raleway"/>
                 <a:ea typeface="Raleway"/>
                 <a:cs typeface="Raleway"/>
@@ -6756,7 +6840,7 @@
               <a:buSzPts val="2800"/>
               <a:buFont typeface="Raleway"/>
               <a:buNone/>
-              <a:defRPr b="1" sz="2800">
+              <a:defRPr sz="2800" b="1">
                 <a:latin typeface="Raleway"/>
                 <a:ea typeface="Raleway"/>
                 <a:cs typeface="Raleway"/>
@@ -6773,7 +6857,7 @@
               <a:buSzPts val="2800"/>
               <a:buFont typeface="Raleway"/>
               <a:buNone/>
-              <a:defRPr b="1" sz="2800">
+              <a:defRPr sz="2800" b="1">
                 <a:latin typeface="Raleway"/>
                 <a:ea typeface="Raleway"/>
                 <a:cs typeface="Raleway"/>
@@ -6790,7 +6874,7 @@
               <a:buSzPts val="2800"/>
               <a:buFont typeface="Raleway"/>
               <a:buNone/>
-              <a:defRPr b="1" sz="2800">
+              <a:defRPr sz="2800" b="1">
                 <a:latin typeface="Raleway"/>
                 <a:ea typeface="Raleway"/>
                 <a:cs typeface="Raleway"/>
@@ -6807,7 +6891,7 @@
               <a:buSzPts val="2800"/>
               <a:buFont typeface="Raleway"/>
               <a:buNone/>
-              <a:defRPr b="1" sz="2800">
+              <a:defRPr sz="2800" b="1">
                 <a:latin typeface="Raleway"/>
                 <a:ea typeface="Raleway"/>
                 <a:cs typeface="Raleway"/>
@@ -6824,7 +6908,7 @@
               <a:buSzPts val="2800"/>
               <a:buFont typeface="Raleway"/>
               <a:buNone/>
-              <a:defRPr b="1" sz="2800">
+              <a:defRPr sz="2800" b="1">
                 <a:latin typeface="Raleway"/>
                 <a:ea typeface="Raleway"/>
                 <a:cs typeface="Raleway"/>
@@ -6841,7 +6925,7 @@
               <a:buSzPts val="2800"/>
               <a:buFont typeface="Raleway"/>
               <a:buNone/>
-              <a:defRPr b="1" sz="2800">
+              <a:defRPr sz="2800" b="1">
                 <a:latin typeface="Raleway"/>
                 <a:ea typeface="Raleway"/>
                 <a:cs typeface="Raleway"/>
@@ -6858,7 +6942,7 @@
               <a:buSzPts val="2800"/>
               <a:buFont typeface="Raleway"/>
               <a:buNone/>
-              <a:defRPr b="1" sz="2800">
+              <a:defRPr sz="2800" b="1">
                 <a:latin typeface="Raleway"/>
                 <a:ea typeface="Raleway"/>
                 <a:cs typeface="Raleway"/>
@@ -6875,7 +6959,7 @@
               <a:buSzPts val="2800"/>
               <a:buFont typeface="Raleway"/>
               <a:buNone/>
-              <a:defRPr b="1" sz="2800">
+              <a:defRPr sz="2800" b="1">
                 <a:latin typeface="Raleway"/>
                 <a:ea typeface="Raleway"/>
                 <a:cs typeface="Raleway"/>
@@ -6883,15 +6967,19 @@
               </a:defRPr>
             </a:lvl9pPr>
           </a:lstStyle>
-          <a:p/>
+          <a:p>
+            <a:endParaRPr/>
+          </a:p>
         </p:txBody>
       </p:sp>
       <p:sp>
         <p:nvSpPr>
           <p:cNvPr id="7" name="Google Shape;7;p1"/>
-          <p:cNvSpPr txBox="1"/>
+          <p:cNvSpPr txBox="1">
+            <a:spLocks noGrp="1"/>
+          </p:cNvSpPr>
           <p:nvPr>
-            <p:ph idx="1" type="body"/>
+            <p:ph type="body" idx="1"/>
           </p:nvPr>
         </p:nvSpPr>
         <p:spPr>
@@ -6908,11 +6996,11 @@
           </a:ln>
         </p:spPr>
         <p:txBody>
-          <a:bodyPr anchorCtr="0" anchor="t" bIns="91425" lIns="91425" spcFirstLastPara="1" rIns="91425" wrap="square" tIns="91425">
+          <a:bodyPr spcFirstLastPara="1" wrap="square" lIns="91425" tIns="91425" rIns="91425" bIns="91425" anchor="t" anchorCtr="0">
             <a:noAutofit/>
           </a:bodyPr>
           <a:lstStyle>
-            <a:lvl1pPr indent="-311150" lvl="0" marL="457200">
+            <a:lvl1pPr marL="457200" lvl="0" indent="-311150">
               <a:lnSpc>
                 <a:spcPct val="115000"/>
               </a:lnSpc>
@@ -6938,7 +7026,7 @@
                 <a:sym typeface="Lato"/>
               </a:defRPr>
             </a:lvl1pPr>
-            <a:lvl2pPr indent="-298450" lvl="1" marL="914400">
+            <a:lvl2pPr marL="914400" lvl="1" indent="-298450">
               <a:lnSpc>
                 <a:spcPct val="115000"/>
               </a:lnSpc>
@@ -6964,7 +7052,7 @@
                 <a:sym typeface="Lato"/>
               </a:defRPr>
             </a:lvl2pPr>
-            <a:lvl3pPr indent="-298450" lvl="2" marL="1371600">
+            <a:lvl3pPr marL="1371600" lvl="2" indent="-298450">
               <a:lnSpc>
                 <a:spcPct val="115000"/>
               </a:lnSpc>
@@ -6990,7 +7078,7 @@
                 <a:sym typeface="Lato"/>
               </a:defRPr>
             </a:lvl3pPr>
-            <a:lvl4pPr indent="-298450" lvl="3" marL="1828800">
+            <a:lvl4pPr marL="1828800" lvl="3" indent="-298450">
               <a:lnSpc>
                 <a:spcPct val="115000"/>
               </a:lnSpc>
@@ -7016,7 +7104,7 @@
                 <a:sym typeface="Lato"/>
               </a:defRPr>
             </a:lvl4pPr>
-            <a:lvl5pPr indent="-298450" lvl="4" marL="2286000">
+            <a:lvl5pPr marL="2286000" lvl="4" indent="-298450">
               <a:lnSpc>
                 <a:spcPct val="115000"/>
               </a:lnSpc>
@@ -7042,7 +7130,7 @@
                 <a:sym typeface="Lato"/>
               </a:defRPr>
             </a:lvl5pPr>
-            <a:lvl6pPr indent="-298450" lvl="5" marL="2743200">
+            <a:lvl6pPr marL="2743200" lvl="5" indent="-298450">
               <a:lnSpc>
                 <a:spcPct val="115000"/>
               </a:lnSpc>
@@ -7068,7 +7156,7 @@
                 <a:sym typeface="Lato"/>
               </a:defRPr>
             </a:lvl6pPr>
-            <a:lvl7pPr indent="-298450" lvl="6" marL="3200400">
+            <a:lvl7pPr marL="3200400" lvl="6" indent="-298450">
               <a:lnSpc>
                 <a:spcPct val="115000"/>
               </a:lnSpc>
@@ -7094,7 +7182,7 @@
                 <a:sym typeface="Lato"/>
               </a:defRPr>
             </a:lvl7pPr>
-            <a:lvl8pPr indent="-298450" lvl="7" marL="3657600">
+            <a:lvl8pPr marL="3657600" lvl="7" indent="-298450">
               <a:lnSpc>
                 <a:spcPct val="115000"/>
               </a:lnSpc>
@@ -7120,7 +7208,7 @@
                 <a:sym typeface="Lato"/>
               </a:defRPr>
             </a:lvl8pPr>
-            <a:lvl9pPr indent="-298450" lvl="8" marL="4114800">
+            <a:lvl9pPr marL="4114800" lvl="8" indent="-298450">
               <a:lnSpc>
                 <a:spcPct val="115000"/>
               </a:lnSpc>
@@ -7147,15 +7235,19 @@
               </a:defRPr>
             </a:lvl9pPr>
           </a:lstStyle>
-          <a:p/>
+          <a:p>
+            <a:endParaRPr/>
+          </a:p>
         </p:txBody>
       </p:sp>
       <p:sp>
         <p:nvSpPr>
           <p:cNvPr id="8" name="Google Shape;8;p1"/>
-          <p:cNvSpPr txBox="1"/>
+          <p:cNvSpPr txBox="1">
+            <a:spLocks noGrp="1"/>
+          </p:cNvSpPr>
           <p:nvPr>
-            <p:ph idx="12" type="sldNum"/>
+            <p:ph type="sldNum" idx="12"/>
           </p:nvPr>
         </p:nvSpPr>
         <p:spPr>
@@ -7172,7 +7264,7 @@
           </a:ln>
         </p:spPr>
         <p:txBody>
-          <a:bodyPr anchorCtr="0" anchor="ctr" bIns="91425" lIns="91425" spcFirstLastPara="1" rIns="91425" wrap="square" tIns="91425">
+          <a:bodyPr spcFirstLastPara="1" wrap="square" lIns="91425" tIns="91425" rIns="91425" bIns="91425" anchor="ctr" anchorCtr="0">
             <a:noAutofit/>
           </a:bodyPr>
           <a:lstStyle>
@@ -7286,7 +7378,7 @@
             </a:lvl9pPr>
           </a:lstStyle>
           <a:p>
-            <a:pPr indent="0" lvl="0" marL="0" rtl="0" algn="r">
+            <a:pPr marL="0" lvl="0" indent="0" algn="r" rtl="0">
               <a:spcBef>
                 <a:spcPts val="0"/>
               </a:spcBef>
@@ -7305,7 +7397,7 @@
       </p:sp>
     </p:spTree>
   </p:cSld>
-  <p:clrMap accent1="accent1" accent2="accent2" accent3="accent3" accent4="accent4" accent5="accent5" accent6="accent6" bg1="lt1" bg2="dk2" tx1="dk1" tx2="lt2" folHlink="folHlink" hlink="hlink"/>
+  <p:clrMap bg1="lt1" tx1="dk1" bg2="dk2" tx2="lt2" accent1="accent1" accent2="accent2" accent3="accent3" accent4="accent4" accent5="accent5" accent6="accent6" hlink="hlink" folHlink="folHlink"/>
   <p:sldLayoutIdLst>
     <p:sldLayoutId id="2147483648" r:id="rId1"/>
     <p:sldLayoutId id="2147483649" r:id="rId2"/>
@@ -7319,10 +7411,10 @@
     <p:sldLayoutId id="2147483657" r:id="rId10"/>
     <p:sldLayoutId id="2147483658" r:id="rId11"/>
   </p:sldLayoutIdLst>
-  <p:hf dt="0" ftr="0" hdr="0" sldNum="0"/>
+  <p:hf sldNum="0" hdr="0" ftr="0" dt="0"/>
   <p:txStyles>
     <p:titleStyle>
-      <a:defPPr lvl="0" marR="0" rtl="0" algn="l">
+      <a:defPPr marR="0" lvl="0" algn="l" rtl="0">
         <a:lnSpc>
           <a:spcPct val="100000"/>
         </a:lnSpc>
@@ -7333,7 +7425,7 @@
           <a:spcPts val="0"/>
         </a:spcAft>
       </a:defPPr>
-      <a:lvl1pPr lvl="0" marR="0" rtl="0" algn="l">
+      <a:lvl1pPr marR="0" lvl="0" algn="l" rtl="0">
         <a:lnSpc>
           <a:spcPct val="100000"/>
         </a:lnSpc>
@@ -7347,7 +7439,7 @@
           <a:srgbClr val="000000"/>
         </a:buClr>
         <a:buFont typeface="Arial"/>
-        <a:defRPr b="0" i="0" sz="1400" u="none" cap="none" strike="noStrike">
+        <a:defRPr sz="1400" b="0" i="0" u="none" strike="noStrike" cap="none">
           <a:solidFill>
             <a:srgbClr val="000000"/>
           </a:solidFill>
@@ -7357,7 +7449,7 @@
           <a:sym typeface="Arial"/>
         </a:defRPr>
       </a:lvl1pPr>
-      <a:lvl2pPr lvl="1" marR="0" rtl="0" algn="l">
+      <a:lvl2pPr marR="0" lvl="1" algn="l" rtl="0">
         <a:lnSpc>
           <a:spcPct val="100000"/>
         </a:lnSpc>
@@ -7371,7 +7463,7 @@
           <a:srgbClr val="000000"/>
         </a:buClr>
         <a:buFont typeface="Arial"/>
-        <a:defRPr b="0" i="0" sz="1400" u="none" cap="none" strike="noStrike">
+        <a:defRPr sz="1400" b="0" i="0" u="none" strike="noStrike" cap="none">
           <a:solidFill>
             <a:srgbClr val="000000"/>
           </a:solidFill>
@@ -7381,7 +7473,7 @@
           <a:sym typeface="Arial"/>
         </a:defRPr>
       </a:lvl2pPr>
-      <a:lvl3pPr lvl="2" marR="0" rtl="0" algn="l">
+      <a:lvl3pPr marR="0" lvl="2" algn="l" rtl="0">
         <a:lnSpc>
           <a:spcPct val="100000"/>
         </a:lnSpc>
@@ -7395,7 +7487,7 @@
           <a:srgbClr val="000000"/>
         </a:buClr>
         <a:buFont typeface="Arial"/>
-        <a:defRPr b="0" i="0" sz="1400" u="none" cap="none" strike="noStrike">
+        <a:defRPr sz="1400" b="0" i="0" u="none" strike="noStrike" cap="none">
           <a:solidFill>
             <a:srgbClr val="000000"/>
           </a:solidFill>
@@ -7405,7 +7497,7 @@
           <a:sym typeface="Arial"/>
         </a:defRPr>
       </a:lvl3pPr>
-      <a:lvl4pPr lvl="3" marR="0" rtl="0" algn="l">
+      <a:lvl4pPr marR="0" lvl="3" algn="l" rtl="0">
         <a:lnSpc>
           <a:spcPct val="100000"/>
         </a:lnSpc>
@@ -7419,7 +7511,7 @@
           <a:srgbClr val="000000"/>
         </a:buClr>
         <a:buFont typeface="Arial"/>
-        <a:defRPr b="0" i="0" sz="1400" u="none" cap="none" strike="noStrike">
+        <a:defRPr sz="1400" b="0" i="0" u="none" strike="noStrike" cap="none">
           <a:solidFill>
             <a:srgbClr val="000000"/>
           </a:solidFill>
@@ -7429,7 +7521,7 @@
           <a:sym typeface="Arial"/>
         </a:defRPr>
       </a:lvl4pPr>
-      <a:lvl5pPr lvl="4" marR="0" rtl="0" algn="l">
+      <a:lvl5pPr marR="0" lvl="4" algn="l" rtl="0">
         <a:lnSpc>
           <a:spcPct val="100000"/>
         </a:lnSpc>
@@ -7443,7 +7535,7 @@
           <a:srgbClr val="000000"/>
         </a:buClr>
         <a:buFont typeface="Arial"/>
-        <a:defRPr b="0" i="0" sz="1400" u="none" cap="none" strike="noStrike">
+        <a:defRPr sz="1400" b="0" i="0" u="none" strike="noStrike" cap="none">
           <a:solidFill>
             <a:srgbClr val="000000"/>
           </a:solidFill>
@@ -7453,7 +7545,7 @@
           <a:sym typeface="Arial"/>
         </a:defRPr>
       </a:lvl5pPr>
-      <a:lvl6pPr lvl="5" marR="0" rtl="0" algn="l">
+      <a:lvl6pPr marR="0" lvl="5" algn="l" rtl="0">
         <a:lnSpc>
           <a:spcPct val="100000"/>
         </a:lnSpc>
@@ -7467,7 +7559,7 @@
           <a:srgbClr val="000000"/>
         </a:buClr>
         <a:buFont typeface="Arial"/>
-        <a:defRPr b="0" i="0" sz="1400" u="none" cap="none" strike="noStrike">
+        <a:defRPr sz="1400" b="0" i="0" u="none" strike="noStrike" cap="none">
           <a:solidFill>
             <a:srgbClr val="000000"/>
           </a:solidFill>
@@ -7477,7 +7569,7 @@
           <a:sym typeface="Arial"/>
         </a:defRPr>
       </a:lvl6pPr>
-      <a:lvl7pPr lvl="6" marR="0" rtl="0" algn="l">
+      <a:lvl7pPr marR="0" lvl="6" algn="l" rtl="0">
         <a:lnSpc>
           <a:spcPct val="100000"/>
         </a:lnSpc>
@@ -7491,7 +7583,7 @@
           <a:srgbClr val="000000"/>
         </a:buClr>
         <a:buFont typeface="Arial"/>
-        <a:defRPr b="0" i="0" sz="1400" u="none" cap="none" strike="noStrike">
+        <a:defRPr sz="1400" b="0" i="0" u="none" strike="noStrike" cap="none">
           <a:solidFill>
             <a:srgbClr val="000000"/>
           </a:solidFill>
@@ -7501,7 +7593,7 @@
           <a:sym typeface="Arial"/>
         </a:defRPr>
       </a:lvl7pPr>
-      <a:lvl8pPr lvl="7" marR="0" rtl="0" algn="l">
+      <a:lvl8pPr marR="0" lvl="7" algn="l" rtl="0">
         <a:lnSpc>
           <a:spcPct val="100000"/>
         </a:lnSpc>
@@ -7515,7 +7607,7 @@
           <a:srgbClr val="000000"/>
         </a:buClr>
         <a:buFont typeface="Arial"/>
-        <a:defRPr b="0" i="0" sz="1400" u="none" cap="none" strike="noStrike">
+        <a:defRPr sz="1400" b="0" i="0" u="none" strike="noStrike" cap="none">
           <a:solidFill>
             <a:srgbClr val="000000"/>
           </a:solidFill>
@@ -7525,7 +7617,7 @@
           <a:sym typeface="Arial"/>
         </a:defRPr>
       </a:lvl8pPr>
-      <a:lvl9pPr lvl="8" marR="0" rtl="0" algn="l">
+      <a:lvl9pPr marR="0" lvl="8" algn="l" rtl="0">
         <a:lnSpc>
           <a:spcPct val="100000"/>
         </a:lnSpc>
@@ -7539,7 +7631,7 @@
           <a:srgbClr val="000000"/>
         </a:buClr>
         <a:buFont typeface="Arial"/>
-        <a:defRPr b="0" i="0" sz="1400" u="none" cap="none" strike="noStrike">
+        <a:defRPr sz="1400" b="0" i="0" u="none" strike="noStrike" cap="none">
           <a:solidFill>
             <a:srgbClr val="000000"/>
           </a:solidFill>
@@ -7551,7 +7643,7 @@
       </a:lvl9pPr>
     </p:titleStyle>
     <p:bodyStyle>
-      <a:defPPr lvl="0" marR="0" rtl="0" algn="l">
+      <a:defPPr marR="0" lvl="0" algn="l" rtl="0">
         <a:lnSpc>
           <a:spcPct val="100000"/>
         </a:lnSpc>
@@ -7562,7 +7654,7 @@
           <a:spcPts val="0"/>
         </a:spcAft>
       </a:defPPr>
-      <a:lvl1pPr lvl="0" marR="0" rtl="0" algn="l">
+      <a:lvl1pPr marR="0" lvl="0" algn="l" rtl="0">
         <a:lnSpc>
           <a:spcPct val="100000"/>
         </a:lnSpc>
@@ -7576,7 +7668,7 @@
           <a:srgbClr val="000000"/>
         </a:buClr>
         <a:buFont typeface="Arial"/>
-        <a:defRPr b="0" i="0" sz="1400" u="none" cap="none" strike="noStrike">
+        <a:defRPr sz="1400" b="0" i="0" u="none" strike="noStrike" cap="none">
           <a:solidFill>
             <a:srgbClr val="000000"/>
           </a:solidFill>
@@ -7586,7 +7678,7 @@
           <a:sym typeface="Arial"/>
         </a:defRPr>
       </a:lvl1pPr>
-      <a:lvl2pPr lvl="1" marR="0" rtl="0" algn="l">
+      <a:lvl2pPr marR="0" lvl="1" algn="l" rtl="0">
         <a:lnSpc>
           <a:spcPct val="100000"/>
         </a:lnSpc>
@@ -7600,7 +7692,7 @@
           <a:srgbClr val="000000"/>
         </a:buClr>
         <a:buFont typeface="Arial"/>
-        <a:defRPr b="0" i="0" sz="1400" u="none" cap="none" strike="noStrike">
+        <a:defRPr sz="1400" b="0" i="0" u="none" strike="noStrike" cap="none">
           <a:solidFill>
             <a:srgbClr val="000000"/>
           </a:solidFill>
@@ -7610,7 +7702,7 @@
           <a:sym typeface="Arial"/>
         </a:defRPr>
       </a:lvl2pPr>
-      <a:lvl3pPr lvl="2" marR="0" rtl="0" algn="l">
+      <a:lvl3pPr marR="0" lvl="2" algn="l" rtl="0">
         <a:lnSpc>
           <a:spcPct val="100000"/>
         </a:lnSpc>
@@ -7624,7 +7716,7 @@
           <a:srgbClr val="000000"/>
         </a:buClr>
         <a:buFont typeface="Arial"/>
-        <a:defRPr b="0" i="0" sz="1400" u="none" cap="none" strike="noStrike">
+        <a:defRPr sz="1400" b="0" i="0" u="none" strike="noStrike" cap="none">
           <a:solidFill>
             <a:srgbClr val="000000"/>
           </a:solidFill>
@@ -7634,7 +7726,7 @@
           <a:sym typeface="Arial"/>
         </a:defRPr>
       </a:lvl3pPr>
-      <a:lvl4pPr lvl="3" marR="0" rtl="0" algn="l">
+      <a:lvl4pPr marR="0" lvl="3" algn="l" rtl="0">
         <a:lnSpc>
           <a:spcPct val="100000"/>
         </a:lnSpc>
@@ -7648,7 +7740,7 @@
           <a:srgbClr val="000000"/>
         </a:buClr>
         <a:buFont typeface="Arial"/>
-        <a:defRPr b="0" i="0" sz="1400" u="none" cap="none" strike="noStrike">
+        <a:defRPr sz="1400" b="0" i="0" u="none" strike="noStrike" cap="none">
           <a:solidFill>
             <a:srgbClr val="000000"/>
           </a:solidFill>
@@ -7658,7 +7750,7 @@
           <a:sym typeface="Arial"/>
         </a:defRPr>
       </a:lvl4pPr>
-      <a:lvl5pPr lvl="4" marR="0" rtl="0" algn="l">
+      <a:lvl5pPr marR="0" lvl="4" algn="l" rtl="0">
         <a:lnSpc>
           <a:spcPct val="100000"/>
         </a:lnSpc>
@@ -7672,7 +7764,7 @@
           <a:srgbClr val="000000"/>
         </a:buClr>
         <a:buFont typeface="Arial"/>
-        <a:defRPr b="0" i="0" sz="1400" u="none" cap="none" strike="noStrike">
+        <a:defRPr sz="1400" b="0" i="0" u="none" strike="noStrike" cap="none">
           <a:solidFill>
             <a:srgbClr val="000000"/>
           </a:solidFill>
@@ -7682,7 +7774,7 @@
           <a:sym typeface="Arial"/>
         </a:defRPr>
       </a:lvl5pPr>
-      <a:lvl6pPr lvl="5" marR="0" rtl="0" algn="l">
+      <a:lvl6pPr marR="0" lvl="5" algn="l" rtl="0">
         <a:lnSpc>
           <a:spcPct val="100000"/>
         </a:lnSpc>
@@ -7696,7 +7788,7 @@
           <a:srgbClr val="000000"/>
         </a:buClr>
         <a:buFont typeface="Arial"/>
-        <a:defRPr b="0" i="0" sz="1400" u="none" cap="none" strike="noStrike">
+        <a:defRPr sz="1400" b="0" i="0" u="none" strike="noStrike" cap="none">
           <a:solidFill>
             <a:srgbClr val="000000"/>
           </a:solidFill>
@@ -7706,7 +7798,7 @@
           <a:sym typeface="Arial"/>
         </a:defRPr>
       </a:lvl6pPr>
-      <a:lvl7pPr lvl="6" marR="0" rtl="0" algn="l">
+      <a:lvl7pPr marR="0" lvl="6" algn="l" rtl="0">
         <a:lnSpc>
           <a:spcPct val="100000"/>
         </a:lnSpc>
@@ -7720,7 +7812,7 @@
           <a:srgbClr val="000000"/>
         </a:buClr>
         <a:buFont typeface="Arial"/>
-        <a:defRPr b="0" i="0" sz="1400" u="none" cap="none" strike="noStrike">
+        <a:defRPr sz="1400" b="0" i="0" u="none" strike="noStrike" cap="none">
           <a:solidFill>
             <a:srgbClr val="000000"/>
           </a:solidFill>
@@ -7730,7 +7822,7 @@
           <a:sym typeface="Arial"/>
         </a:defRPr>
       </a:lvl7pPr>
-      <a:lvl8pPr lvl="7" marR="0" rtl="0" algn="l">
+      <a:lvl8pPr marR="0" lvl="7" algn="l" rtl="0">
         <a:lnSpc>
           <a:spcPct val="100000"/>
         </a:lnSpc>
@@ -7744,7 +7836,7 @@
           <a:srgbClr val="000000"/>
         </a:buClr>
         <a:buFont typeface="Arial"/>
-        <a:defRPr b="0" i="0" sz="1400" u="none" cap="none" strike="noStrike">
+        <a:defRPr sz="1400" b="0" i="0" u="none" strike="noStrike" cap="none">
           <a:solidFill>
             <a:srgbClr val="000000"/>
           </a:solidFill>
@@ -7754,7 +7846,7 @@
           <a:sym typeface="Arial"/>
         </a:defRPr>
       </a:lvl8pPr>
-      <a:lvl9pPr lvl="8" marR="0" rtl="0" algn="l">
+      <a:lvl9pPr marR="0" lvl="8" algn="l" rtl="0">
         <a:lnSpc>
           <a:spcPct val="100000"/>
         </a:lnSpc>
@@ -7768,7 +7860,7 @@
           <a:srgbClr val="000000"/>
         </a:buClr>
         <a:buFont typeface="Arial"/>
-        <a:defRPr b="0" i="0" sz="1400" u="none" cap="none" strike="noStrike">
+        <a:defRPr sz="1400" b="0" i="0" u="none" strike="noStrike" cap="none">
           <a:solidFill>
             <a:srgbClr val="000000"/>
           </a:solidFill>
@@ -7780,7 +7872,7 @@
       </a:lvl9pPr>
     </p:bodyStyle>
     <p:otherStyle>
-      <a:defPPr lvl="0" marR="0" rtl="0" algn="l">
+      <a:defPPr marR="0" lvl="0" algn="l" rtl="0">
         <a:lnSpc>
           <a:spcPct val="100000"/>
         </a:lnSpc>
@@ -7791,7 +7883,7 @@
           <a:spcPts val="0"/>
         </a:spcAft>
       </a:defPPr>
-      <a:lvl1pPr lvl="0" marR="0" rtl="0" algn="l">
+      <a:lvl1pPr marR="0" lvl="0" algn="l" rtl="0">
         <a:lnSpc>
           <a:spcPct val="100000"/>
         </a:lnSpc>
@@ -7805,7 +7897,7 @@
           <a:srgbClr val="000000"/>
         </a:buClr>
         <a:buFont typeface="Arial"/>
-        <a:defRPr b="0" i="0" sz="1400" u="none" cap="none" strike="noStrike">
+        <a:defRPr sz="1400" b="0" i="0" u="none" strike="noStrike" cap="none">
           <a:solidFill>
             <a:srgbClr val="000000"/>
           </a:solidFill>
@@ -7815,7 +7907,7 @@
           <a:sym typeface="Arial"/>
         </a:defRPr>
       </a:lvl1pPr>
-      <a:lvl2pPr lvl="1" marR="0" rtl="0" algn="l">
+      <a:lvl2pPr marR="0" lvl="1" algn="l" rtl="0">
         <a:lnSpc>
           <a:spcPct val="100000"/>
         </a:lnSpc>
@@ -7829,7 +7921,7 @@
           <a:srgbClr val="000000"/>
         </a:buClr>
         <a:buFont typeface="Arial"/>
-        <a:defRPr b="0" i="0" sz="1400" u="none" cap="none" strike="noStrike">
+        <a:defRPr sz="1400" b="0" i="0" u="none" strike="noStrike" cap="none">
           <a:solidFill>
             <a:srgbClr val="000000"/>
           </a:solidFill>
@@ -7839,7 +7931,7 @@
           <a:sym typeface="Arial"/>
         </a:defRPr>
       </a:lvl2pPr>
-      <a:lvl3pPr lvl="2" marR="0" rtl="0" algn="l">
+      <a:lvl3pPr marR="0" lvl="2" algn="l" rtl="0">
         <a:lnSpc>
           <a:spcPct val="100000"/>
         </a:lnSpc>
@@ -7853,7 +7945,7 @@
           <a:srgbClr val="000000"/>
         </a:buClr>
         <a:buFont typeface="Arial"/>
-        <a:defRPr b="0" i="0" sz="1400" u="none" cap="none" strike="noStrike">
+        <a:defRPr sz="1400" b="0" i="0" u="none" strike="noStrike" cap="none">
           <a:solidFill>
             <a:srgbClr val="000000"/>
           </a:solidFill>
@@ -7863,7 +7955,7 @@
           <a:sym typeface="Arial"/>
         </a:defRPr>
       </a:lvl3pPr>
-      <a:lvl4pPr lvl="3" marR="0" rtl="0" algn="l">
+      <a:lvl4pPr marR="0" lvl="3" algn="l" rtl="0">
         <a:lnSpc>
           <a:spcPct val="100000"/>
         </a:lnSpc>
@@ -7877,7 +7969,7 @@
           <a:srgbClr val="000000"/>
         </a:buClr>
         <a:buFont typeface="Arial"/>
-        <a:defRPr b="0" i="0" sz="1400" u="none" cap="none" strike="noStrike">
+        <a:defRPr sz="1400" b="0" i="0" u="none" strike="noStrike" cap="none">
           <a:solidFill>
             <a:srgbClr val="000000"/>
           </a:solidFill>
@@ -7887,7 +7979,7 @@
           <a:sym typeface="Arial"/>
         </a:defRPr>
       </a:lvl4pPr>
-      <a:lvl5pPr lvl="4" marR="0" rtl="0" algn="l">
+      <a:lvl5pPr marR="0" lvl="4" algn="l" rtl="0">
         <a:lnSpc>
           <a:spcPct val="100000"/>
         </a:lnSpc>
@@ -7901,7 +7993,7 @@
           <a:srgbClr val="000000"/>
         </a:buClr>
         <a:buFont typeface="Arial"/>
-        <a:defRPr b="0" i="0" sz="1400" u="none" cap="none" strike="noStrike">
+        <a:defRPr sz="1400" b="0" i="0" u="none" strike="noStrike" cap="none">
           <a:solidFill>
             <a:srgbClr val="000000"/>
           </a:solidFill>
@@ -7911,7 +8003,7 @@
           <a:sym typeface="Arial"/>
         </a:defRPr>
       </a:lvl5pPr>
-      <a:lvl6pPr lvl="5" marR="0" rtl="0" algn="l">
+      <a:lvl6pPr marR="0" lvl="5" algn="l" rtl="0">
         <a:lnSpc>
           <a:spcPct val="100000"/>
         </a:lnSpc>
@@ -7925,7 +8017,7 @@
           <a:srgbClr val="000000"/>
         </a:buClr>
         <a:buFont typeface="Arial"/>
-        <a:defRPr b="0" i="0" sz="1400" u="none" cap="none" strike="noStrike">
+        <a:defRPr sz="1400" b="0" i="0" u="none" strike="noStrike" cap="none">
           <a:solidFill>
             <a:srgbClr val="000000"/>
           </a:solidFill>
@@ -7935,7 +8027,7 @@
           <a:sym typeface="Arial"/>
         </a:defRPr>
       </a:lvl6pPr>
-      <a:lvl7pPr lvl="6" marR="0" rtl="0" algn="l">
+      <a:lvl7pPr marR="0" lvl="6" algn="l" rtl="0">
         <a:lnSpc>
           <a:spcPct val="100000"/>
         </a:lnSpc>
@@ -7949,7 +8041,7 @@
           <a:srgbClr val="000000"/>
         </a:buClr>
         <a:buFont typeface="Arial"/>
-        <a:defRPr b="0" i="0" sz="1400" u="none" cap="none" strike="noStrike">
+        <a:defRPr sz="1400" b="0" i="0" u="none" strike="noStrike" cap="none">
           <a:solidFill>
             <a:srgbClr val="000000"/>
           </a:solidFill>
@@ -7959,7 +8051,7 @@
           <a:sym typeface="Arial"/>
         </a:defRPr>
       </a:lvl7pPr>
-      <a:lvl8pPr lvl="7" marR="0" rtl="0" algn="l">
+      <a:lvl8pPr marR="0" lvl="7" algn="l" rtl="0">
         <a:lnSpc>
           <a:spcPct val="100000"/>
         </a:lnSpc>
@@ -7973,7 +8065,7 @@
           <a:srgbClr val="000000"/>
         </a:buClr>
         <a:buFont typeface="Arial"/>
-        <a:defRPr b="0" i="0" sz="1400" u="none" cap="none" strike="noStrike">
+        <a:defRPr sz="1400" b="0" i="0" u="none" strike="noStrike" cap="none">
           <a:solidFill>
             <a:srgbClr val="000000"/>
           </a:solidFill>
@@ -7983,7 +8075,7 @@
           <a:sym typeface="Arial"/>
         </a:defRPr>
       </a:lvl8pPr>
-      <a:lvl9pPr lvl="8" marR="0" rtl="0" algn="l">
+      <a:lvl9pPr marR="0" lvl="8" algn="l" rtl="0">
         <a:lnSpc>
           <a:spcPct val="100000"/>
         </a:lnSpc>
@@ -7997,7 +8089,7 @@
           <a:srgbClr val="000000"/>
         </a:buClr>
         <a:buFont typeface="Arial"/>
-        <a:defRPr b="0" i="0" sz="1400" u="none" cap="none" strike="noStrike">
+        <a:defRPr sz="1400" b="0" i="0" u="none" strike="noStrike" cap="none">
           <a:solidFill>
             <a:srgbClr val="000000"/>
           </a:solidFill>
@@ -8013,11 +8105,11 @@
 </file>
 
 <file path=ppt/slides/slide1.xml><?xml version="1.0" encoding="utf-8"?>
-<p:sld xmlns:a="http://schemas.openxmlformats.org/drawingml/2006/main" xmlns:r="http://schemas.openxmlformats.org/officeDocument/2006/relationships" xmlns:mc="http://schemas.openxmlformats.org/markup-compatibility/2006" xmlns:mv="urn:schemas-microsoft-com:mac:vml" xmlns:p="http://schemas.openxmlformats.org/presentationml/2006/main" xmlns:c="http://schemas.openxmlformats.org/drawingml/2006/chart" xmlns:dgm="http://schemas.openxmlformats.org/drawingml/2006/diagram" xmlns:o="urn:schemas-microsoft-com:office:office" xmlns:v="urn:schemas-microsoft-com:vml" xmlns:pvml="urn:schemas-microsoft-com:office:powerpoint" xmlns:com="http://schemas.openxmlformats.org/drawingml/2006/compatibility" xmlns:p14="http://schemas.microsoft.com/office/powerpoint/2010/main" xmlns:p15="http://schemas.microsoft.com/office/powerpoint/2012/main">
+<p:sld xmlns:a="http://schemas.openxmlformats.org/drawingml/2006/main" xmlns:r="http://schemas.openxmlformats.org/officeDocument/2006/relationships" xmlns:p="http://schemas.openxmlformats.org/presentationml/2006/main">
   <p:cSld>
     <p:spTree>
       <p:nvGrpSpPr>
-        <p:cNvPr id="85" name="Shape 85"/>
+        <p:cNvPr id="1" name="Shape 85"/>
         <p:cNvGrpSpPr/>
         <p:nvPr/>
       </p:nvGrpSpPr>
@@ -8032,7 +8124,9 @@
       <p:sp>
         <p:nvSpPr>
           <p:cNvPr id="86" name="Google Shape;86;p13"/>
-          <p:cNvSpPr txBox="1"/>
+          <p:cNvSpPr txBox="1">
+            <a:spLocks noGrp="1"/>
+          </p:cNvSpPr>
           <p:nvPr>
             <p:ph type="ctrTitle"/>
           </p:nvPr>
@@ -8047,12 +8141,12 @@
           </a:prstGeom>
         </p:spPr>
         <p:txBody>
-          <a:bodyPr anchorCtr="0" anchor="t" bIns="91425" lIns="91425" spcFirstLastPara="1" rIns="91425" wrap="square" tIns="91425">
+          <a:bodyPr spcFirstLastPara="1" wrap="square" lIns="91425" tIns="91425" rIns="91425" bIns="91425" anchor="t" anchorCtr="0">
             <a:noAutofit/>
           </a:bodyPr>
           <a:lstStyle/>
           <a:p>
-            <a:pPr indent="0" lvl="0" marL="0" rtl="0" algn="l">
+            <a:pPr marL="0" lvl="0" indent="0" algn="l" rtl="0">
               <a:spcBef>
                 <a:spcPts val="0"/>
               </a:spcBef>
@@ -8072,9 +8166,11 @@
       <p:sp>
         <p:nvSpPr>
           <p:cNvPr id="87" name="Google Shape;87;p13"/>
-          <p:cNvSpPr txBox="1"/>
+          <p:cNvSpPr txBox="1">
+            <a:spLocks noGrp="1"/>
+          </p:cNvSpPr>
           <p:nvPr>
-            <p:ph idx="1" type="subTitle"/>
+            <p:ph type="subTitle" idx="1"/>
           </p:nvPr>
         </p:nvSpPr>
         <p:spPr>
@@ -8087,12 +8183,12 @@
           </a:prstGeom>
         </p:spPr>
         <p:txBody>
-          <a:bodyPr anchorCtr="0" anchor="t" bIns="91425" lIns="91425" spcFirstLastPara="1" rIns="91425" wrap="square" tIns="91425">
+          <a:bodyPr spcFirstLastPara="1" wrap="square" lIns="91425" tIns="91425" rIns="91425" bIns="91425" anchor="t" anchorCtr="0">
             <a:noAutofit/>
           </a:bodyPr>
           <a:lstStyle/>
           <a:p>
-            <a:pPr indent="0" lvl="0" marL="0" rtl="0" algn="l">
+            <a:pPr marL="0" lvl="0" indent="0" algn="l" rtl="0">
               <a:spcBef>
                 <a:spcPts val="0"/>
               </a:spcBef>
@@ -8102,10 +8198,22 @@
               <a:buNone/>
             </a:pPr>
             <a:r>
-              <a:rPr lang="en"/>
-              <a:t>Design Review</a:t>
+              <a:rPr lang="en-CA" dirty="0"/>
+              <a:t>Board Class material by </a:t>
             </a:r>
-            <a:endParaRPr/>
+            <a:r>
+              <a:rPr lang="en-CA" dirty="0" err="1"/>
+              <a:t>Ilija</a:t>
+            </a:r>
+            <a:r>
+              <a:rPr lang="en-CA" dirty="0"/>
+              <a:t> (</a:t>
+            </a:r>
+            <a:r>
+              <a:rPr lang="en-CA"/>
+              <a:t>1.5-2 min)</a:t>
+            </a:r>
+            <a:endParaRPr dirty="0"/>
           </a:p>
         </p:txBody>
       </p:sp>
@@ -8118,11 +8226,11 @@
 </file>
 
 <file path=ppt/slides/slide2.xml><?xml version="1.0" encoding="utf-8"?>
-<p:sld xmlns:a="http://schemas.openxmlformats.org/drawingml/2006/main" xmlns:r="http://schemas.openxmlformats.org/officeDocument/2006/relationships" xmlns:mc="http://schemas.openxmlformats.org/markup-compatibility/2006" xmlns:mv="urn:schemas-microsoft-com:mac:vml" xmlns:p="http://schemas.openxmlformats.org/presentationml/2006/main" xmlns:c="http://schemas.openxmlformats.org/drawingml/2006/chart" xmlns:dgm="http://schemas.openxmlformats.org/drawingml/2006/diagram" xmlns:o="urn:schemas-microsoft-com:office:office" xmlns:v="urn:schemas-microsoft-com:vml" xmlns:pvml="urn:schemas-microsoft-com:office:powerpoint" xmlns:com="http://schemas.openxmlformats.org/drawingml/2006/compatibility" xmlns:p14="http://schemas.microsoft.com/office/powerpoint/2010/main" xmlns:p15="http://schemas.microsoft.com/office/powerpoint/2012/main">
+<p:sld xmlns:a="http://schemas.openxmlformats.org/drawingml/2006/main" xmlns:r="http://schemas.openxmlformats.org/officeDocument/2006/relationships" xmlns:p="http://schemas.openxmlformats.org/presentationml/2006/main">
   <p:cSld>
     <p:spTree>
       <p:nvGrpSpPr>
-        <p:cNvPr id="91" name="Shape 91"/>
+        <p:cNvPr id="1" name="Shape 91"/>
         <p:cNvGrpSpPr/>
         <p:nvPr/>
       </p:nvGrpSpPr>
@@ -8137,7 +8245,9 @@
       <p:sp>
         <p:nvSpPr>
           <p:cNvPr id="92" name="Google Shape;92;p14"/>
-          <p:cNvSpPr txBox="1"/>
+          <p:cNvSpPr txBox="1">
+            <a:spLocks noGrp="1"/>
+          </p:cNvSpPr>
           <p:nvPr>
             <p:ph type="title"/>
           </p:nvPr>
@@ -8152,12 +8262,12 @@
           </a:prstGeom>
         </p:spPr>
         <p:txBody>
-          <a:bodyPr anchorCtr="0" anchor="t" bIns="91425" lIns="91425" spcFirstLastPara="1" rIns="91425" wrap="square" tIns="91425">
+          <a:bodyPr spcFirstLastPara="1" wrap="square" lIns="91425" tIns="91425" rIns="91425" bIns="91425" anchor="t" anchorCtr="0">
             <a:noAutofit/>
           </a:bodyPr>
           <a:lstStyle/>
           <a:p>
-            <a:pPr indent="0" lvl="0" marL="0" rtl="0" algn="l">
+            <a:pPr marL="0" lvl="0" indent="0" algn="l" rtl="0">
               <a:spcBef>
                 <a:spcPts val="0"/>
               </a:spcBef>
@@ -8177,9 +8287,11 @@
       <p:sp>
         <p:nvSpPr>
           <p:cNvPr id="93" name="Google Shape;93;p14"/>
-          <p:cNvSpPr txBox="1"/>
+          <p:cNvSpPr txBox="1">
+            <a:spLocks noGrp="1"/>
+          </p:cNvSpPr>
           <p:nvPr>
-            <p:ph idx="1" type="body"/>
+            <p:ph type="body" idx="1"/>
           </p:nvPr>
         </p:nvSpPr>
         <p:spPr>
@@ -8192,12 +8304,12 @@
           </a:prstGeom>
         </p:spPr>
         <p:txBody>
-          <a:bodyPr anchorCtr="0" anchor="t" bIns="91425" lIns="91425" spcFirstLastPara="1" rIns="91425" wrap="square" tIns="91425">
+          <a:bodyPr spcFirstLastPara="1" wrap="square" lIns="91425" tIns="91425" rIns="91425" bIns="91425" anchor="t" anchorCtr="0">
             <a:noAutofit/>
           </a:bodyPr>
           <a:lstStyle/>
           <a:p>
-            <a:pPr indent="0" lvl="0" marL="0" rtl="0" algn="l">
+            <a:pPr marL="0" lvl="0" indent="0" algn="l" rtl="0">
               <a:lnSpc>
                 <a:spcPct val="90000"/>
               </a:lnSpc>
@@ -8232,7 +8344,7 @@
             </a:endParaRPr>
           </a:p>
           <a:p>
-            <a:pPr indent="0" lvl="0" marL="0" rtl="0" algn="l">
+            <a:pPr marL="0" lvl="0" indent="0" algn="l" rtl="0">
               <a:lnSpc>
                 <a:spcPct val="90000"/>
               </a:lnSpc>
@@ -8267,7 +8379,7 @@
             </a:endParaRPr>
           </a:p>
           <a:p>
-            <a:pPr indent="0" lvl="0" marL="0" rtl="0" algn="l">
+            <a:pPr marL="0" lvl="0" indent="0" algn="l" rtl="0">
               <a:lnSpc>
                 <a:spcPct val="90000"/>
               </a:lnSpc>
@@ -8302,7 +8414,7 @@
             </a:endParaRPr>
           </a:p>
           <a:p>
-            <a:pPr indent="0" lvl="0" marL="0" rtl="0" algn="l">
+            <a:pPr marL="0" lvl="0" indent="0" algn="l" rtl="0">
               <a:lnSpc>
                 <a:spcPct val="90000"/>
               </a:lnSpc>
@@ -8337,7 +8449,7 @@
             </a:endParaRPr>
           </a:p>
           <a:p>
-            <a:pPr indent="0" lvl="0" marL="0" rtl="0" algn="l">
+            <a:pPr marL="0" lvl="0" indent="0" algn="l" rtl="0">
               <a:lnSpc>
                 <a:spcPct val="90000"/>
               </a:lnSpc>
@@ -8372,7 +8484,7 @@
             </a:endParaRPr>
           </a:p>
           <a:p>
-            <a:pPr indent="0" lvl="0" marL="0" rtl="0" algn="l">
+            <a:pPr marL="0" lvl="0" indent="0" algn="l" rtl="0">
               <a:spcBef>
                 <a:spcPts val="0"/>
               </a:spcBef>
@@ -8381,9 +8493,6 @@
               </a:spcAft>
               <a:buNone/>
             </a:pPr>
-            <a:r>
-              <a:t/>
-            </a:r>
             <a:endParaRPr sz="1800"/>
           </a:p>
         </p:txBody>
@@ -8397,11 +8506,11 @@
 </file>
 
 <file path=ppt/slides/slide3.xml><?xml version="1.0" encoding="utf-8"?>
-<p:sld xmlns:a="http://schemas.openxmlformats.org/drawingml/2006/main" xmlns:r="http://schemas.openxmlformats.org/officeDocument/2006/relationships" xmlns:mc="http://schemas.openxmlformats.org/markup-compatibility/2006" xmlns:mv="urn:schemas-microsoft-com:mac:vml" xmlns:p="http://schemas.openxmlformats.org/presentationml/2006/main" xmlns:c="http://schemas.openxmlformats.org/drawingml/2006/chart" xmlns:dgm="http://schemas.openxmlformats.org/drawingml/2006/diagram" xmlns:o="urn:schemas-microsoft-com:office:office" xmlns:v="urn:schemas-microsoft-com:vml" xmlns:pvml="urn:schemas-microsoft-com:office:powerpoint" xmlns:com="http://schemas.openxmlformats.org/drawingml/2006/compatibility" xmlns:p14="http://schemas.microsoft.com/office/powerpoint/2010/main" xmlns:p15="http://schemas.microsoft.com/office/powerpoint/2012/main">
+<p:sld xmlns:a="http://schemas.openxmlformats.org/drawingml/2006/main" xmlns:r="http://schemas.openxmlformats.org/officeDocument/2006/relationships" xmlns:p="http://schemas.openxmlformats.org/presentationml/2006/main">
   <p:cSld>
     <p:spTree>
       <p:nvGrpSpPr>
-        <p:cNvPr id="97" name="Shape 97"/>
+        <p:cNvPr id="1" name="Shape 97"/>
         <p:cNvGrpSpPr/>
         <p:nvPr/>
       </p:nvGrpSpPr>
@@ -8416,7 +8525,9 @@
       <p:sp>
         <p:nvSpPr>
           <p:cNvPr id="98" name="Google Shape;98;p15"/>
-          <p:cNvSpPr txBox="1"/>
+          <p:cNvSpPr txBox="1">
+            <a:spLocks noGrp="1"/>
+          </p:cNvSpPr>
           <p:nvPr>
             <p:ph type="title"/>
           </p:nvPr>
@@ -8431,12 +8542,12 @@
           </a:prstGeom>
         </p:spPr>
         <p:txBody>
-          <a:bodyPr anchorCtr="0" anchor="t" bIns="91425" lIns="91425" spcFirstLastPara="1" rIns="91425" wrap="square" tIns="91425">
+          <a:bodyPr spcFirstLastPara="1" wrap="square" lIns="91425" tIns="91425" rIns="91425" bIns="91425" anchor="t" anchorCtr="0">
             <a:noAutofit/>
           </a:bodyPr>
           <a:lstStyle/>
           <a:p>
-            <a:pPr indent="0" lvl="0" marL="0" rtl="0" algn="l">
+            <a:pPr marL="0" lvl="0" indent="0" algn="l" rtl="0">
               <a:spcBef>
                 <a:spcPts val="0"/>
               </a:spcBef>
@@ -8456,9 +8567,11 @@
       <p:sp>
         <p:nvSpPr>
           <p:cNvPr id="99" name="Google Shape;99;p15"/>
-          <p:cNvSpPr txBox="1"/>
+          <p:cNvSpPr txBox="1">
+            <a:spLocks noGrp="1"/>
+          </p:cNvSpPr>
           <p:nvPr>
-            <p:ph idx="1" type="body"/>
+            <p:ph type="body" idx="1"/>
           </p:nvPr>
         </p:nvSpPr>
         <p:spPr>
@@ -8471,12 +8584,12 @@
           </a:prstGeom>
         </p:spPr>
         <p:txBody>
-          <a:bodyPr anchorCtr="0" anchor="t" bIns="91425" lIns="91425" spcFirstLastPara="1" rIns="91425" wrap="square" tIns="91425">
+          <a:bodyPr spcFirstLastPara="1" wrap="square" lIns="91425" tIns="91425" rIns="91425" bIns="91425" anchor="t" anchorCtr="0">
             <a:noAutofit/>
           </a:bodyPr>
           <a:lstStyle/>
           <a:p>
-            <a:pPr indent="0" lvl="0" marL="0" rtl="0" algn="l">
+            <a:pPr marL="0" lvl="0" indent="0" algn="l" rtl="0">
               <a:lnSpc>
                 <a:spcPct val="90000"/>
               </a:lnSpc>
@@ -8511,7 +8624,7 @@
             </a:endParaRPr>
           </a:p>
           <a:p>
-            <a:pPr indent="0" lvl="0" marL="0" rtl="0" algn="l">
+            <a:pPr marL="0" lvl="0" indent="0" algn="l" rtl="0">
               <a:lnSpc>
                 <a:spcPct val="90000"/>
               </a:lnSpc>
@@ -8546,7 +8659,7 @@
             </a:endParaRPr>
           </a:p>
           <a:p>
-            <a:pPr indent="0" lvl="0" marL="0" rtl="0" algn="l">
+            <a:pPr marL="0" lvl="0" indent="0" algn="l" rtl="0">
               <a:lnSpc>
                 <a:spcPct val="90000"/>
               </a:lnSpc>
@@ -8581,7 +8694,7 @@
             </a:endParaRPr>
           </a:p>
           <a:p>
-            <a:pPr indent="0" lvl="0" marL="0" rtl="0" algn="l">
+            <a:pPr marL="0" lvl="0" indent="0" algn="l" rtl="0">
               <a:lnSpc>
                 <a:spcPct val="90000"/>
               </a:lnSpc>
@@ -8616,7 +8729,7 @@
             </a:endParaRPr>
           </a:p>
           <a:p>
-            <a:pPr indent="0" lvl="0" marL="0" rtl="0" algn="l">
+            <a:pPr marL="0" lvl="0" indent="0" algn="l" rtl="0">
               <a:lnSpc>
                 <a:spcPct val="90000"/>
               </a:lnSpc>
@@ -8651,7 +8764,7 @@
             </a:endParaRPr>
           </a:p>
           <a:p>
-            <a:pPr indent="0" lvl="0" marL="0" rtl="0" algn="l">
+            <a:pPr marL="0" lvl="0" indent="0" algn="l" rtl="0">
               <a:lnSpc>
                 <a:spcPct val="90000"/>
               </a:lnSpc>
@@ -8686,7 +8799,7 @@
             </a:endParaRPr>
           </a:p>
           <a:p>
-            <a:pPr indent="0" lvl="0" marL="0" rtl="0" algn="l">
+            <a:pPr marL="0" lvl="0" indent="0" algn="l" rtl="0">
               <a:lnSpc>
                 <a:spcPct val="90000"/>
               </a:lnSpc>
@@ -8721,7 +8834,7 @@
             </a:endParaRPr>
           </a:p>
           <a:p>
-            <a:pPr indent="0" lvl="0" marL="0" rtl="0" algn="l">
+            <a:pPr marL="0" lvl="0" indent="0" algn="l" rtl="0">
               <a:spcBef>
                 <a:spcPts val="0"/>
               </a:spcBef>
@@ -8730,9 +8843,6 @@
               </a:spcAft>
               <a:buNone/>
             </a:pPr>
-            <a:r>
-              <a:t/>
-            </a:r>
             <a:endParaRPr sz="1800"/>
           </a:p>
         </p:txBody>
@@ -8746,11 +8856,11 @@
 </file>
 
 <file path=ppt/slides/slide4.xml><?xml version="1.0" encoding="utf-8"?>
-<p:sld xmlns:a="http://schemas.openxmlformats.org/drawingml/2006/main" xmlns:r="http://schemas.openxmlformats.org/officeDocument/2006/relationships" xmlns:mc="http://schemas.openxmlformats.org/markup-compatibility/2006" xmlns:mv="urn:schemas-microsoft-com:mac:vml" xmlns:p="http://schemas.openxmlformats.org/presentationml/2006/main" xmlns:c="http://schemas.openxmlformats.org/drawingml/2006/chart" xmlns:dgm="http://schemas.openxmlformats.org/drawingml/2006/diagram" xmlns:o="urn:schemas-microsoft-com:office:office" xmlns:v="urn:schemas-microsoft-com:vml" xmlns:pvml="urn:schemas-microsoft-com:office:powerpoint" xmlns:com="http://schemas.openxmlformats.org/drawingml/2006/compatibility" xmlns:p14="http://schemas.microsoft.com/office/powerpoint/2010/main" xmlns:p15="http://schemas.microsoft.com/office/powerpoint/2012/main">
+<p:sld xmlns:a="http://schemas.openxmlformats.org/drawingml/2006/main" xmlns:r="http://schemas.openxmlformats.org/officeDocument/2006/relationships" xmlns:p="http://schemas.openxmlformats.org/presentationml/2006/main">
   <p:cSld>
     <p:spTree>
       <p:nvGrpSpPr>
-        <p:cNvPr id="103" name="Shape 103"/>
+        <p:cNvPr id="1" name="Shape 103"/>
         <p:cNvGrpSpPr/>
         <p:nvPr/>
       </p:nvGrpSpPr>
@@ -8765,7 +8875,9 @@
       <p:sp>
         <p:nvSpPr>
           <p:cNvPr id="104" name="Google Shape;104;p16"/>
-          <p:cNvSpPr txBox="1"/>
+          <p:cNvSpPr txBox="1">
+            <a:spLocks noGrp="1"/>
+          </p:cNvSpPr>
           <p:nvPr>
             <p:ph type="title"/>
           </p:nvPr>
@@ -8780,12 +8892,12 @@
           </a:prstGeom>
         </p:spPr>
         <p:txBody>
-          <a:bodyPr anchorCtr="0" anchor="t" bIns="91425" lIns="91425" spcFirstLastPara="1" rIns="91425" wrap="square" tIns="91425">
+          <a:bodyPr spcFirstLastPara="1" wrap="square" lIns="91425" tIns="91425" rIns="91425" bIns="91425" anchor="t" anchorCtr="0">
             <a:noAutofit/>
           </a:bodyPr>
           <a:lstStyle/>
           <a:p>
-            <a:pPr indent="0" lvl="0" marL="0" rtl="0" algn="ctr">
+            <a:pPr marL="0" lvl="0" indent="0" algn="ctr" rtl="0">
               <a:spcBef>
                 <a:spcPts val="0"/>
               </a:spcBef>
@@ -8805,9 +8917,11 @@
       <p:sp>
         <p:nvSpPr>
           <p:cNvPr id="105" name="Google Shape;105;p16"/>
-          <p:cNvSpPr txBox="1"/>
+          <p:cNvSpPr txBox="1">
+            <a:spLocks noGrp="1"/>
+          </p:cNvSpPr>
           <p:nvPr>
-            <p:ph idx="1" type="body"/>
+            <p:ph type="body" idx="1"/>
           </p:nvPr>
         </p:nvSpPr>
         <p:spPr>
@@ -8820,12 +8934,12 @@
           </a:prstGeom>
         </p:spPr>
         <p:txBody>
-          <a:bodyPr anchorCtr="0" anchor="t" bIns="91425" lIns="91425" spcFirstLastPara="1" rIns="91425" wrap="square" tIns="91425">
+          <a:bodyPr spcFirstLastPara="1" wrap="square" lIns="91425" tIns="91425" rIns="91425" bIns="91425" anchor="t" anchorCtr="0">
             <a:noAutofit/>
           </a:bodyPr>
           <a:lstStyle/>
           <a:p>
-            <a:pPr indent="0" lvl="0" marL="0" rtl="0" algn="l">
+            <a:pPr marL="0" lvl="0" indent="0" algn="l" rtl="0">
               <a:spcBef>
                 <a:spcPts val="0"/>
               </a:spcBef>
@@ -8851,11 +8965,11 @@
 </file>
 
 <file path=ppt/slides/slide5.xml><?xml version="1.0" encoding="utf-8"?>
-<p:sld xmlns:a="http://schemas.openxmlformats.org/drawingml/2006/main" xmlns:r="http://schemas.openxmlformats.org/officeDocument/2006/relationships" xmlns:mc="http://schemas.openxmlformats.org/markup-compatibility/2006" xmlns:mv="urn:schemas-microsoft-com:mac:vml" xmlns:p="http://schemas.openxmlformats.org/presentationml/2006/main" xmlns:c="http://schemas.openxmlformats.org/drawingml/2006/chart" xmlns:dgm="http://schemas.openxmlformats.org/drawingml/2006/diagram" xmlns:o="urn:schemas-microsoft-com:office:office" xmlns:v="urn:schemas-microsoft-com:vml" xmlns:pvml="urn:schemas-microsoft-com:office:powerpoint" xmlns:com="http://schemas.openxmlformats.org/drawingml/2006/compatibility" xmlns:p14="http://schemas.microsoft.com/office/powerpoint/2010/main" xmlns:p15="http://schemas.microsoft.com/office/powerpoint/2012/main">
+<p:sld xmlns:a="http://schemas.openxmlformats.org/drawingml/2006/main" xmlns:r="http://schemas.openxmlformats.org/officeDocument/2006/relationships" xmlns:p="http://schemas.openxmlformats.org/presentationml/2006/main">
   <p:cSld>
     <p:spTree>
       <p:nvGrpSpPr>
-        <p:cNvPr id="109" name="Shape 109"/>
+        <p:cNvPr id="1" name="Shape 109"/>
         <p:cNvGrpSpPr/>
         <p:nvPr/>
       </p:nvGrpSpPr>
@@ -8870,7 +8984,9 @@
       <p:sp>
         <p:nvSpPr>
           <p:cNvPr id="110" name="Google Shape;110;p17"/>
-          <p:cNvSpPr txBox="1"/>
+          <p:cNvSpPr txBox="1">
+            <a:spLocks noGrp="1"/>
+          </p:cNvSpPr>
           <p:nvPr>
             <p:ph type="title"/>
           </p:nvPr>
@@ -8885,12 +9001,12 @@
           </a:prstGeom>
         </p:spPr>
         <p:txBody>
-          <a:bodyPr anchorCtr="0" anchor="t" bIns="91425" lIns="91425" spcFirstLastPara="1" rIns="91425" wrap="square" tIns="91425">
+          <a:bodyPr spcFirstLastPara="1" wrap="square" lIns="91425" tIns="91425" rIns="91425" bIns="91425" anchor="t" anchorCtr="0">
             <a:noAutofit/>
           </a:bodyPr>
           <a:lstStyle/>
           <a:p>
-            <a:pPr indent="0" lvl="0" marL="0" rtl="0" algn="l">
+            <a:pPr marL="0" lvl="0" indent="0" algn="l" rtl="0">
               <a:spcBef>
                 <a:spcPts val="0"/>
               </a:spcBef>
@@ -8910,9 +9026,11 @@
       <p:sp>
         <p:nvSpPr>
           <p:cNvPr id="111" name="Google Shape;111;p17"/>
-          <p:cNvSpPr txBox="1"/>
+          <p:cNvSpPr txBox="1">
+            <a:spLocks noGrp="1"/>
+          </p:cNvSpPr>
           <p:nvPr>
-            <p:ph idx="1" type="body"/>
+            <p:ph type="body" idx="1"/>
           </p:nvPr>
         </p:nvSpPr>
         <p:spPr>
@@ -8925,12 +9043,12 @@
           </a:prstGeom>
         </p:spPr>
         <p:txBody>
-          <a:bodyPr anchorCtr="0" anchor="t" bIns="91425" lIns="91425" spcFirstLastPara="1" rIns="91425" wrap="square" tIns="91425">
+          <a:bodyPr spcFirstLastPara="1" wrap="square" lIns="91425" tIns="91425" rIns="91425" bIns="91425" anchor="t" anchorCtr="0">
             <a:noAutofit/>
           </a:bodyPr>
           <a:lstStyle/>
           <a:p>
-            <a:pPr indent="0" lvl="0" marL="0" rtl="0" algn="l">
+            <a:pPr marL="0" lvl="0" indent="0" algn="l" rtl="0">
               <a:spcBef>
                 <a:spcPts val="0"/>
               </a:spcBef>
@@ -8946,7 +9064,7 @@
             <a:endParaRPr sz="1800"/>
           </a:p>
           <a:p>
-            <a:pPr indent="0" lvl="0" marL="0" rtl="0" algn="l">
+            <a:pPr marL="0" lvl="0" indent="0" algn="l" rtl="0">
               <a:spcBef>
                 <a:spcPts val="1600"/>
               </a:spcBef>
@@ -8962,7 +9080,7 @@
             <a:endParaRPr sz="1800"/>
           </a:p>
           <a:p>
-            <a:pPr indent="-342900" lvl="0" marL="457200" rtl="0" algn="l">
+            <a:pPr marL="457200" lvl="0" indent="-342900" algn="l" rtl="0">
               <a:spcBef>
                 <a:spcPts val="1600"/>
               </a:spcBef>
@@ -8979,7 +9097,7 @@
             <a:endParaRPr sz="1800"/>
           </a:p>
           <a:p>
-            <a:pPr indent="-342900" lvl="0" marL="457200" rtl="0" algn="l">
+            <a:pPr marL="457200" lvl="0" indent="-342900" algn="l" rtl="0">
               <a:spcBef>
                 <a:spcPts val="0"/>
               </a:spcBef>
@@ -8991,20 +9109,12 @@
             </a:pPr>
             <a:r>
               <a:rPr lang="en" sz="1800"/>
-              <a:t>All moves are within the </a:t>
-            </a:r>
-            <a:r>
-              <a:rPr lang="en" sz="1800"/>
-              <a:t>dimensions</a:t>
-            </a:r>
-            <a:r>
-              <a:rPr lang="en" sz="1800"/>
-              <a:t> of the game board</a:t>
+              <a:t>All moves are within the dimensions of the game board</a:t>
             </a:r>
             <a:endParaRPr sz="1800"/>
           </a:p>
           <a:p>
-            <a:pPr indent="-342900" lvl="0" marL="457200" rtl="0" algn="l">
+            <a:pPr marL="457200" lvl="0" indent="-342900" algn="l" rtl="0">
               <a:spcBef>
                 <a:spcPts val="0"/>
               </a:spcBef>
@@ -9021,7 +9131,7 @@
             <a:endParaRPr sz="1800"/>
           </a:p>
           <a:p>
-            <a:pPr indent="-342900" lvl="0" marL="457200" rtl="0" algn="l">
+            <a:pPr marL="457200" lvl="0" indent="-342900" algn="l" rtl="0">
               <a:spcBef>
                 <a:spcPts val="0"/>
               </a:spcBef>
@@ -9038,7 +9148,7 @@
             <a:endParaRPr sz="1800"/>
           </a:p>
           <a:p>
-            <a:pPr indent="-342900" lvl="0" marL="457200" rtl="0" algn="l">
+            <a:pPr marL="457200" lvl="0" indent="-342900" algn="l" rtl="0">
               <a:spcBef>
                 <a:spcPts val="0"/>
               </a:spcBef>
@@ -9065,11 +9175,11 @@
 </file>
 
 <file path=ppt/slides/slide6.xml><?xml version="1.0" encoding="utf-8"?>
-<p:sld xmlns:a="http://schemas.openxmlformats.org/drawingml/2006/main" xmlns:r="http://schemas.openxmlformats.org/officeDocument/2006/relationships" xmlns:mc="http://schemas.openxmlformats.org/markup-compatibility/2006" xmlns:mv="urn:schemas-microsoft-com:mac:vml" xmlns:p="http://schemas.openxmlformats.org/presentationml/2006/main" xmlns:c="http://schemas.openxmlformats.org/drawingml/2006/chart" xmlns:dgm="http://schemas.openxmlformats.org/drawingml/2006/diagram" xmlns:o="urn:schemas-microsoft-com:office:office" xmlns:v="urn:schemas-microsoft-com:vml" xmlns:pvml="urn:schemas-microsoft-com:office:powerpoint" xmlns:com="http://schemas.openxmlformats.org/drawingml/2006/compatibility" xmlns:p14="http://schemas.microsoft.com/office/powerpoint/2010/main" xmlns:p15="http://schemas.microsoft.com/office/powerpoint/2012/main">
+<p:sld xmlns:a="http://schemas.openxmlformats.org/drawingml/2006/main" xmlns:r="http://schemas.openxmlformats.org/officeDocument/2006/relationships" xmlns:p="http://schemas.openxmlformats.org/presentationml/2006/main">
   <p:cSld>
     <p:spTree>
       <p:nvGrpSpPr>
-        <p:cNvPr id="115" name="Shape 115"/>
+        <p:cNvPr id="1" name="Shape 115"/>
         <p:cNvGrpSpPr/>
         <p:nvPr/>
       </p:nvGrpSpPr>
@@ -9084,7 +9194,9 @@
       <p:sp>
         <p:nvSpPr>
           <p:cNvPr id="116" name="Google Shape;116;p18"/>
-          <p:cNvSpPr txBox="1"/>
+          <p:cNvSpPr txBox="1">
+            <a:spLocks noGrp="1"/>
+          </p:cNvSpPr>
           <p:nvPr>
             <p:ph type="title"/>
           </p:nvPr>
@@ -9099,12 +9211,12 @@
           </a:prstGeom>
         </p:spPr>
         <p:txBody>
-          <a:bodyPr anchorCtr="0" anchor="t" bIns="91425" lIns="91425" spcFirstLastPara="1" rIns="91425" wrap="square" tIns="91425">
+          <a:bodyPr spcFirstLastPara="1" wrap="square" lIns="91425" tIns="91425" rIns="91425" bIns="91425" anchor="t" anchorCtr="0">
             <a:noAutofit/>
           </a:bodyPr>
           <a:lstStyle/>
           <a:p>
-            <a:pPr indent="0" lvl="0" marL="0" rtl="0" algn="l">
+            <a:pPr marL="0" lvl="0" indent="0" algn="l" rtl="0">
               <a:spcBef>
                 <a:spcPts val="0"/>
               </a:spcBef>
@@ -9124,9 +9236,11 @@
       <p:sp>
         <p:nvSpPr>
           <p:cNvPr id="117" name="Google Shape;117;p18"/>
-          <p:cNvSpPr txBox="1"/>
+          <p:cNvSpPr txBox="1">
+            <a:spLocks noGrp="1"/>
+          </p:cNvSpPr>
           <p:nvPr>
-            <p:ph idx="1" type="body"/>
+            <p:ph type="body" idx="1"/>
           </p:nvPr>
         </p:nvSpPr>
         <p:spPr>
@@ -9139,12 +9253,12 @@
           </a:prstGeom>
         </p:spPr>
         <p:txBody>
-          <a:bodyPr anchorCtr="0" anchor="t" bIns="91425" lIns="91425" spcFirstLastPara="1" rIns="91425" wrap="square" tIns="91425">
+          <a:bodyPr spcFirstLastPara="1" wrap="square" lIns="91425" tIns="91425" rIns="91425" bIns="91425" anchor="t" anchorCtr="0">
             <a:noAutofit/>
           </a:bodyPr>
           <a:lstStyle/>
           <a:p>
-            <a:pPr indent="0" lvl="0" marL="0" rtl="0" algn="l">
+            <a:pPr marL="0" lvl="0" indent="0" algn="l" rtl="0">
               <a:spcBef>
                 <a:spcPts val="0"/>
               </a:spcBef>
@@ -9160,7 +9274,7 @@
             <a:endParaRPr sz="1800"/>
           </a:p>
           <a:p>
-            <a:pPr indent="0" lvl="0" marL="0" rtl="0" algn="l">
+            <a:pPr marL="0" lvl="0" indent="0" algn="l" rtl="0">
               <a:spcBef>
                 <a:spcPts val="1600"/>
               </a:spcBef>
@@ -9176,7 +9290,7 @@
             <a:endParaRPr sz="1800"/>
           </a:p>
           <a:p>
-            <a:pPr indent="457200" lvl="0" marL="0" rtl="0" algn="l">
+            <a:pPr marL="0" lvl="0" indent="457200" algn="l" rtl="0">
               <a:spcBef>
                 <a:spcPts val="1600"/>
               </a:spcBef>
@@ -9192,7 +9306,7 @@
             <a:endParaRPr sz="1800"/>
           </a:p>
           <a:p>
-            <a:pPr indent="457200" lvl="0" marL="457200" rtl="0" algn="l">
+            <a:pPr marL="457200" lvl="0" indent="457200" algn="l" rtl="0">
               <a:spcBef>
                 <a:spcPts val="1600"/>
               </a:spcBef>
@@ -9208,7 +9322,7 @@
             <a:endParaRPr sz="1800"/>
           </a:p>
           <a:p>
-            <a:pPr indent="0" lvl="0" marL="0" rtl="0" algn="l">
+            <a:pPr marL="0" lvl="0" indent="0" algn="l" rtl="0">
               <a:spcBef>
                 <a:spcPts val="1600"/>
               </a:spcBef>
@@ -9224,7 +9338,7 @@
             <a:endParaRPr sz="1800"/>
           </a:p>
           <a:p>
-            <a:pPr indent="457200" lvl="0" marL="0" rtl="0" algn="l">
+            <a:pPr marL="0" lvl="0" indent="457200" algn="l" rtl="0">
               <a:spcBef>
                 <a:spcPts val="1600"/>
               </a:spcBef>
@@ -9235,11 +9349,7 @@
             </a:pPr>
             <a:r>
               <a:rPr lang="en" sz="1800"/>
-              <a:t>return </a:t>
-            </a:r>
-            <a:r>
-              <a:rPr lang="en" sz="1800"/>
-              <a:t>False</a:t>
+              <a:t>return False</a:t>
             </a:r>
             <a:endParaRPr sz="1800"/>
           </a:p>
@@ -9254,11 +9364,11 @@
 </file>
 
 <file path=ppt/slides/slide7.xml><?xml version="1.0" encoding="utf-8"?>
-<p:sld xmlns:a="http://schemas.openxmlformats.org/drawingml/2006/main" xmlns:r="http://schemas.openxmlformats.org/officeDocument/2006/relationships" xmlns:mc="http://schemas.openxmlformats.org/markup-compatibility/2006" xmlns:mv="urn:schemas-microsoft-com:mac:vml" xmlns:p="http://schemas.openxmlformats.org/presentationml/2006/main" xmlns:c="http://schemas.openxmlformats.org/drawingml/2006/chart" xmlns:dgm="http://schemas.openxmlformats.org/drawingml/2006/diagram" xmlns:o="urn:schemas-microsoft-com:office:office" xmlns:v="urn:schemas-microsoft-com:vml" xmlns:pvml="urn:schemas-microsoft-com:office:powerpoint" xmlns:com="http://schemas.openxmlformats.org/drawingml/2006/compatibility" xmlns:p14="http://schemas.microsoft.com/office/powerpoint/2010/main" xmlns:p15="http://schemas.microsoft.com/office/powerpoint/2012/main">
+<p:sld xmlns:a="http://schemas.openxmlformats.org/drawingml/2006/main" xmlns:r="http://schemas.openxmlformats.org/officeDocument/2006/relationships" xmlns:p="http://schemas.openxmlformats.org/presentationml/2006/main">
   <p:cSld>
     <p:spTree>
       <p:nvGrpSpPr>
-        <p:cNvPr id="121" name="Shape 121"/>
+        <p:cNvPr id="1" name="Shape 121"/>
         <p:cNvGrpSpPr/>
         <p:nvPr/>
       </p:nvGrpSpPr>
@@ -9273,7 +9383,9 @@
       <p:sp>
         <p:nvSpPr>
           <p:cNvPr id="122" name="Google Shape;122;p19"/>
-          <p:cNvSpPr txBox="1"/>
+          <p:cNvSpPr txBox="1">
+            <a:spLocks noGrp="1"/>
+          </p:cNvSpPr>
           <p:nvPr>
             <p:ph type="title"/>
           </p:nvPr>
@@ -9288,12 +9400,12 @@
           </a:prstGeom>
         </p:spPr>
         <p:txBody>
-          <a:bodyPr anchorCtr="0" anchor="t" bIns="91425" lIns="91425" spcFirstLastPara="1" rIns="91425" wrap="square" tIns="91425">
+          <a:bodyPr spcFirstLastPara="1" wrap="square" lIns="91425" tIns="91425" rIns="91425" bIns="91425" anchor="t" anchorCtr="0">
             <a:noAutofit/>
           </a:bodyPr>
           <a:lstStyle/>
           <a:p>
-            <a:pPr indent="0" lvl="0" marL="0" rtl="0" algn="l">
+            <a:pPr marL="0" lvl="0" indent="0" algn="l" rtl="0">
               <a:spcBef>
                 <a:spcPts val="0"/>
               </a:spcBef>
@@ -9313,9 +9425,11 @@
       <p:sp>
         <p:nvSpPr>
           <p:cNvPr id="123" name="Google Shape;123;p19"/>
-          <p:cNvSpPr txBox="1"/>
+          <p:cNvSpPr txBox="1">
+            <a:spLocks noGrp="1"/>
+          </p:cNvSpPr>
           <p:nvPr>
-            <p:ph idx="1" type="body"/>
+            <p:ph type="body" idx="1"/>
           </p:nvPr>
         </p:nvSpPr>
         <p:spPr>
@@ -9328,12 +9442,12 @@
           </a:prstGeom>
         </p:spPr>
         <p:txBody>
-          <a:bodyPr anchorCtr="0" anchor="t" bIns="91425" lIns="91425" spcFirstLastPara="1" rIns="91425" wrap="square" tIns="91425">
+          <a:bodyPr spcFirstLastPara="1" wrap="square" lIns="91425" tIns="91425" rIns="91425" bIns="91425" anchor="t" anchorCtr="0">
             <a:noAutofit/>
           </a:bodyPr>
           <a:lstStyle/>
           <a:p>
-            <a:pPr indent="0" lvl="0" marL="0" rtl="0" algn="l">
+            <a:pPr marL="0" lvl="0" indent="0" algn="l" rtl="0">
               <a:spcBef>
                 <a:spcPts val="0"/>
               </a:spcBef>
@@ -9349,7 +9463,7 @@
             <a:endParaRPr sz="1800"/>
           </a:p>
           <a:p>
-            <a:pPr indent="0" lvl="0" marL="0" rtl="0" algn="l">
+            <a:pPr marL="0" lvl="0" indent="0" algn="l" rtl="0">
               <a:spcBef>
                 <a:spcPts val="1600"/>
               </a:spcBef>
@@ -9365,7 +9479,7 @@
             <a:endParaRPr sz="1800"/>
           </a:p>
           <a:p>
-            <a:pPr indent="0" lvl="0" marL="0" rtl="0" algn="l">
+            <a:pPr marL="0" lvl="0" indent="0" algn="l" rtl="0">
               <a:spcBef>
                 <a:spcPts val="1600"/>
               </a:spcBef>
@@ -9381,7 +9495,7 @@
             <a:endParaRPr sz="1800"/>
           </a:p>
           <a:p>
-            <a:pPr indent="0" lvl="0" marL="0" rtl="0" algn="l">
+            <a:pPr marL="0" lvl="0" indent="0" algn="l" rtl="0">
               <a:spcBef>
                 <a:spcPts val="1600"/>
               </a:spcBef>
@@ -9397,7 +9511,7 @@
             <a:endParaRPr sz="1800"/>
           </a:p>
           <a:p>
-            <a:pPr indent="0" lvl="0" marL="0" rtl="0" algn="l">
+            <a:pPr marL="0" lvl="0" indent="0" algn="l" rtl="0">
               <a:spcBef>
                 <a:spcPts val="1600"/>
               </a:spcBef>
@@ -9413,7 +9527,7 @@
             <a:endParaRPr sz="1800"/>
           </a:p>
           <a:p>
-            <a:pPr indent="457200" lvl="0" marL="1371600" rtl="0" algn="l">
+            <a:pPr marL="1371600" lvl="0" indent="457200" algn="l" rtl="0">
               <a:spcBef>
                 <a:spcPts val="1600"/>
               </a:spcBef>
@@ -9429,7 +9543,7 @@
             <a:endParaRPr sz="1800"/>
           </a:p>
           <a:p>
-            <a:pPr indent="0" lvl="0" marL="0" rtl="0" algn="l">
+            <a:pPr marL="0" lvl="0" indent="0" algn="l" rtl="0">
               <a:spcBef>
                 <a:spcPts val="1600"/>
               </a:spcBef>
@@ -9455,7 +9569,288 @@
 </file>
 
 <file path=ppt/theme/theme1.xml><?xml version="1.0" encoding="utf-8"?>
-<a:theme xmlns:a="http://schemas.openxmlformats.org/drawingml/2006/main" xmlns:r="http://schemas.openxmlformats.org/officeDocument/2006/relationships">
+<a:theme xmlns:a="http://schemas.openxmlformats.org/drawingml/2006/main" name="Streamline">
+  <a:themeElements>
+    <a:clrScheme name="Streamline">
+      <a:dk1>
+        <a:srgbClr val="1A9988"/>
+      </a:dk1>
+      <a:lt1>
+        <a:srgbClr val="FFFFFF"/>
+      </a:lt1>
+      <a:dk2>
+        <a:srgbClr val="1A1A1A"/>
+      </a:dk2>
+      <a:lt2>
+        <a:srgbClr val="E9EDEE"/>
+      </a:lt2>
+      <a:accent1>
+        <a:srgbClr val="595959"/>
+      </a:accent1>
+      <a:accent2>
+        <a:srgbClr val="6AA4C8"/>
+      </a:accent2>
+      <a:accent3>
+        <a:srgbClr val="EB5600"/>
+      </a:accent3>
+      <a:accent4>
+        <a:srgbClr val="A2FFE8"/>
+      </a:accent4>
+      <a:accent5>
+        <a:srgbClr val="1C3678"/>
+      </a:accent5>
+      <a:accent6>
+        <a:srgbClr val="FFB8A2"/>
+      </a:accent6>
+      <a:hlink>
+        <a:srgbClr val="1C3678"/>
+      </a:hlink>
+      <a:folHlink>
+        <a:srgbClr val="1C3678"/>
+      </a:folHlink>
+    </a:clrScheme>
+    <a:fontScheme name="Office">
+      <a:majorFont>
+        <a:latin typeface="Arial"/>
+        <a:ea typeface=""/>
+        <a:cs typeface=""/>
+        <a:font script="Jpan" typeface="ＭＳ Ｐゴシック"/>
+        <a:font script="Hang" typeface="맑은 고딕"/>
+        <a:font script="Hans" typeface="宋体"/>
+        <a:font script="Hant" typeface="新細明體"/>
+        <a:font script="Arab" typeface="Times New Roman"/>
+        <a:font script="Hebr" typeface="Times New Roman"/>
+        <a:font script="Thai" typeface="Angsana New"/>
+        <a:font script="Ethi" typeface="Nyala"/>
+        <a:font script="Beng" typeface="Vrinda"/>
+        <a:font script="Gujr" typeface="Shruti"/>
+        <a:font script="Khmr" typeface="MoolBoran"/>
+        <a:font script="Knda" typeface="Tunga"/>
+        <a:font script="Guru" typeface="Raavi"/>
+        <a:font script="Cans" typeface="Euphemia"/>
+        <a:font script="Cher" typeface="Plantagenet Cherokee"/>
+        <a:font script="Yiii" typeface="Microsoft Yi Baiti"/>
+        <a:font script="Tibt" typeface="Microsoft Himalaya"/>
+        <a:font script="Thaa" typeface="MV Boli"/>
+        <a:font script="Deva" typeface="Mangal"/>
+        <a:font script="Telu" typeface="Gautami"/>
+        <a:font script="Taml" typeface="Latha"/>
+        <a:font script="Syrc" typeface="Estrangelo Edessa"/>
+        <a:font script="Orya" typeface="Kalinga"/>
+        <a:font script="Mlym" typeface="Kartika"/>
+        <a:font script="Laoo" typeface="DokChampa"/>
+        <a:font script="Sinh" typeface="Iskoola Pota"/>
+        <a:font script="Mong" typeface="Mongolian Baiti"/>
+        <a:font script="Viet" typeface="Times New Roman"/>
+        <a:font script="Uigh" typeface="Microsoft Uighur"/>
+        <a:font script="Geor" typeface="Sylfaen"/>
+      </a:majorFont>
+      <a:minorFont>
+        <a:latin typeface="Arial"/>
+        <a:ea typeface=""/>
+        <a:cs typeface=""/>
+        <a:font script="Jpan" typeface="ＭＳ Ｐゴシック"/>
+        <a:font script="Hang" typeface="맑은 고딕"/>
+        <a:font script="Hans" typeface="宋体"/>
+        <a:font script="Hant" typeface="新細明體"/>
+        <a:font script="Arab" typeface="Arial"/>
+        <a:font script="Hebr" typeface="Arial"/>
+        <a:font script="Thai" typeface="Cordia New"/>
+        <a:font script="Ethi" typeface="Nyala"/>
+        <a:font script="Beng" typeface="Vrinda"/>
+        <a:font script="Gujr" typeface="Shruti"/>
+        <a:font script="Khmr" typeface="DaunPenh"/>
+        <a:font script="Knda" typeface="Tunga"/>
+        <a:font script="Guru" typeface="Raavi"/>
+        <a:font script="Cans" typeface="Euphemia"/>
+        <a:font script="Cher" typeface="Plantagenet Cherokee"/>
+        <a:font script="Yiii" typeface="Microsoft Yi Baiti"/>
+        <a:font script="Tibt" typeface="Microsoft Himalaya"/>
+        <a:font script="Thaa" typeface="MV Boli"/>
+        <a:font script="Deva" typeface="Mangal"/>
+        <a:font script="Telu" typeface="Gautami"/>
+        <a:font script="Taml" typeface="Latha"/>
+        <a:font script="Syrc" typeface="Estrangelo Edessa"/>
+        <a:font script="Orya" typeface="Kalinga"/>
+        <a:font script="Mlym" typeface="Kartika"/>
+        <a:font script="Laoo" typeface="DokChampa"/>
+        <a:font script="Sinh" typeface="Iskoola Pota"/>
+        <a:font script="Mong" typeface="Mongolian Baiti"/>
+        <a:font script="Viet" typeface="Arial"/>
+        <a:font script="Uigh" typeface="Microsoft Uighur"/>
+        <a:font script="Geor" typeface="Sylfaen"/>
+      </a:minorFont>
+    </a:fontScheme>
+    <a:fmtScheme name="Office">
+      <a:fillStyleLst>
+        <a:solidFill>
+          <a:schemeClr val="phClr"/>
+        </a:solidFill>
+        <a:gradFill rotWithShape="1">
+          <a:gsLst>
+            <a:gs pos="0">
+              <a:schemeClr val="phClr">
+                <a:tint val="50000"/>
+                <a:satMod val="300000"/>
+              </a:schemeClr>
+            </a:gs>
+            <a:gs pos="35000">
+              <a:schemeClr val="phClr">
+                <a:tint val="37000"/>
+                <a:satMod val="300000"/>
+              </a:schemeClr>
+            </a:gs>
+            <a:gs pos="100000">
+              <a:schemeClr val="phClr">
+                <a:tint val="15000"/>
+                <a:satMod val="350000"/>
+              </a:schemeClr>
+            </a:gs>
+          </a:gsLst>
+          <a:lin ang="16200000" scaled="1"/>
+        </a:gradFill>
+        <a:gradFill rotWithShape="1">
+          <a:gsLst>
+            <a:gs pos="0">
+              <a:schemeClr val="phClr">
+                <a:tint val="100000"/>
+                <a:shade val="100000"/>
+                <a:satMod val="130000"/>
+              </a:schemeClr>
+            </a:gs>
+            <a:gs pos="100000">
+              <a:schemeClr val="phClr">
+                <a:tint val="50000"/>
+                <a:shade val="100000"/>
+                <a:satMod val="350000"/>
+              </a:schemeClr>
+            </a:gs>
+          </a:gsLst>
+          <a:lin ang="16200000" scaled="0"/>
+        </a:gradFill>
+      </a:fillStyleLst>
+      <a:lnStyleLst>
+        <a:ln w="9525" cap="flat" cmpd="sng" algn="ctr">
+          <a:solidFill>
+            <a:schemeClr val="phClr">
+              <a:shade val="95000"/>
+              <a:satMod val="105000"/>
+            </a:schemeClr>
+          </a:solidFill>
+          <a:prstDash val="solid"/>
+        </a:ln>
+        <a:ln w="25400" cap="flat" cmpd="sng" algn="ctr">
+          <a:solidFill>
+            <a:schemeClr val="phClr"/>
+          </a:solidFill>
+          <a:prstDash val="solid"/>
+        </a:ln>
+        <a:ln w="38100" cap="flat" cmpd="sng" algn="ctr">
+          <a:solidFill>
+            <a:schemeClr val="phClr"/>
+          </a:solidFill>
+          <a:prstDash val="solid"/>
+        </a:ln>
+      </a:lnStyleLst>
+      <a:effectStyleLst>
+        <a:effectStyle>
+          <a:effectLst>
+            <a:outerShdw blurRad="40000" dist="20000" dir="5400000" rotWithShape="0">
+              <a:srgbClr val="000000">
+                <a:alpha val="38000"/>
+              </a:srgbClr>
+            </a:outerShdw>
+          </a:effectLst>
+        </a:effectStyle>
+        <a:effectStyle>
+          <a:effectLst>
+            <a:outerShdw blurRad="40000" dist="23000" dir="5400000" rotWithShape="0">
+              <a:srgbClr val="000000">
+                <a:alpha val="35000"/>
+              </a:srgbClr>
+            </a:outerShdw>
+          </a:effectLst>
+        </a:effectStyle>
+        <a:effectStyle>
+          <a:effectLst>
+            <a:outerShdw blurRad="40000" dist="23000" dir="5400000" rotWithShape="0">
+              <a:srgbClr val="000000">
+                <a:alpha val="35000"/>
+              </a:srgbClr>
+            </a:outerShdw>
+          </a:effectLst>
+          <a:scene3d>
+            <a:camera prst="orthographicFront">
+              <a:rot lat="0" lon="0" rev="0"/>
+            </a:camera>
+            <a:lightRig rig="threePt" dir="t">
+              <a:rot lat="0" lon="0" rev="1200000"/>
+            </a:lightRig>
+          </a:scene3d>
+          <a:sp3d>
+            <a:bevelT w="63500" h="25400"/>
+          </a:sp3d>
+        </a:effectStyle>
+      </a:effectStyleLst>
+      <a:bgFillStyleLst>
+        <a:solidFill>
+          <a:schemeClr val="phClr"/>
+        </a:solidFill>
+        <a:gradFill rotWithShape="1">
+          <a:gsLst>
+            <a:gs pos="0">
+              <a:schemeClr val="phClr">
+                <a:tint val="40000"/>
+                <a:satMod val="350000"/>
+              </a:schemeClr>
+            </a:gs>
+            <a:gs pos="40000">
+              <a:schemeClr val="phClr">
+                <a:tint val="45000"/>
+                <a:shade val="99000"/>
+                <a:satMod val="350000"/>
+              </a:schemeClr>
+            </a:gs>
+            <a:gs pos="100000">
+              <a:schemeClr val="phClr">
+                <a:shade val="20000"/>
+                <a:satMod val="255000"/>
+              </a:schemeClr>
+            </a:gs>
+          </a:gsLst>
+          <a:path path="circle">
+            <a:fillToRect l="50000" t="-80000" r="50000" b="180000"/>
+          </a:path>
+        </a:gradFill>
+        <a:gradFill rotWithShape="1">
+          <a:gsLst>
+            <a:gs pos="0">
+              <a:schemeClr val="phClr">
+                <a:tint val="80000"/>
+                <a:satMod val="300000"/>
+              </a:schemeClr>
+            </a:gs>
+            <a:gs pos="100000">
+              <a:schemeClr val="phClr">
+                <a:shade val="30000"/>
+                <a:satMod val="200000"/>
+              </a:schemeClr>
+            </a:gs>
+          </a:gsLst>
+          <a:path path="circle">
+            <a:fillToRect l="50000" t="50000" r="50000" b="50000"/>
+          </a:path>
+        </a:gradFill>
+      </a:bgFillStyleLst>
+    </a:fmtScheme>
+  </a:themeElements>
+  <a:objectDefaults/>
+  <a:extraClrSchemeLst/>
+</a:theme>
+</file>
+
+<file path=ppt/theme/theme2.xml><?xml version="1.0" encoding="utf-8"?>
+<a:theme xmlns:a="http://schemas.openxmlformats.org/drawingml/2006/main">
   <a:themeElements>
     <a:clrScheme name="Default">
       <a:dk1>
@@ -9730,284 +10125,7 @@
       </a:bgFillStyleLst>
     </a:fmtScheme>
   </a:themeElements>
-</a:theme>
-</file>
-
-<file path=ppt/theme/theme2.xml><?xml version="1.0" encoding="utf-8"?>
-<a:theme xmlns:a="http://schemas.openxmlformats.org/drawingml/2006/main" xmlns:r="http://schemas.openxmlformats.org/officeDocument/2006/relationships" name="Streamline">
-  <a:themeElements>
-    <a:clrScheme name="Streamline">
-      <a:dk1>
-        <a:srgbClr val="1A9988"/>
-      </a:dk1>
-      <a:lt1>
-        <a:srgbClr val="FFFFFF"/>
-      </a:lt1>
-      <a:dk2>
-        <a:srgbClr val="1A1A1A"/>
-      </a:dk2>
-      <a:lt2>
-        <a:srgbClr val="E9EDEE"/>
-      </a:lt2>
-      <a:accent1>
-        <a:srgbClr val="595959"/>
-      </a:accent1>
-      <a:accent2>
-        <a:srgbClr val="6AA4C8"/>
-      </a:accent2>
-      <a:accent3>
-        <a:srgbClr val="EB5600"/>
-      </a:accent3>
-      <a:accent4>
-        <a:srgbClr val="A2FFE8"/>
-      </a:accent4>
-      <a:accent5>
-        <a:srgbClr val="1C3678"/>
-      </a:accent5>
-      <a:accent6>
-        <a:srgbClr val="FFB8A2"/>
-      </a:accent6>
-      <a:hlink>
-        <a:srgbClr val="1C3678"/>
-      </a:hlink>
-      <a:folHlink>
-        <a:srgbClr val="1C3678"/>
-      </a:folHlink>
-    </a:clrScheme>
-    <a:fontScheme name="Office">
-      <a:majorFont>
-        <a:latin typeface="Arial"/>
-        <a:ea typeface=""/>
-        <a:cs typeface=""/>
-        <a:font script="Jpan" typeface="ＭＳ Ｐゴシック"/>
-        <a:font script="Hang" typeface="맑은 고딕"/>
-        <a:font script="Hans" typeface="宋体"/>
-        <a:font script="Hant" typeface="新細明體"/>
-        <a:font script="Arab" typeface="Times New Roman"/>
-        <a:font script="Hebr" typeface="Times New Roman"/>
-        <a:font script="Thai" typeface="Angsana New"/>
-        <a:font script="Ethi" typeface="Nyala"/>
-        <a:font script="Beng" typeface="Vrinda"/>
-        <a:font script="Gujr" typeface="Shruti"/>
-        <a:font script="Khmr" typeface="MoolBoran"/>
-        <a:font script="Knda" typeface="Tunga"/>
-        <a:font script="Guru" typeface="Raavi"/>
-        <a:font script="Cans" typeface="Euphemia"/>
-        <a:font script="Cher" typeface="Plantagenet Cherokee"/>
-        <a:font script="Yiii" typeface="Microsoft Yi Baiti"/>
-        <a:font script="Tibt" typeface="Microsoft Himalaya"/>
-        <a:font script="Thaa" typeface="MV Boli"/>
-        <a:font script="Deva" typeface="Mangal"/>
-        <a:font script="Telu" typeface="Gautami"/>
-        <a:font script="Taml" typeface="Latha"/>
-        <a:font script="Syrc" typeface="Estrangelo Edessa"/>
-        <a:font script="Orya" typeface="Kalinga"/>
-        <a:font script="Mlym" typeface="Kartika"/>
-        <a:font script="Laoo" typeface="DokChampa"/>
-        <a:font script="Sinh" typeface="Iskoola Pota"/>
-        <a:font script="Mong" typeface="Mongolian Baiti"/>
-        <a:font script="Viet" typeface="Times New Roman"/>
-        <a:font script="Uigh" typeface="Microsoft Uighur"/>
-        <a:font script="Geor" typeface="Sylfaen"/>
-      </a:majorFont>
-      <a:minorFont>
-        <a:latin typeface="Arial"/>
-        <a:ea typeface=""/>
-        <a:cs typeface=""/>
-        <a:font script="Jpan" typeface="ＭＳ Ｐゴシック"/>
-        <a:font script="Hang" typeface="맑은 고딕"/>
-        <a:font script="Hans" typeface="宋体"/>
-        <a:font script="Hant" typeface="新細明體"/>
-        <a:font script="Arab" typeface="Arial"/>
-        <a:font script="Hebr" typeface="Arial"/>
-        <a:font script="Thai" typeface="Cordia New"/>
-        <a:font script="Ethi" typeface="Nyala"/>
-        <a:font script="Beng" typeface="Vrinda"/>
-        <a:font script="Gujr" typeface="Shruti"/>
-        <a:font script="Khmr" typeface="DaunPenh"/>
-        <a:font script="Knda" typeface="Tunga"/>
-        <a:font script="Guru" typeface="Raavi"/>
-        <a:font script="Cans" typeface="Euphemia"/>
-        <a:font script="Cher" typeface="Plantagenet Cherokee"/>
-        <a:font script="Yiii" typeface="Microsoft Yi Baiti"/>
-        <a:font script="Tibt" typeface="Microsoft Himalaya"/>
-        <a:font script="Thaa" typeface="MV Boli"/>
-        <a:font script="Deva" typeface="Mangal"/>
-        <a:font script="Telu" typeface="Gautami"/>
-        <a:font script="Taml" typeface="Latha"/>
-        <a:font script="Syrc" typeface="Estrangelo Edessa"/>
-        <a:font script="Orya" typeface="Kalinga"/>
-        <a:font script="Mlym" typeface="Kartika"/>
-        <a:font script="Laoo" typeface="DokChampa"/>
-        <a:font script="Sinh" typeface="Iskoola Pota"/>
-        <a:font script="Mong" typeface="Mongolian Baiti"/>
-        <a:font script="Viet" typeface="Arial"/>
-        <a:font script="Uigh" typeface="Microsoft Uighur"/>
-        <a:font script="Geor" typeface="Sylfaen"/>
-      </a:minorFont>
-    </a:fontScheme>
-    <a:fmtScheme name="Office">
-      <a:fillStyleLst>
-        <a:solidFill>
-          <a:schemeClr val="phClr"/>
-        </a:solidFill>
-        <a:gradFill rotWithShape="1">
-          <a:gsLst>
-            <a:gs pos="0">
-              <a:schemeClr val="phClr">
-                <a:tint val="50000"/>
-                <a:satMod val="300000"/>
-              </a:schemeClr>
-            </a:gs>
-            <a:gs pos="35000">
-              <a:schemeClr val="phClr">
-                <a:tint val="37000"/>
-                <a:satMod val="300000"/>
-              </a:schemeClr>
-            </a:gs>
-            <a:gs pos="100000">
-              <a:schemeClr val="phClr">
-                <a:tint val="15000"/>
-                <a:satMod val="350000"/>
-              </a:schemeClr>
-            </a:gs>
-          </a:gsLst>
-          <a:lin ang="16200000" scaled="1"/>
-        </a:gradFill>
-        <a:gradFill rotWithShape="1">
-          <a:gsLst>
-            <a:gs pos="0">
-              <a:schemeClr val="phClr">
-                <a:tint val="100000"/>
-                <a:shade val="100000"/>
-                <a:satMod val="130000"/>
-              </a:schemeClr>
-            </a:gs>
-            <a:gs pos="100000">
-              <a:schemeClr val="phClr">
-                <a:tint val="50000"/>
-                <a:shade val="100000"/>
-                <a:satMod val="350000"/>
-              </a:schemeClr>
-            </a:gs>
-          </a:gsLst>
-          <a:lin ang="16200000" scaled="0"/>
-        </a:gradFill>
-      </a:fillStyleLst>
-      <a:lnStyleLst>
-        <a:ln w="9525" cap="flat" cmpd="sng" algn="ctr">
-          <a:solidFill>
-            <a:schemeClr val="phClr">
-              <a:shade val="95000"/>
-              <a:satMod val="105000"/>
-            </a:schemeClr>
-          </a:solidFill>
-          <a:prstDash val="solid"/>
-        </a:ln>
-        <a:ln w="25400" cap="flat" cmpd="sng" algn="ctr">
-          <a:solidFill>
-            <a:schemeClr val="phClr"/>
-          </a:solidFill>
-          <a:prstDash val="solid"/>
-        </a:ln>
-        <a:ln w="38100" cap="flat" cmpd="sng" algn="ctr">
-          <a:solidFill>
-            <a:schemeClr val="phClr"/>
-          </a:solidFill>
-          <a:prstDash val="solid"/>
-        </a:ln>
-      </a:lnStyleLst>
-      <a:effectStyleLst>
-        <a:effectStyle>
-          <a:effectLst>
-            <a:outerShdw blurRad="40000" dist="20000" dir="5400000" rotWithShape="0">
-              <a:srgbClr val="000000">
-                <a:alpha val="38000"/>
-              </a:srgbClr>
-            </a:outerShdw>
-          </a:effectLst>
-        </a:effectStyle>
-        <a:effectStyle>
-          <a:effectLst>
-            <a:outerShdw blurRad="40000" dist="23000" dir="5400000" rotWithShape="0">
-              <a:srgbClr val="000000">
-                <a:alpha val="35000"/>
-              </a:srgbClr>
-            </a:outerShdw>
-          </a:effectLst>
-        </a:effectStyle>
-        <a:effectStyle>
-          <a:effectLst>
-            <a:outerShdw blurRad="40000" dist="23000" dir="5400000" rotWithShape="0">
-              <a:srgbClr val="000000">
-                <a:alpha val="35000"/>
-              </a:srgbClr>
-            </a:outerShdw>
-          </a:effectLst>
-          <a:scene3d>
-            <a:camera prst="orthographicFront">
-              <a:rot lat="0" lon="0" rev="0"/>
-            </a:camera>
-            <a:lightRig rig="threePt" dir="t">
-              <a:rot lat="0" lon="0" rev="1200000"/>
-            </a:lightRig>
-          </a:scene3d>
-          <a:sp3d>
-            <a:bevelT w="63500" h="25400"/>
-          </a:sp3d>
-        </a:effectStyle>
-      </a:effectStyleLst>
-      <a:bgFillStyleLst>
-        <a:solidFill>
-          <a:schemeClr val="phClr"/>
-        </a:solidFill>
-        <a:gradFill rotWithShape="1">
-          <a:gsLst>
-            <a:gs pos="0">
-              <a:schemeClr val="phClr">
-                <a:tint val="40000"/>
-                <a:satMod val="350000"/>
-              </a:schemeClr>
-            </a:gs>
-            <a:gs pos="40000">
-              <a:schemeClr val="phClr">
-                <a:tint val="45000"/>
-                <a:shade val="99000"/>
-                <a:satMod val="350000"/>
-              </a:schemeClr>
-            </a:gs>
-            <a:gs pos="100000">
-              <a:schemeClr val="phClr">
-                <a:shade val="20000"/>
-                <a:satMod val="255000"/>
-              </a:schemeClr>
-            </a:gs>
-          </a:gsLst>
-          <a:path path="circle">
-            <a:fillToRect l="50000" t="-80000" r="50000" b="180000"/>
-          </a:path>
-        </a:gradFill>
-        <a:gradFill rotWithShape="1">
-          <a:gsLst>
-            <a:gs pos="0">
-              <a:schemeClr val="phClr">
-                <a:tint val="80000"/>
-                <a:satMod val="300000"/>
-              </a:schemeClr>
-            </a:gs>
-            <a:gs pos="100000">
-              <a:schemeClr val="phClr">
-                <a:shade val="30000"/>
-                <a:satMod val="200000"/>
-              </a:schemeClr>
-            </a:gs>
-          </a:gsLst>
-          <a:path path="circle">
-            <a:fillToRect l="50000" t="50000" r="50000" b="50000"/>
-          </a:path>
-        </a:gradFill>
-      </a:bgFillStyleLst>
-    </a:fmtScheme>
-  </a:themeElements>
+  <a:objectDefaults/>
+  <a:extraClrSchemeLst/>
 </a:theme>
 </file>